--- a/dizdocs/bakalavr.pptx
+++ b/dizdocs/bakalavr.pptx
@@ -271,7 +271,7 @@
           <a:p>
             <a:fld id="{49A3F619-4E85-401A-AB9F-B194067E8033}" type="datetimeFigureOut">
               <a:rPr lang="ru-RU" smtClean="0"/>
-              <a:t>17.06.2021</a:t>
+              <a:t>20.06.2021</a:t>
             </a:fld>
             <a:endParaRPr lang="ru-RU"/>
           </a:p>
@@ -1011,35 +1011,19 @@
           <a:p>
             <a:r>
               <a:rPr lang="ru-RU" dirty="0"/>
-              <a:t>Было необходимо придумать как представлять ДРАКОН-схему в памяти компьютера.</a:t>
-            </a:r>
-          </a:p>
-          <a:p>
-            <a:r>
-              <a:rPr lang="ru-RU" dirty="0"/>
-              <a:t>Соответственно была разработана древовидная структура, где каждый компонент представляет икону или </a:t>
-            </a:r>
-            <a:r>
-              <a:rPr lang="ru-RU" dirty="0" err="1"/>
-              <a:t>макроикону</a:t>
-            </a:r>
-            <a:r>
-              <a:rPr lang="ru-RU" dirty="0"/>
-              <a:t>, в зависимости от её типа. </a:t>
-            </a:r>
-          </a:p>
-          <a:p>
-            <a:r>
-              <a:rPr lang="ru-RU" dirty="0"/>
-              <a:t>Каждая </a:t>
-            </a:r>
-            <a:r>
-              <a:rPr lang="ru-RU" dirty="0" err="1"/>
-              <a:t>макроикона</a:t>
-            </a:r>
-            <a:r>
-              <a:rPr lang="ru-RU" dirty="0"/>
-              <a:t> хранит массив вложенных в неё икон, Где важно хранить их в правильном порядке. Так как они формируют последовательность действий алгоритма.</a:t>
+              <a:t>Необходимо было придумать как представлять ДРАКОН-схему в памяти компьютера.</a:t>
+            </a:r>
+          </a:p>
+          <a:p>
+            <a:r>
+              <a:rPr lang="ru-RU" dirty="0"/>
+              <a:t>Соответственно была спроектирована древовидная структура, где каждый компонент представляет икону или макроикону, в зависимости от её типа. </a:t>
+            </a:r>
+          </a:p>
+          <a:p>
+            <a:r>
+              <a:rPr lang="ru-RU" dirty="0"/>
+              <a:t>Каждая макроикона хранит массив вложенных в неё икон, которые важно хранить в правильном порядке. Так как они формируют последовательность действий алгоритма.</a:t>
             </a:r>
             <a:br>
               <a:rPr lang="ru-RU" dirty="0"/>
@@ -1049,7 +1033,7 @@
             </a:br>
             <a:r>
               <a:rPr lang="ru-RU" dirty="0"/>
-              <a:t>Каждый элемент такой структуры состоит из типа иконы, её содержимого, не для всех икон оно требуется.</a:t>
+              <a:t>Каждый элемент такой структуры состоит из типа иконы, её содержимого</a:t>
             </a:r>
             <a:br>
               <a:rPr lang="ru-RU" dirty="0"/>
@@ -1162,22 +1146,14 @@
           <a:p>
             <a:r>
               <a:rPr lang="ru-RU" dirty="0"/>
-              <a:t>Для отображения ДРАКОН-схем используется модель, представленная на предыдущем слайде.</a:t>
+              <a:t>Для отображения ДРАКОН-схем используется та же модель, представленная на предыдущем слайде.</a:t>
             </a:r>
             <a:br>
               <a:rPr lang="ru-RU" dirty="0"/>
             </a:br>
             <a:r>
               <a:rPr lang="ru-RU" dirty="0"/>
-              <a:t>Координаты простых икон вычисляются на основе данных о размере и положении содержащей их </a:t>
-            </a:r>
-            <a:r>
-              <a:rPr lang="ru-RU" dirty="0" err="1"/>
-              <a:t>макроиконы</a:t>
-            </a:r>
-            <a:r>
-              <a:rPr lang="ru-RU" dirty="0"/>
-              <a:t>, размер которой, в свою очередь, вычисляется динамически по мере чтения схемы из памяти.</a:t>
+              <a:t>Координаты простых икон вычисляются на основе данных о размере и положении содержащей их макроиконы, размер которой, в свою очередь, вычисляется динамически по мере чтения схемы.</a:t>
             </a:r>
             <a:br>
               <a:rPr lang="ru-RU" dirty="0"/>
@@ -1204,7 +1180,7 @@
           <a:p>
             <a:r>
               <a:rPr lang="ru-RU" dirty="0"/>
-              <a:t>Например, мы не может вставить икону в условную конструкцию перед веткой, только внутрь одной из веток.</a:t>
+              <a:t>Например, мы не можем вставить икону в условную конструкцию перед веткой, только внутрь одной из веток.</a:t>
             </a:r>
           </a:p>
           <a:p>
@@ -3902,7 +3878,7 @@
           <a:p>
             <a:fld id="{62AE3241-46A6-174A-8F19-3213B10CEE0C}" type="datetime1">
               <a:rPr lang="ru-RU" smtClean="0"/>
-              <a:t>17.06.2021</a:t>
+              <a:t>20.06.2021</a:t>
             </a:fld>
             <a:endParaRPr lang="en-US" dirty="0"/>
           </a:p>
@@ -4232,7 +4208,7 @@
           <a:p>
             <a:fld id="{5E8C3463-215C-EA45-B917-1ADAD461D17F}" type="datetime1">
               <a:rPr lang="ru-RU" smtClean="0"/>
-              <a:t>17.06.2021</a:t>
+              <a:t>20.06.2021</a:t>
             </a:fld>
             <a:endParaRPr lang="en-US" dirty="0"/>
           </a:p>
@@ -4412,7 +4388,7 @@
           <a:p>
             <a:fld id="{174209E6-A630-DE44-8E88-EBA71BAE8EE0}" type="datetime1">
               <a:rPr lang="ru-RU" smtClean="0"/>
-              <a:t>17.06.2021</a:t>
+              <a:t>20.06.2021</a:t>
             </a:fld>
             <a:endParaRPr lang="en-US" dirty="0"/>
           </a:p>
@@ -4605,7 +4581,7 @@
           <a:p>
             <a:fld id="{0D6C3294-7A17-5547-93C5-2E9A7DCED528}" type="datetime1">
               <a:rPr lang="ru-RU" smtClean="0"/>
-              <a:t>17.06.2021</a:t>
+              <a:t>20.06.2021</a:t>
             </a:fld>
             <a:endParaRPr lang="en-US" dirty="0"/>
           </a:p>
@@ -4892,7 +4868,7 @@
           <a:p>
             <a:fld id="{AE46F606-2589-DA4B-85F0-7F6C49369CAA}" type="datetime1">
               <a:rPr lang="ru-RU" smtClean="0"/>
-              <a:t>17.06.2021</a:t>
+              <a:t>20.06.2021</a:t>
             </a:fld>
             <a:endParaRPr lang="en-US" dirty="0"/>
           </a:p>
@@ -5286,7 +5262,7 @@
           <a:p>
             <a:fld id="{F4C89706-8A7B-C54A-A6F4-0B24533DEB80}" type="datetime1">
               <a:rPr lang="ru-RU" smtClean="0"/>
-              <a:t>17.06.2021</a:t>
+              <a:t>20.06.2021</a:t>
             </a:fld>
             <a:endParaRPr lang="en-US" dirty="0"/>
           </a:p>
@@ -5763,7 +5739,7 @@
           <a:p>
             <a:fld id="{504FAB59-BF21-8441-8AB1-F0D7CEF8C0B1}" type="datetime1">
               <a:rPr lang="ru-RU" smtClean="0"/>
-              <a:t>17.06.2021</a:t>
+              <a:t>20.06.2021</a:t>
             </a:fld>
             <a:endParaRPr lang="en-US" dirty="0"/>
           </a:p>
@@ -5881,7 +5857,7 @@
           <a:p>
             <a:fld id="{10FD55EB-5648-CE46-A55A-5283D13BBF17}" type="datetime1">
               <a:rPr lang="ru-RU" smtClean="0"/>
-              <a:t>17.06.2021</a:t>
+              <a:t>20.06.2021</a:t>
             </a:fld>
             <a:endParaRPr lang="en-US" dirty="0"/>
           </a:p>
@@ -5976,7 +5952,7 @@
           <a:p>
             <a:fld id="{C959EE28-D22C-CF4D-BC91-E85D2C473E7F}" type="datetime1">
               <a:rPr lang="ru-RU" smtClean="0"/>
-              <a:t>17.06.2021</a:t>
+              <a:t>20.06.2021</a:t>
             </a:fld>
             <a:endParaRPr lang="en-US" dirty="0"/>
           </a:p>
@@ -6322,7 +6298,7 @@
           <a:p>
             <a:fld id="{D89BAB5C-B105-F740-8AC6-FDB6A84F66ED}" type="datetime1">
               <a:rPr lang="ru-RU" smtClean="0"/>
-              <a:t>17.06.2021</a:t>
+              <a:t>20.06.2021</a:t>
             </a:fld>
             <a:endParaRPr lang="en-US" dirty="0"/>
           </a:p>
@@ -6710,7 +6686,7 @@
           <a:p>
             <a:fld id="{F584361A-6439-3149-9F2D-66FA6BF4D879}" type="datetime1">
               <a:rPr lang="ru-RU" smtClean="0"/>
-              <a:t>17.06.2021</a:t>
+              <a:t>20.06.2021</a:t>
             </a:fld>
             <a:endParaRPr lang="en-US" dirty="0"/>
           </a:p>
@@ -6990,7 +6966,7 @@
           <a:p>
             <a:fld id="{F584361A-6439-3149-9F2D-66FA6BF4D879}" type="datetime1">
               <a:rPr lang="ru-RU" smtClean="0"/>
-              <a:t>17.06.2021</a:t>
+              <a:t>20.06.2021</a:t>
             </a:fld>
             <a:endParaRPr lang="en-US" dirty="0"/>
           </a:p>
@@ -12230,7 +12206,7 @@
               <a:rPr lang="ru-RU" dirty="0">
                 <a:cs typeface="Times New Roman" panose="02020603050405020304" pitchFamily="18" charset="0"/>
               </a:rPr>
-              <a:t>2.3</a:t>
+              <a:t>3.2</a:t>
             </a:r>
             <a:endParaRPr lang="en-US" dirty="0">
               <a:cs typeface="Times New Roman" panose="02020603050405020304" pitchFamily="18" charset="0"/>
@@ -12484,8 +12460,33 @@
                 <a:latin typeface="Calibri" panose="020F0502020204030204" pitchFamily="34" charset="0"/>
                 <a:cs typeface="Calibri" panose="020F0502020204030204" pitchFamily="34" charset="0"/>
               </a:rPr>
-              <a:t>Свыше 2000 строк кода клиента</a:t>
-            </a:r>
+              <a:t>7</a:t>
+            </a:r>
+            <a:r>
+              <a:rPr lang="en-US" dirty="0">
+                <a:latin typeface="Calibri" panose="020F0502020204030204" pitchFamily="34" charset="0"/>
+                <a:cs typeface="Calibri" panose="020F0502020204030204" pitchFamily="34" charset="0"/>
+              </a:rPr>
+              <a:t> </a:t>
+            </a:r>
+            <a:r>
+              <a:rPr lang="ru-RU" dirty="0">
+                <a:latin typeface="Calibri" panose="020F0502020204030204" pitchFamily="34" charset="0"/>
+                <a:cs typeface="Calibri" panose="020F0502020204030204" pitchFamily="34" charset="0"/>
+              </a:rPr>
+              <a:t>модулей сервисов </a:t>
+            </a:r>
+            <a:r>
+              <a:rPr lang="en-US" dirty="0" err="1">
+                <a:latin typeface="Calibri" panose="020F0502020204030204" pitchFamily="34" charset="0"/>
+                <a:cs typeface="Calibri" panose="020F0502020204030204" pitchFamily="34" charset="0"/>
+              </a:rPr>
+              <a:t>NestJS</a:t>
+            </a:r>
+            <a:endParaRPr lang="ru-RU" dirty="0">
+              <a:latin typeface="Calibri" panose="020F0502020204030204" pitchFamily="34" charset="0"/>
+              <a:cs typeface="Calibri" panose="020F0502020204030204" pitchFamily="34" charset="0"/>
+            </a:endParaRPr>
           </a:p>
           <a:p>
             <a:r>
@@ -12504,42 +12505,16 @@
               </a:rPr>
               <a:t>3 справочника для базы данных</a:t>
             </a:r>
-            <a:endParaRPr lang="en-US" dirty="0">
-              <a:latin typeface="Calibri" panose="020F0502020204030204" pitchFamily="34" charset="0"/>
-              <a:cs typeface="Calibri" panose="020F0502020204030204" pitchFamily="34" charset="0"/>
-            </a:endParaRPr>
-          </a:p>
-          <a:p>
-            <a:pPr lvl="0"/>
+          </a:p>
+          <a:p>
             <a:r>
               <a:rPr lang="ru-RU" dirty="0">
                 <a:latin typeface="Calibri" panose="020F0502020204030204" pitchFamily="34" charset="0"/>
                 <a:cs typeface="Calibri" panose="020F0502020204030204" pitchFamily="34" charset="0"/>
               </a:rPr>
-              <a:t>7</a:t>
-            </a:r>
-            <a:r>
-              <a:rPr lang="en-US" dirty="0">
-                <a:latin typeface="Calibri" panose="020F0502020204030204" pitchFamily="34" charset="0"/>
-                <a:cs typeface="Calibri" panose="020F0502020204030204" pitchFamily="34" charset="0"/>
-              </a:rPr>
-              <a:t> </a:t>
-            </a:r>
-            <a:r>
-              <a:rPr lang="ru-RU" dirty="0">
-                <a:latin typeface="Calibri" panose="020F0502020204030204" pitchFamily="34" charset="0"/>
-                <a:cs typeface="Calibri" panose="020F0502020204030204" pitchFamily="34" charset="0"/>
-              </a:rPr>
-              <a:t>модулей сервисов </a:t>
-            </a:r>
-            <a:r>
-              <a:rPr lang="en-US" dirty="0" err="1">
-                <a:latin typeface="Calibri" panose="020F0502020204030204" pitchFamily="34" charset="0"/>
-                <a:cs typeface="Calibri" panose="020F0502020204030204" pitchFamily="34" charset="0"/>
-              </a:rPr>
-              <a:t>NestJS</a:t>
-            </a:r>
-            <a:endParaRPr lang="ru-RU" dirty="0">
+              <a:t>Свыше 2000 строк кода клиента</a:t>
+            </a:r>
+            <a:endParaRPr lang="en-US" dirty="0">
               <a:latin typeface="Calibri" panose="020F0502020204030204" pitchFamily="34" charset="0"/>
               <a:cs typeface="Calibri" panose="020F0502020204030204" pitchFamily="34" charset="0"/>
             </a:endParaRPr>
@@ -12866,7 +12841,7 @@
             </a:pPr>
             <a:r>
               <a:rPr lang="ru-RU" dirty="0"/>
-              <a:t>В результате выполнения выпускной квалификационной работы разработана единая среда обучения основам алгоритмизации с помощью языка ДРАКОН в виде клиент-серверного приложения</a:t>
+              <a:t>В результате выполнения выпускной квалификационной работы разработана единая среда обучения основам алгоритмизации с помощью языка ДРАКОН</a:t>
             </a:r>
           </a:p>
         </p:txBody>

--- a/dizdocs/bakalavr.pptx
+++ b/dizdocs/bakalavr.pptx
@@ -271,7 +271,7 @@
           <a:p>
             <a:fld id="{49A3F619-4E85-401A-AB9F-B194067E8033}" type="datetimeFigureOut">
               <a:rPr lang="ru-RU" smtClean="0"/>
-              <a:t>20.06.2021</a:t>
+              <a:t>24.06.2021</a:t>
             </a:fld>
             <a:endParaRPr lang="ru-RU"/>
           </a:p>
@@ -800,7 +800,7 @@
           <a:p>
             <a:r>
               <a:rPr lang="ru-RU" dirty="0"/>
-              <a:t>Для автономной автоматизированной среды обучения требуются 3 основные роли:</a:t>
+              <a:t>Для автоматизированной среды обучения требуются 3 основные роли:</a:t>
             </a:r>
           </a:p>
           <a:p>
@@ -3424,7 +3424,7 @@
             </a:pPr>
             <a:r>
               <a:rPr lang="ru-RU" dirty="0"/>
-              <a:t>Поскольку алгоритм на языке ДРАКОН однозначно представляется, то можно однозначно перевести алгоритм в некий язык программирования автоматизированным способом.</a:t>
+              <a:t>Поскольку алгоритм на языке ДРАКОН однозначно представляется, то можно также однозначно перевести алгоритм в некоторый текстовый язык программирования автоматизированным способом.</a:t>
             </a:r>
           </a:p>
           <a:p>
@@ -3578,7 +3578,7 @@
           <a:p>
             <a:r>
               <a:rPr lang="ru-RU" dirty="0"/>
-              <a:t>Возможность трансляции в текстовый ЯП показывает пользователю как должен выглядеть алгоритм в текстовом виде, что в будущем поможет ему с правильным построением алгоритмов.</a:t>
+              <a:t>А Возможность трансляции в текстовый ЯП показывает пользователю как должен выглядеть алгоритм в текстовом виде, что в будущем поможет ему с правильным построением алгоритмов.</a:t>
             </a:r>
           </a:p>
           <a:p>
@@ -3878,7 +3878,7 @@
           <a:p>
             <a:fld id="{62AE3241-46A6-174A-8F19-3213B10CEE0C}" type="datetime1">
               <a:rPr lang="ru-RU" smtClean="0"/>
-              <a:t>20.06.2021</a:t>
+              <a:t>24.06.2021</a:t>
             </a:fld>
             <a:endParaRPr lang="en-US" dirty="0"/>
           </a:p>
@@ -4208,7 +4208,7 @@
           <a:p>
             <a:fld id="{5E8C3463-215C-EA45-B917-1ADAD461D17F}" type="datetime1">
               <a:rPr lang="ru-RU" smtClean="0"/>
-              <a:t>20.06.2021</a:t>
+              <a:t>24.06.2021</a:t>
             </a:fld>
             <a:endParaRPr lang="en-US" dirty="0"/>
           </a:p>
@@ -4388,7 +4388,7 @@
           <a:p>
             <a:fld id="{174209E6-A630-DE44-8E88-EBA71BAE8EE0}" type="datetime1">
               <a:rPr lang="ru-RU" smtClean="0"/>
-              <a:t>20.06.2021</a:t>
+              <a:t>24.06.2021</a:t>
             </a:fld>
             <a:endParaRPr lang="en-US" dirty="0"/>
           </a:p>
@@ -4581,7 +4581,7 @@
           <a:p>
             <a:fld id="{0D6C3294-7A17-5547-93C5-2E9A7DCED528}" type="datetime1">
               <a:rPr lang="ru-RU" smtClean="0"/>
-              <a:t>20.06.2021</a:t>
+              <a:t>24.06.2021</a:t>
             </a:fld>
             <a:endParaRPr lang="en-US" dirty="0"/>
           </a:p>
@@ -4868,7 +4868,7 @@
           <a:p>
             <a:fld id="{AE46F606-2589-DA4B-85F0-7F6C49369CAA}" type="datetime1">
               <a:rPr lang="ru-RU" smtClean="0"/>
-              <a:t>20.06.2021</a:t>
+              <a:t>24.06.2021</a:t>
             </a:fld>
             <a:endParaRPr lang="en-US" dirty="0"/>
           </a:p>
@@ -5262,7 +5262,7 @@
           <a:p>
             <a:fld id="{F4C89706-8A7B-C54A-A6F4-0B24533DEB80}" type="datetime1">
               <a:rPr lang="ru-RU" smtClean="0"/>
-              <a:t>20.06.2021</a:t>
+              <a:t>24.06.2021</a:t>
             </a:fld>
             <a:endParaRPr lang="en-US" dirty="0"/>
           </a:p>
@@ -5739,7 +5739,7 @@
           <a:p>
             <a:fld id="{504FAB59-BF21-8441-8AB1-F0D7CEF8C0B1}" type="datetime1">
               <a:rPr lang="ru-RU" smtClean="0"/>
-              <a:t>20.06.2021</a:t>
+              <a:t>24.06.2021</a:t>
             </a:fld>
             <a:endParaRPr lang="en-US" dirty="0"/>
           </a:p>
@@ -5857,7 +5857,7 @@
           <a:p>
             <a:fld id="{10FD55EB-5648-CE46-A55A-5283D13BBF17}" type="datetime1">
               <a:rPr lang="ru-RU" smtClean="0"/>
-              <a:t>20.06.2021</a:t>
+              <a:t>24.06.2021</a:t>
             </a:fld>
             <a:endParaRPr lang="en-US" dirty="0"/>
           </a:p>
@@ -5952,7 +5952,7 @@
           <a:p>
             <a:fld id="{C959EE28-D22C-CF4D-BC91-E85D2C473E7F}" type="datetime1">
               <a:rPr lang="ru-RU" smtClean="0"/>
-              <a:t>20.06.2021</a:t>
+              <a:t>24.06.2021</a:t>
             </a:fld>
             <a:endParaRPr lang="en-US" dirty="0"/>
           </a:p>
@@ -6298,7 +6298,7 @@
           <a:p>
             <a:fld id="{D89BAB5C-B105-F740-8AC6-FDB6A84F66ED}" type="datetime1">
               <a:rPr lang="ru-RU" smtClean="0"/>
-              <a:t>20.06.2021</a:t>
+              <a:t>24.06.2021</a:t>
             </a:fld>
             <a:endParaRPr lang="en-US" dirty="0"/>
           </a:p>
@@ -6686,7 +6686,7 @@
           <a:p>
             <a:fld id="{F584361A-6439-3149-9F2D-66FA6BF4D879}" type="datetime1">
               <a:rPr lang="ru-RU" smtClean="0"/>
-              <a:t>20.06.2021</a:t>
+              <a:t>24.06.2021</a:t>
             </a:fld>
             <a:endParaRPr lang="en-US" dirty="0"/>
           </a:p>
@@ -6966,7 +6966,7 @@
           <a:p>
             <a:fld id="{F584361A-6439-3149-9F2D-66FA6BF4D879}" type="datetime1">
               <a:rPr lang="ru-RU" smtClean="0"/>
-              <a:t>20.06.2021</a:t>
+              <a:t>24.06.2021</a:t>
             </a:fld>
             <a:endParaRPr lang="en-US" dirty="0"/>
           </a:p>
@@ -7958,7 +7958,7 @@
         </p:blipFill>
         <p:spPr>
           <a:xfrm>
-            <a:off x="1030209" y="1196881"/>
+            <a:off x="1030209" y="1196880"/>
             <a:ext cx="10787291" cy="5420480"/>
           </a:xfrm>
           <a:prstGeom prst="rect">

--- a/dizdocs/bakalavr.pptx
+++ b/dizdocs/bakalavr.pptx
@@ -5,8 +5,11 @@
     <p:sldMasterId id="2147484013" r:id="rId1"/>
   </p:sldMasterIdLst>
   <p:notesMasterIdLst>
-    <p:notesMasterId r:id="rId29"/>
+    <p:notesMasterId r:id="rId27"/>
   </p:notesMasterIdLst>
+  <p:handoutMasterIdLst>
+    <p:handoutMasterId r:id="rId28"/>
+  </p:handoutMasterIdLst>
   <p:sldIdLst>
     <p:sldId id="256" r:id="rId2"/>
     <p:sldId id="299" r:id="rId3"/>
@@ -19,22 +22,20 @@
     <p:sldId id="304" r:id="rId10"/>
     <p:sldId id="300" r:id="rId11"/>
     <p:sldId id="260" r:id="rId12"/>
-    <p:sldId id="291" r:id="rId13"/>
-    <p:sldId id="307" r:id="rId14"/>
-    <p:sldId id="308" r:id="rId15"/>
+    <p:sldId id="307" r:id="rId13"/>
+    <p:sldId id="309" r:id="rId14"/>
+    <p:sldId id="291" r:id="rId15"/>
     <p:sldId id="306" r:id="rId16"/>
     <p:sldId id="290" r:id="rId17"/>
-    <p:sldId id="286" r:id="rId18"/>
-    <p:sldId id="305" r:id="rId19"/>
-    <p:sldId id="297" r:id="rId20"/>
-    <p:sldId id="269" r:id="rId21"/>
-    <p:sldId id="268" r:id="rId22"/>
-    <p:sldId id="270" r:id="rId23"/>
-    <p:sldId id="292" r:id="rId24"/>
-    <p:sldId id="271" r:id="rId25"/>
-    <p:sldId id="272" r:id="rId26"/>
-    <p:sldId id="309" r:id="rId27"/>
-    <p:sldId id="273" r:id="rId28"/>
+    <p:sldId id="305" r:id="rId18"/>
+    <p:sldId id="297" r:id="rId19"/>
+    <p:sldId id="269" r:id="rId20"/>
+    <p:sldId id="268" r:id="rId21"/>
+    <p:sldId id="270" r:id="rId22"/>
+    <p:sldId id="292" r:id="rId23"/>
+    <p:sldId id="271" r:id="rId24"/>
+    <p:sldId id="272" r:id="rId25"/>
+    <p:sldId id="273" r:id="rId26"/>
   </p:sldIdLst>
   <p:sldSz cx="12192000" cy="6858000"/>
   <p:notesSz cx="6858000" cy="9144000"/>
@@ -189,6 +190,195 @@
 </p:cmLst>
 </file>
 
+<file path=ppt/handoutMasters/handoutMaster1.xml><?xml version="1.0" encoding="utf-8"?>
+<p:handoutMaster xmlns:a="http://schemas.openxmlformats.org/drawingml/2006/main" xmlns:r="http://schemas.openxmlformats.org/officeDocument/2006/relationships" xmlns:p="http://schemas.openxmlformats.org/presentationml/2006/main">
+  <p:cSld>
+    <p:bg>
+      <p:bgRef idx="1001">
+        <a:schemeClr val="bg1"/>
+      </p:bgRef>
+    </p:bg>
+    <p:spTree>
+      <p:nvGrpSpPr>
+        <p:cNvPr id="1" name=""/>
+        <p:cNvGrpSpPr/>
+        <p:nvPr/>
+      </p:nvGrpSpPr>
+      <p:grpSpPr>
+        <a:xfrm>
+          <a:off x="0" y="0"/>
+          <a:ext cx="0" cy="0"/>
+          <a:chOff x="0" y="0"/>
+          <a:chExt cx="0" cy="0"/>
+        </a:xfrm>
+      </p:grpSpPr>
+      <p:sp>
+        <p:nvSpPr>
+          <p:cNvPr id="2" name="Верхний колонтитул 1">
+            <a:extLst>
+              <a:ext uri="{FF2B5EF4-FFF2-40B4-BE49-F238E27FC236}">
+                <a16:creationId xmlns:a16="http://schemas.microsoft.com/office/drawing/2014/main" id="{5E18C3F7-FA04-4D5C-9633-ED33A1F76345}"/>
+              </a:ext>
+            </a:extLst>
+          </p:cNvPr>
+          <p:cNvSpPr>
+            <a:spLocks noGrp="1"/>
+          </p:cNvSpPr>
+          <p:nvPr>
+            <p:ph type="hdr" sz="quarter"/>
+          </p:nvPr>
+        </p:nvSpPr>
+        <p:spPr>
+          <a:xfrm>
+            <a:off x="0" y="0"/>
+            <a:ext cx="2971800" cy="458788"/>
+          </a:xfrm>
+          <a:prstGeom prst="rect">
+            <a:avLst/>
+          </a:prstGeom>
+        </p:spPr>
+        <p:txBody>
+          <a:bodyPr vert="horz" lIns="91440" tIns="45720" rIns="91440" bIns="45720" rtlCol="0"/>
+          <a:lstStyle>
+            <a:lvl1pPr algn="l">
+              <a:defRPr sz="1200"/>
+            </a:lvl1pPr>
+          </a:lstStyle>
+          <a:p>
+            <a:endParaRPr lang="ru-RU"/>
+          </a:p>
+        </p:txBody>
+      </p:sp>
+      <p:sp>
+        <p:nvSpPr>
+          <p:cNvPr id="3" name="Дата 2">
+            <a:extLst>
+              <a:ext uri="{FF2B5EF4-FFF2-40B4-BE49-F238E27FC236}">
+                <a16:creationId xmlns:a16="http://schemas.microsoft.com/office/drawing/2014/main" id="{60CD8DB2-5E40-465D-AF04-AC1B75F2E3ED}"/>
+              </a:ext>
+            </a:extLst>
+          </p:cNvPr>
+          <p:cNvSpPr>
+            <a:spLocks noGrp="1"/>
+          </p:cNvSpPr>
+          <p:nvPr>
+            <p:ph type="dt" sz="quarter" idx="1"/>
+          </p:nvPr>
+        </p:nvSpPr>
+        <p:spPr>
+          <a:xfrm>
+            <a:off x="3884613" y="0"/>
+            <a:ext cx="2971800" cy="458788"/>
+          </a:xfrm>
+          <a:prstGeom prst="rect">
+            <a:avLst/>
+          </a:prstGeom>
+        </p:spPr>
+        <p:txBody>
+          <a:bodyPr vert="horz" lIns="91440" tIns="45720" rIns="91440" bIns="45720" rtlCol="0"/>
+          <a:lstStyle>
+            <a:lvl1pPr algn="r">
+              <a:defRPr sz="1200"/>
+            </a:lvl1pPr>
+          </a:lstStyle>
+          <a:p>
+            <a:fld id="{94232B65-7B5E-4991-B934-E34018DD1B10}" type="datetimeFigureOut">
+              <a:rPr lang="ru-RU" smtClean="0"/>
+              <a:t>25.06.2021</a:t>
+            </a:fld>
+            <a:endParaRPr lang="ru-RU"/>
+          </a:p>
+        </p:txBody>
+      </p:sp>
+      <p:sp>
+        <p:nvSpPr>
+          <p:cNvPr id="4" name="Нижний колонтитул 3">
+            <a:extLst>
+              <a:ext uri="{FF2B5EF4-FFF2-40B4-BE49-F238E27FC236}">
+                <a16:creationId xmlns:a16="http://schemas.microsoft.com/office/drawing/2014/main" id="{44CC23F2-F507-48FB-8280-5D085158CB94}"/>
+              </a:ext>
+            </a:extLst>
+          </p:cNvPr>
+          <p:cNvSpPr>
+            <a:spLocks noGrp="1"/>
+          </p:cNvSpPr>
+          <p:nvPr>
+            <p:ph type="ftr" sz="quarter" idx="2"/>
+          </p:nvPr>
+        </p:nvSpPr>
+        <p:spPr>
+          <a:xfrm>
+            <a:off x="0" y="8685213"/>
+            <a:ext cx="2971800" cy="458787"/>
+          </a:xfrm>
+          <a:prstGeom prst="rect">
+            <a:avLst/>
+          </a:prstGeom>
+        </p:spPr>
+        <p:txBody>
+          <a:bodyPr vert="horz" lIns="91440" tIns="45720" rIns="91440" bIns="45720" rtlCol="0" anchor="b"/>
+          <a:lstStyle>
+            <a:lvl1pPr algn="l">
+              <a:defRPr sz="1200"/>
+            </a:lvl1pPr>
+          </a:lstStyle>
+          <a:p>
+            <a:endParaRPr lang="ru-RU"/>
+          </a:p>
+        </p:txBody>
+      </p:sp>
+      <p:sp>
+        <p:nvSpPr>
+          <p:cNvPr id="5" name="Номер слайда 4">
+            <a:extLst>
+              <a:ext uri="{FF2B5EF4-FFF2-40B4-BE49-F238E27FC236}">
+                <a16:creationId xmlns:a16="http://schemas.microsoft.com/office/drawing/2014/main" id="{2F0A13C1-5C02-48AE-BDFC-87F56785C4E6}"/>
+              </a:ext>
+            </a:extLst>
+          </p:cNvPr>
+          <p:cNvSpPr>
+            <a:spLocks noGrp="1"/>
+          </p:cNvSpPr>
+          <p:nvPr>
+            <p:ph type="sldNum" sz="quarter" idx="3"/>
+          </p:nvPr>
+        </p:nvSpPr>
+        <p:spPr>
+          <a:xfrm>
+            <a:off x="3884613" y="8685213"/>
+            <a:ext cx="2971800" cy="458787"/>
+          </a:xfrm>
+          <a:prstGeom prst="rect">
+            <a:avLst/>
+          </a:prstGeom>
+        </p:spPr>
+        <p:txBody>
+          <a:bodyPr vert="horz" lIns="91440" tIns="45720" rIns="91440" bIns="45720" rtlCol="0" anchor="b"/>
+          <a:lstStyle>
+            <a:lvl1pPr algn="r">
+              <a:defRPr sz="1200"/>
+            </a:lvl1pPr>
+          </a:lstStyle>
+          <a:p>
+            <a:fld id="{B992B8D1-3398-42C5-92D8-E987C1BA5672}" type="slidenum">
+              <a:rPr lang="ru-RU" smtClean="0"/>
+              <a:t>‹#›</a:t>
+            </a:fld>
+            <a:endParaRPr lang="ru-RU"/>
+          </a:p>
+        </p:txBody>
+      </p:sp>
+    </p:spTree>
+    <p:extLst>
+      <p:ext uri="{BB962C8B-B14F-4D97-AF65-F5344CB8AC3E}">
+        <p14:creationId xmlns:p14="http://schemas.microsoft.com/office/powerpoint/2010/main" val="3608548393"/>
+      </p:ext>
+    </p:extLst>
+  </p:cSld>
+  <p:clrMap bg1="lt1" tx1="dk1" bg2="lt2" tx2="dk2" accent1="accent1" accent2="accent2" accent3="accent3" accent4="accent4" accent5="accent5" accent6="accent6" hlink="hlink" folHlink="folHlink"/>
+</p:handoutMaster>
+</file>
+
 <file path=ppt/notesMasters/notesMaster1.xml><?xml version="1.0" encoding="utf-8"?>
 <p:notesMaster xmlns:a="http://schemas.openxmlformats.org/drawingml/2006/main" xmlns:r="http://schemas.openxmlformats.org/officeDocument/2006/relationships" xmlns:p="http://schemas.openxmlformats.org/presentationml/2006/main">
   <p:cSld>
@@ -271,7 +461,7 @@
           <a:p>
             <a:fld id="{49A3F619-4E85-401A-AB9F-B194067E8033}" type="datetimeFigureOut">
               <a:rPr lang="ru-RU" smtClean="0"/>
-              <a:t>24.06.2021</a:t>
+              <a:t>25.06.2021</a:t>
             </a:fld>
             <a:endParaRPr lang="ru-RU"/>
           </a:p>
@@ -671,7 +861,7 @@
             </a:pPr>
             <a:r>
               <a:rPr lang="ru-RU" dirty="0"/>
-              <a:t>Цель:</a:t>
+              <a:t>Цель ВКР:</a:t>
             </a:r>
           </a:p>
           <a:p>
@@ -806,8 +996,24 @@
           <a:p>
             <a:r>
               <a:rPr lang="ru-RU" dirty="0"/>
-              <a:t>Пользователь, которому необходимо дать возможность уникально идентифицировать себя в системе, чтобы иметь возможность хранить свои схемы на сервере</a:t>
-            </a:r>
+              <a:t>Пользователь, которому необходимо дать возможность уникально идентифицировать себя в системе, чтобы иметь возможность хранить и редактировать свои схемы на сервере.</a:t>
+            </a:r>
+          </a:p>
+          <a:p>
+            <a:r>
+              <a:rPr lang="ru-RU" dirty="0"/>
+              <a:t>Также ему необходимо предоставить механизмы трансляции в язык </a:t>
+            </a:r>
+            <a:r>
+              <a:rPr lang="en-US" dirty="0"/>
+              <a:t>JavaScript</a:t>
+            </a:r>
+            <a:r>
+              <a:rPr lang="ru-RU" dirty="0"/>
+              <a:t>.</a:t>
+            </a:r>
+          </a:p>
+          <a:p>
             <a:br>
               <a:rPr lang="ru-RU" dirty="0"/>
             </a:br>
@@ -924,7 +1130,41 @@
           <a:p>
             <a:r>
               <a:rPr lang="ru-RU" dirty="0"/>
-              <a:t>При проектировании базы данных для разрабатываемой системы была разработана диаграмма сущность связь</a:t>
+              <a:t>Сначала было необходимо спроектировать  как представлять ДРАКОН-схему в памяти компьютера.</a:t>
+            </a:r>
+          </a:p>
+          <a:p>
+            <a:r>
+              <a:rPr lang="ru-RU" dirty="0"/>
+              <a:t>Иконы в ДРАКОНЕ во многом похожи друг на друга, однако Макроиконы обладают разным поведением, поэтому было принято решение создать базовый абстрактный класс, который описывает общие атрибуты и базовый шаблон поведения от которого наследуется каждая реализуемая икона.</a:t>
+            </a:r>
+          </a:p>
+          <a:p>
+            <a:endParaRPr lang="ru-RU" dirty="0"/>
+          </a:p>
+          <a:p>
+            <a:r>
+              <a:rPr lang="ru-RU" dirty="0"/>
+              <a:t>Икона должна хранить свой тип, содержимое, которое отображается пользователю, указатель на икону, внутри которой она расположена и массив вложенных в неё икон. Последнее актуально только для макроикон. Примером являются макроиконы Ветка, силуэт, примитив.</a:t>
+            </a:r>
+          </a:p>
+          <a:p>
+            <a:endParaRPr lang="ru-RU" dirty="0"/>
+          </a:p>
+          <a:p>
+            <a:endParaRPr lang="ru-RU" dirty="0"/>
+          </a:p>
+          <a:p>
+            <a:r>
+              <a:rPr lang="ru-RU" dirty="0"/>
+              <a:t>Для получения ассоциативного доступа к элементам схемы было принято решение добавлять ссылки на все иконы схемы в словарь.  </a:t>
+            </a:r>
+            <a:br>
+              <a:rPr lang="ru-RU" dirty="0"/>
+            </a:br>
+            <a:r>
+              <a:rPr lang="ru-RU" dirty="0"/>
+              <a:t>Чем незначительно усложнилась реализация, зато значительно снизилась скорость выполнения операций вставки, удаления и обновления данных.</a:t>
             </a:r>
           </a:p>
         </p:txBody>
@@ -955,7 +1195,7 @@
     </p:spTree>
     <p:extLst>
       <p:ext uri="{BB962C8B-B14F-4D97-AF65-F5344CB8AC3E}">
-        <p14:creationId xmlns:p14="http://schemas.microsoft.com/office/powerpoint/2010/main" val="682851475"/>
+        <p14:creationId xmlns:p14="http://schemas.microsoft.com/office/powerpoint/2010/main" val="1370065723"/>
       </p:ext>
     </p:extLst>
   </p:cSld>
@@ -1011,13 +1251,7 @@
           <a:p>
             <a:r>
               <a:rPr lang="ru-RU" dirty="0"/>
-              <a:t>Необходимо было придумать как представлять ДРАКОН-схему в памяти компьютера.</a:t>
-            </a:r>
-          </a:p>
-          <a:p>
-            <a:r>
-              <a:rPr lang="ru-RU" dirty="0"/>
-              <a:t>Соответственно была спроектирована древовидная структура, где каждый компонент представляет икону или макроикону, в зависимости от её типа. </a:t>
+              <a:t>Соответственно модель ДРАКОН-схемы представляет собой древовидную структура, где каждый компонент представляет икону или макроикону, в зависимости от её типа. </a:t>
             </a:r>
           </a:p>
           <a:p>
@@ -1033,34 +1267,31 @@
             </a:br>
             <a:r>
               <a:rPr lang="ru-RU" dirty="0"/>
-              <a:t>Каждый элемент такой структуры состоит из типа иконы, её содержимого</a:t>
+              <a:t>Такая реализация позволяет однозначно сопоставлять макроиконы с конструкциями языка </a:t>
+            </a:r>
+            <a:r>
+              <a:rPr lang="en-US" dirty="0"/>
+              <a:t>JavaScript</a:t>
+            </a:r>
+            <a:r>
+              <a:rPr lang="ru-RU" dirty="0"/>
+              <a:t>, что позволило реализовать эффективный способ трансляции.</a:t>
             </a:r>
             <a:br>
               <a:rPr lang="ru-RU" dirty="0"/>
             </a:br>
             <a:r>
               <a:rPr lang="ru-RU" dirty="0"/>
-              <a:t>И массива, содержащего вложенные в неё макро и простые иконы</a:t>
-            </a:r>
-          </a:p>
-          <a:p>
+              <a:t>На экране показан пример сопоставления представления ДРАКОН-схемы с её моделью, а также с конвертированным кодом на языке </a:t>
+            </a:r>
+            <a:r>
+              <a:rPr lang="en-US" dirty="0"/>
+              <a:t>JavaScript</a:t>
+            </a:r>
             <a:endParaRPr lang="ru-RU" dirty="0"/>
           </a:p>
           <a:p>
-            <a:r>
-              <a:rPr lang="ru-RU" dirty="0"/>
-              <a:t>Для получения ассоциативного доступа к элементам структуры необходимо также хранить в словаре ссылки на все иконы.</a:t>
-            </a:r>
-            <a:br>
-              <a:rPr lang="ru-RU" dirty="0"/>
-            </a:br>
-            <a:br>
-              <a:rPr lang="ru-RU" dirty="0"/>
-            </a:br>
-            <a:r>
-              <a:rPr lang="ru-RU" dirty="0"/>
-              <a:t>Чем незначительно усложняем реализацию, зато значительно экономим время на поиск нужной иконы в схеме.</a:t>
-            </a:r>
+            <a:endParaRPr lang="ru-RU" dirty="0"/>
           </a:p>
         </p:txBody>
       </p:sp>
@@ -1090,7 +1321,7 @@
     </p:spTree>
     <p:extLst>
       <p:ext uri="{BB962C8B-B14F-4D97-AF65-F5344CB8AC3E}">
-        <p14:creationId xmlns:p14="http://schemas.microsoft.com/office/powerpoint/2010/main" val="1370065723"/>
+        <p14:creationId xmlns:p14="http://schemas.microsoft.com/office/powerpoint/2010/main" val="2316773026"/>
       </p:ext>
     </p:extLst>
   </p:cSld>
@@ -1146,48 +1377,14 @@
           <a:p>
             <a:r>
               <a:rPr lang="ru-RU" dirty="0"/>
-              <a:t>Для отображения ДРАКОН-схем используется та же модель, представленная на предыдущем слайде.</a:t>
-            </a:r>
-            <a:br>
-              <a:rPr lang="ru-RU" dirty="0"/>
-            </a:br>
-            <a:r>
-              <a:rPr lang="ru-RU" dirty="0"/>
-              <a:t>Координаты простых икон вычисляются на основе данных о размере и положении содержащей их макроиконы, размер которой, в свою очередь, вычисляется динамически по мере чтения схемы.</a:t>
-            </a:r>
-            <a:br>
-              <a:rPr lang="ru-RU" dirty="0"/>
-            </a:br>
-            <a:br>
-              <a:rPr lang="ru-RU" dirty="0"/>
-            </a:br>
-            <a:r>
-              <a:rPr lang="ru-RU" dirty="0"/>
-              <a:t>Новые иконы в схему можно вставить только в специальные места, помечаемые зеленым цветом. Вставить можно только перед или после простых или </a:t>
-            </a:r>
-            <a:r>
-              <a:rPr lang="ru-RU" dirty="0" err="1"/>
-              <a:t>макроикон</a:t>
-            </a:r>
-            <a:r>
-              <a:rPr lang="ru-RU" dirty="0"/>
-              <a:t>.</a:t>
-            </a:r>
-          </a:p>
-          <a:p>
-            <a:endParaRPr lang="ru-RU" dirty="0"/>
-          </a:p>
-          <a:p>
-            <a:r>
-              <a:rPr lang="ru-RU" dirty="0"/>
-              <a:t>Например, мы не можем вставить икону в условную конструкцию перед веткой, только внутрь одной из веток.</a:t>
-            </a:r>
-          </a:p>
-          <a:p>
-            <a:endParaRPr lang="ru-RU" dirty="0"/>
-          </a:p>
-          <a:p>
-            <a:endParaRPr lang="ru-RU" dirty="0"/>
+              <a:t>При разработке системы возникла потребность в хранении ДРАКОН-схем и данных пользователей.</a:t>
+            </a:r>
+          </a:p>
+          <a:p>
+            <a:r>
+              <a:rPr lang="ru-RU" dirty="0"/>
+              <a:t>В процессе проектирования базы данных для разрабатываемой системы была придумана и реализована следующая диаграмма сущность связь</a:t>
+            </a:r>
           </a:p>
         </p:txBody>
       </p:sp>
@@ -1217,7 +1414,7 @@
     </p:spTree>
     <p:extLst>
       <p:ext uri="{BB962C8B-B14F-4D97-AF65-F5344CB8AC3E}">
-        <p14:creationId xmlns:p14="http://schemas.microsoft.com/office/powerpoint/2010/main" val="3410696792"/>
+        <p14:creationId xmlns:p14="http://schemas.microsoft.com/office/powerpoint/2010/main" val="682851475"/>
       </p:ext>
     </p:extLst>
   </p:cSld>
@@ -1281,7 +1478,7 @@
             </a:r>
             <a:r>
               <a:rPr lang="ru-RU" dirty="0"/>
-              <a:t> формат представления схем</a:t>
+              <a:t> формат</a:t>
             </a:r>
           </a:p>
         </p:txBody>
@@ -1393,12 +1590,52 @@
             </a:br>
             <a:r>
               <a:rPr lang="ru-RU" dirty="0"/>
-              <a:t>Серверная машина обеспечивает выполнение самой серверной службы и осуществляет хранение и взаимодействие с базой данных.</a:t>
-            </a:r>
-            <a:br>
-              <a:rPr lang="ru-RU" dirty="0"/>
-            </a:br>
-            <a:endParaRPr lang="ru-RU" dirty="0"/>
+              <a:t>Веб сервер реализован на платформе </a:t>
+            </a:r>
+            <a:r>
+              <a:rPr lang="en-US" dirty="0"/>
+              <a:t>NodeJS</a:t>
+            </a:r>
+            <a:r>
+              <a:rPr lang="ru-RU" dirty="0"/>
+              <a:t> с использованием фреймворка </a:t>
+            </a:r>
+            <a:r>
+              <a:rPr lang="en-US" dirty="0"/>
+              <a:t>Nest</a:t>
+            </a:r>
+            <a:r>
+              <a:rPr lang="ru-RU" dirty="0"/>
+              <a:t> и библиотеки </a:t>
+            </a:r>
+            <a:r>
+              <a:rPr lang="en-US" dirty="0" err="1"/>
+              <a:t>TypeORM</a:t>
+            </a:r>
+            <a:r>
+              <a:rPr lang="ru-RU" dirty="0"/>
+              <a:t> для обеспечения общения с сервером базы данных </a:t>
+            </a:r>
+            <a:r>
+              <a:rPr lang="en-US" dirty="0"/>
+              <a:t>PostgreSQL</a:t>
+            </a:r>
+            <a:r>
+              <a:rPr lang="ru-RU" dirty="0"/>
+              <a:t> по </a:t>
+            </a:r>
+            <a:r>
+              <a:rPr lang="ru-RU" dirty="0" err="1"/>
+              <a:t>протоколоу</a:t>
+            </a:r>
+            <a:r>
+              <a:rPr lang="ru-RU" dirty="0"/>
+              <a:t> </a:t>
+            </a:r>
+            <a:r>
+              <a:rPr lang="en-US" dirty="0"/>
+              <a:t>TCP/IP</a:t>
+            </a:r>
           </a:p>
         </p:txBody>
       </p:sp>
@@ -1484,52 +1721,33 @@
           <a:p>
             <a:r>
               <a:rPr lang="ru-RU" dirty="0"/>
-              <a:t>С точки зрения логики выполнения программного продукта:</a:t>
-            </a:r>
-          </a:p>
-          <a:p>
-            <a:endParaRPr lang="ru-RU" dirty="0"/>
-          </a:p>
-          <a:p>
-            <a:r>
-              <a:rPr lang="ru-RU" dirty="0"/>
-              <a:t>Реализован сервер на </a:t>
-            </a:r>
-            <a:r>
-              <a:rPr lang="ru-RU" dirty="0" err="1"/>
-              <a:t>фреймворке</a:t>
-            </a:r>
-            <a:r>
-              <a:rPr lang="ru-RU" dirty="0"/>
-              <a:t> </a:t>
+              <a:t>Взаимодействие между клиентов и сервером осуществляется с применением стиля </a:t>
+            </a:r>
+            <a:r>
+              <a:rPr lang="en-US" dirty="0"/>
+              <a:t>RESTful </a:t>
             </a:r>
             <a:r>
               <a:rPr lang="en-US" dirty="0" err="1"/>
-              <a:t>NestJS</a:t>
-            </a:r>
-            <a:r>
-              <a:rPr lang="ru-RU" dirty="0"/>
-              <a:t>, который с помощью библиотеки  </a:t>
-            </a:r>
-            <a:r>
-              <a:rPr lang="en-US" dirty="0" err="1"/>
-              <a:t>TypeORM</a:t>
+              <a:t>api</a:t>
+            </a:r>
+            <a:r>
+              <a:rPr lang="ru-RU" dirty="0"/>
+              <a:t>.</a:t>
+            </a:r>
+          </a:p>
+          <a:p>
+            <a:r>
+              <a:rPr lang="ru-RU" dirty="0"/>
+              <a:t>Сервер </a:t>
             </a:r>
             <a:r>
               <a:rPr lang="en-US" dirty="0"/>
-              <a:t> </a:t>
-            </a:r>
-            <a:r>
-              <a:rPr lang="ru-RU" dirty="0"/>
-              <a:t>взаимодействует с базой данной </a:t>
-            </a:r>
-            <a:r>
-              <a:rPr lang="en-US" dirty="0"/>
-              <a:t>PostgreSQL</a:t>
-            </a:r>
-            <a:r>
-              <a:rPr lang="ru-RU" dirty="0"/>
-              <a:t>.</a:t>
+              <a:t>Nest</a:t>
+            </a:r>
+            <a:r>
+              <a:rPr lang="ru-RU" dirty="0"/>
+              <a:t> состоит из 6 модулей, которые отвечают за обслуживание запросов пользователей и выдачу статических данных, такие как страницы и медиаресурсы.</a:t>
             </a:r>
             <a:br>
               <a:rPr lang="ru-RU" dirty="0"/>
@@ -1539,24 +1757,76 @@
             </a:br>
             <a:r>
               <a:rPr lang="ru-RU" dirty="0"/>
-              <a:t>Общение между клиентом и сервером осуществляется при применения архитектурного стиля </a:t>
+              <a:t>Модуль Шифрования и авторизации отвечают за реализацию защиты </a:t>
             </a:r>
             <a:r>
               <a:rPr lang="en-US" dirty="0"/>
-              <a:t>RESTful API</a:t>
-            </a:r>
-            <a:r>
-              <a:rPr lang="ru-RU" dirty="0"/>
-              <a:t> через реализованные сервисы </a:t>
+              <a:t>URL</a:t>
+            </a:r>
+            <a:r>
+              <a:rPr lang="ru-RU" dirty="0"/>
+              <a:t> путей от неавторизованного доступа и за сам процесс регистрации и идентификации. Для работы модуля авторизации требуется информация о зарегистрированных пользователя в системе, которая предоставляется с помощью </a:t>
+            </a:r>
+            <a:r>
+              <a:rPr lang="en-US" dirty="0"/>
+              <a:t>UserModule</a:t>
+            </a:r>
+            <a:r>
+              <a:rPr lang="ru-RU" dirty="0"/>
+              <a:t>.</a:t>
+            </a:r>
+          </a:p>
+          <a:p>
+            <a:br>
+              <a:rPr lang="ru-RU" dirty="0"/>
+            </a:br>
+            <a:br>
+              <a:rPr lang="ru-RU" dirty="0"/>
+            </a:br>
+            <a:r>
+              <a:rPr lang="ru-RU" dirty="0"/>
+              <a:t>Модули пользователя, кураторов и схем необходимы для обеспечения взаимодействия с данными, которые хранятся в базе.</a:t>
+            </a:r>
+            <a:br>
+              <a:rPr lang="ru-RU" dirty="0"/>
+            </a:br>
+            <a:br>
+              <a:rPr lang="ru-RU" dirty="0"/>
+            </a:br>
+            <a:r>
+              <a:rPr lang="ru-RU" dirty="0"/>
+              <a:t>Отдельный модуль отвечает за обработку статических данных, таких как изображения и файлы и </a:t>
+            </a:r>
+            <a:r>
+              <a:rPr lang="en-US" dirty="0"/>
+              <a:t>HTML</a:t>
+            </a:r>
+            <a:r>
+              <a:rPr lang="ru-RU" dirty="0"/>
+              <a:t> страницы.</a:t>
+            </a:r>
+            <a:br>
+              <a:rPr lang="ru-RU" dirty="0"/>
+            </a:br>
+            <a:br>
+              <a:rPr lang="ru-RU" dirty="0"/>
+            </a:br>
+            <a:r>
+              <a:rPr lang="ru-RU" dirty="0"/>
+              <a:t>Все эти модули требуются как зависимость для главного компонента системы </a:t>
             </a:r>
             <a:r>
               <a:rPr lang="en-US" dirty="0" err="1"/>
-              <a:t>NestJS</a:t>
-            </a:r>
-            <a:r>
-              <a:rPr lang="ru-RU" dirty="0"/>
-              <a:t> и сервисы-провайдеры клиента.</a:t>
-            </a:r>
+              <a:t>AppModule</a:t>
+            </a:r>
+            <a:r>
+              <a:rPr lang="ru-RU" dirty="0"/>
+              <a:t>, который инициализирует работу сервера</a:t>
+            </a:r>
+            <a:br>
+              <a:rPr lang="ru-RU" dirty="0"/>
+            </a:br>
+            <a:endParaRPr lang="ru-RU" dirty="0"/>
           </a:p>
         </p:txBody>
       </p:sp>
@@ -1586,7 +1856,7 @@
     </p:spTree>
     <p:extLst>
       <p:ext uri="{BB962C8B-B14F-4D97-AF65-F5344CB8AC3E}">
-        <p14:creationId xmlns:p14="http://schemas.microsoft.com/office/powerpoint/2010/main" val="151470465"/>
+        <p14:creationId xmlns:p14="http://schemas.microsoft.com/office/powerpoint/2010/main" val="1723889134"/>
       </p:ext>
     </p:extLst>
   </p:cSld>
@@ -1642,92 +1912,74 @@
           <a:p>
             <a:r>
               <a:rPr lang="ru-RU" dirty="0"/>
-              <a:t>Сервер </a:t>
-            </a:r>
-            <a:r>
-              <a:rPr lang="en-US" dirty="0" err="1"/>
-              <a:t>NestJS</a:t>
-            </a:r>
-            <a:r>
-              <a:rPr lang="ru-RU" dirty="0"/>
-              <a:t> состоит из 6 модулей, которые отвечают за обслуживание запросов пользователей и выдачу статических данных, такие как страницы </a:t>
-            </a:r>
-            <a:r>
-              <a:rPr lang="ru-RU" dirty="0" err="1"/>
-              <a:t>имедиаресурсы</a:t>
-            </a:r>
-            <a:r>
-              <a:rPr lang="ru-RU" dirty="0"/>
-              <a:t>.</a:t>
-            </a:r>
-            <a:br>
-              <a:rPr lang="ru-RU" dirty="0"/>
-            </a:br>
-            <a:br>
-              <a:rPr lang="ru-RU" dirty="0"/>
-            </a:br>
-            <a:r>
-              <a:rPr lang="ru-RU" dirty="0"/>
-              <a:t>Модуль Шифрования и авторизации отвечают за реализацию защиты </a:t>
+              <a:t>Механизм аутентификации реализован по схеме </a:t>
             </a:r>
             <a:r>
               <a:rPr lang="en-US" dirty="0"/>
-              <a:t>URL</a:t>
-            </a:r>
-            <a:r>
-              <a:rPr lang="ru-RU" dirty="0"/>
-              <a:t> путей от неавторизованных пользователей и за саму регистрацию и идентификацию пользователя.</a:t>
-            </a:r>
-            <a:br>
-              <a:rPr lang="ru-RU" dirty="0"/>
-            </a:br>
-            <a:br>
-              <a:rPr lang="ru-RU" dirty="0"/>
-            </a:br>
-            <a:r>
-              <a:rPr lang="ru-RU" dirty="0"/>
-              <a:t>Модули пользователя, кураторов и схем необходимы для обеспечения взаимодействия с данными, которые хранятся в базе.</a:t>
-            </a:r>
-            <a:br>
-              <a:rPr lang="ru-RU" dirty="0"/>
-            </a:br>
-            <a:br>
-              <a:rPr lang="ru-RU" dirty="0"/>
-            </a:br>
-            <a:r>
-              <a:rPr lang="ru-RU" dirty="0"/>
-              <a:t>Отдельный модуль отвечает за обработку статических данных, таких как изображения и файлы </a:t>
+              <a:t>Http Basic (</a:t>
+            </a:r>
+            <a:r>
+              <a:rPr lang="ru-RU" dirty="0"/>
+              <a:t>Логин + Пароль)</a:t>
+            </a:r>
+            <a:endParaRPr lang="en-US" dirty="0"/>
+          </a:p>
+          <a:p>
+            <a:endParaRPr lang="ru-RU" dirty="0"/>
+          </a:p>
+          <a:p>
+            <a:r>
+              <a:rPr lang="ru-RU" dirty="0"/>
+              <a:t>Механизм авторизации реализован по схеме </a:t>
             </a:r>
             <a:r>
               <a:rPr lang="en-US" dirty="0"/>
-              <a:t>markdown</a:t>
-            </a:r>
-            <a:r>
-              <a:rPr lang="ru-RU" dirty="0"/>
-              <a:t> для документации.</a:t>
-            </a:r>
-            <a:br>
-              <a:rPr lang="ru-RU" dirty="0"/>
-            </a:br>
-            <a:br>
-              <a:rPr lang="ru-RU" dirty="0"/>
-            </a:br>
-            <a:r>
-              <a:rPr lang="ru-RU" dirty="0"/>
-              <a:t>Все эти модули требуются как зависимость для главного компонента системы </a:t>
-            </a:r>
-            <a:r>
-              <a:rPr lang="en-US" dirty="0" err="1"/>
-              <a:t>AppModule</a:t>
-            </a:r>
-            <a:r>
-              <a:rPr lang="ru-RU" dirty="0"/>
-              <a:t>, который инициализирует работу сервера</a:t>
-            </a:r>
-            <a:br>
-              <a:rPr lang="ru-RU" dirty="0"/>
-            </a:br>
+              <a:t>Http Bearer (JWT-token</a:t>
+            </a:r>
+            <a:r>
+              <a:rPr lang="ru-RU" dirty="0"/>
+              <a:t>)</a:t>
+            </a:r>
+          </a:p>
+          <a:p>
+            <a:pPr marL="0" marR="0" lvl="0" indent="0" algn="l" defTabSz="914400" rtl="0" eaLnBrk="1" fontAlgn="auto" latinLnBrk="0" hangingPunct="1">
+              <a:lnSpc>
+                <a:spcPct val="100000"/>
+              </a:lnSpc>
+              <a:spcBef>
+                <a:spcPts val="0"/>
+              </a:spcBef>
+              <a:spcAft>
+                <a:spcPts val="0"/>
+              </a:spcAft>
+              <a:buClrTx/>
+              <a:buSzTx/>
+              <a:buFontTx/>
+              <a:buNone/>
+              <a:tabLst/>
+              <a:defRPr/>
+            </a:pPr>
+            <a:r>
+              <a:rPr lang="ru-RU" dirty="0"/>
+              <a:t>После успешного входа в систему, пользователю выдаётся токен доступа к защищённым путям приложения, в котором содержится его идентификатор и роль в системе</a:t>
+            </a:r>
+          </a:p>
+          <a:p>
             <a:endParaRPr lang="ru-RU" dirty="0"/>
+          </a:p>
+          <a:p>
+            <a:r>
+              <a:rPr lang="ru-RU" dirty="0"/>
+              <a:t>Число раундов соли характеризует степень защищенности пароля от атак грубой силы (</a:t>
+            </a:r>
+            <a:r>
+              <a:rPr lang="en-US" dirty="0"/>
+              <a:t>brute-force attack)</a:t>
+            </a:r>
+            <a:r>
+              <a:rPr lang="ru-RU" dirty="0"/>
+              <a:t> (множество паролей и фраз в надежде угадать верный)</a:t>
+            </a:r>
           </a:p>
         </p:txBody>
       </p:sp>
@@ -1757,7 +2009,7 @@
     </p:spTree>
     <p:extLst>
       <p:ext uri="{BB962C8B-B14F-4D97-AF65-F5344CB8AC3E}">
-        <p14:creationId xmlns:p14="http://schemas.microsoft.com/office/powerpoint/2010/main" val="1723889134"/>
+        <p14:creationId xmlns:p14="http://schemas.microsoft.com/office/powerpoint/2010/main" val="3365833459"/>
       </p:ext>
     </p:extLst>
   </p:cSld>
@@ -1813,82 +2065,7 @@
           <a:p>
             <a:r>
               <a:rPr lang="ru-RU" dirty="0"/>
-              <a:t>Механизм аутентификации реализован по схеме </a:t>
-            </a:r>
-            <a:r>
-              <a:rPr lang="en-US" dirty="0"/>
-              <a:t>Http Basic (</a:t>
-            </a:r>
-            <a:r>
-              <a:rPr lang="ru-RU" dirty="0"/>
-              <a:t>Логин + Пароль)</a:t>
-            </a:r>
-            <a:endParaRPr lang="en-US" dirty="0"/>
-          </a:p>
-          <a:p>
-            <a:endParaRPr lang="ru-RU" dirty="0"/>
-          </a:p>
-          <a:p>
-            <a:pPr marL="0" marR="0" lvl="0" indent="0" algn="l" defTabSz="914400" rtl="0" eaLnBrk="1" fontAlgn="auto" latinLnBrk="0" hangingPunct="1">
-              <a:lnSpc>
-                <a:spcPct val="100000"/>
-              </a:lnSpc>
-              <a:spcBef>
-                <a:spcPts val="0"/>
-              </a:spcBef>
-              <a:spcAft>
-                <a:spcPts val="0"/>
-              </a:spcAft>
-              <a:buClrTx/>
-              <a:buSzTx/>
-              <a:buFontTx/>
-              <a:buNone/>
-              <a:tabLst/>
-              <a:defRPr/>
-            </a:pPr>
-            <a:r>
-              <a:rPr lang="ru-RU" dirty="0"/>
-              <a:t>Механизм авторизации реализован по схеме </a:t>
-            </a:r>
-            <a:r>
-              <a:rPr lang="en-US" dirty="0"/>
-              <a:t>Http Bearer (JWT-token</a:t>
-            </a:r>
-            <a:r>
-              <a:rPr lang="ru-RU" dirty="0"/>
-              <a:t>)</a:t>
-            </a:r>
-            <a:endParaRPr lang="en-US" dirty="0"/>
-          </a:p>
-          <a:p>
-            <a:endParaRPr lang="ru-RU" dirty="0"/>
-          </a:p>
-          <a:p>
-            <a:r>
-              <a:rPr lang="ru-RU" dirty="0"/>
-              <a:t>Для доступа к защищенным путям используется специальный </a:t>
-            </a:r>
-            <a:r>
-              <a:rPr lang="ru-RU" dirty="0" err="1"/>
-              <a:t>токен</a:t>
-            </a:r>
-            <a:endParaRPr lang="ru-RU" dirty="0"/>
-          </a:p>
-          <a:p>
-            <a:endParaRPr lang="ru-RU" dirty="0"/>
-          </a:p>
-          <a:p>
-            <a:r>
-              <a:rPr lang="ru-RU" dirty="0"/>
-              <a:t>Число раундов соли характеризует степень защищенности пароля от атак грубой силы (</a:t>
-            </a:r>
-            <a:r>
-              <a:rPr lang="en-US" dirty="0"/>
-              <a:t>brute-force attack)</a:t>
-            </a:r>
-            <a:r>
-              <a:rPr lang="ru-RU" dirty="0"/>
-              <a:t> (множество паролей и фраз в надежде угадать верный)</a:t>
+              <a:t>Входные данные программы представлены на слайде</a:t>
             </a:r>
           </a:p>
         </p:txBody>
@@ -1919,7 +2096,7 @@
     </p:spTree>
     <p:extLst>
       <p:ext uri="{BB962C8B-B14F-4D97-AF65-F5344CB8AC3E}">
-        <p14:creationId xmlns:p14="http://schemas.microsoft.com/office/powerpoint/2010/main" val="3365833459"/>
+        <p14:creationId xmlns:p14="http://schemas.microsoft.com/office/powerpoint/2010/main" val="742509794"/>
       </p:ext>
     </p:extLst>
   </p:cSld>
@@ -2062,7 +2239,7 @@
           <a:p>
             <a:r>
               <a:rPr lang="ru-RU" dirty="0"/>
-              <a:t>Входные данные программы представлены на слайде</a:t>
+              <a:t>Выходные данные программы представлены на слайде</a:t>
             </a:r>
           </a:p>
         </p:txBody>
@@ -2093,7 +2270,7 @@
     </p:spTree>
     <p:extLst>
       <p:ext uri="{BB962C8B-B14F-4D97-AF65-F5344CB8AC3E}">
-        <p14:creationId xmlns:p14="http://schemas.microsoft.com/office/powerpoint/2010/main" val="742509794"/>
+        <p14:creationId xmlns:p14="http://schemas.microsoft.com/office/powerpoint/2010/main" val="3230441014"/>
       </p:ext>
     </p:extLst>
   </p:cSld>
@@ -2149,7 +2326,7 @@
           <a:p>
             <a:r>
               <a:rPr lang="ru-RU" dirty="0"/>
-              <a:t>Выходные данные программы представлены на слайде</a:t>
+              <a:t>Системные требования программы представлены на слайде</a:t>
             </a:r>
           </a:p>
         </p:txBody>
@@ -2180,7 +2357,7 @@
     </p:spTree>
     <p:extLst>
       <p:ext uri="{BB962C8B-B14F-4D97-AF65-F5344CB8AC3E}">
-        <p14:creationId xmlns:p14="http://schemas.microsoft.com/office/powerpoint/2010/main" val="3230441014"/>
+        <p14:creationId xmlns:p14="http://schemas.microsoft.com/office/powerpoint/2010/main" val="791709984"/>
       </p:ext>
     </p:extLst>
   </p:cSld>
@@ -2267,7 +2444,7 @@
     </p:spTree>
     <p:extLst>
       <p:ext uri="{BB962C8B-B14F-4D97-AF65-F5344CB8AC3E}">
-        <p14:creationId xmlns:p14="http://schemas.microsoft.com/office/powerpoint/2010/main" val="791709984"/>
+        <p14:creationId xmlns:p14="http://schemas.microsoft.com/office/powerpoint/2010/main" val="3253837271"/>
       </p:ext>
     </p:extLst>
   </p:cSld>
@@ -2321,10 +2498,7 @@
           <a:bodyPr/>
           <a:lstStyle/>
           <a:p>
-            <a:r>
-              <a:rPr lang="ru-RU" dirty="0"/>
-              <a:t>Системные требования программы представлены на слайде</a:t>
-            </a:r>
+            <a:endParaRPr lang="ru-RU" dirty="0"/>
           </a:p>
         </p:txBody>
       </p:sp>
@@ -2354,7 +2528,7 @@
     </p:spTree>
     <p:extLst>
       <p:ext uri="{BB962C8B-B14F-4D97-AF65-F5344CB8AC3E}">
-        <p14:creationId xmlns:p14="http://schemas.microsoft.com/office/powerpoint/2010/main" val="3253837271"/>
+        <p14:creationId xmlns:p14="http://schemas.microsoft.com/office/powerpoint/2010/main" val="3486147722"/>
       </p:ext>
     </p:extLst>
   </p:cSld>
@@ -2438,7 +2612,7 @@
     </p:spTree>
     <p:extLst>
       <p:ext uri="{BB962C8B-B14F-4D97-AF65-F5344CB8AC3E}">
-        <p14:creationId xmlns:p14="http://schemas.microsoft.com/office/powerpoint/2010/main" val="3486147722"/>
+        <p14:creationId xmlns:p14="http://schemas.microsoft.com/office/powerpoint/2010/main" val="1614879434"/>
       </p:ext>
     </p:extLst>
   </p:cSld>
@@ -2492,7 +2666,91 @@
           <a:bodyPr/>
           <a:lstStyle/>
           <a:p>
-            <a:endParaRPr lang="ru-RU" dirty="0"/>
+            <a:pPr indent="450215" algn="just">
+              <a:lnSpc>
+                <a:spcPct val="150000"/>
+              </a:lnSpc>
+            </a:pPr>
+            <a:r>
+              <a:rPr lang="ru-RU" sz="1800" dirty="0">
+                <a:solidFill>
+                  <a:srgbClr val="000000"/>
+                </a:solidFill>
+                <a:effectLst/>
+                <a:latin typeface="Times New Roman" panose="02020603050405020304" pitchFamily="18" charset="0"/>
+                <a:ea typeface="Calibri" panose="020F0502020204030204" pitchFamily="34" charset="0"/>
+              </a:rPr>
+              <a:t>Текущая версия программного продукта может быть усовершенствована с помощью:</a:t>
+            </a:r>
+            <a:endParaRPr lang="ru-RU" sz="1800" dirty="0">
+              <a:effectLst/>
+              <a:latin typeface="Times New Roman" panose="02020603050405020304" pitchFamily="18" charset="0"/>
+              <a:ea typeface="Calibri" panose="020F0502020204030204" pitchFamily="34" charset="0"/>
+            </a:endParaRPr>
+          </a:p>
+          <a:p>
+            <a:pPr marL="342900" lvl="0" indent="-342900" algn="just">
+              <a:lnSpc>
+                <a:spcPct val="150000"/>
+              </a:lnSpc>
+              <a:buFont typeface="Symbol" panose="05050102010706020507" pitchFamily="18" charset="2"/>
+              <a:buChar char=""/>
+            </a:pPr>
+            <a:r>
+              <a:rPr lang="ru-RU" sz="1800" dirty="0">
+                <a:effectLst/>
+                <a:latin typeface="Times New Roman" panose="02020603050405020304" pitchFamily="18" charset="0"/>
+                <a:ea typeface="Times New Roman" panose="02020603050405020304" pitchFamily="18" charset="0"/>
+              </a:rPr>
+              <a:t>реализации всех основных макроикон языка ДРАКОН;</a:t>
+            </a:r>
+          </a:p>
+          <a:p>
+            <a:pPr marL="342900" lvl="0" indent="-342900" algn="just">
+              <a:lnSpc>
+                <a:spcPct val="150000"/>
+              </a:lnSpc>
+              <a:buFont typeface="Symbol" panose="05050102010706020507" pitchFamily="18" charset="2"/>
+              <a:buChar char=""/>
+            </a:pPr>
+            <a:r>
+              <a:rPr lang="ru-RU" sz="1800" dirty="0">
+                <a:effectLst/>
+                <a:latin typeface="Times New Roman" panose="02020603050405020304" pitchFamily="18" charset="0"/>
+                <a:ea typeface="Times New Roman" panose="02020603050405020304" pitchFamily="18" charset="0"/>
+              </a:rPr>
+              <a:t>расширения стандарта языка ДРАКОН для сопоставления икон с конструкциями языка </a:t>
+            </a:r>
+            <a:r>
+              <a:rPr lang="en-US" sz="1800" dirty="0">
+                <a:effectLst/>
+                <a:latin typeface="Times New Roman" panose="02020603050405020304" pitchFamily="18" charset="0"/>
+                <a:ea typeface="Times New Roman" panose="02020603050405020304" pitchFamily="18" charset="0"/>
+              </a:rPr>
+              <a:t>JavaScript</a:t>
+            </a:r>
+            <a:r>
+              <a:rPr lang="ru-RU" sz="1800" dirty="0">
+                <a:effectLst/>
+                <a:latin typeface="Times New Roman" panose="02020603050405020304" pitchFamily="18" charset="0"/>
+                <a:ea typeface="Times New Roman" panose="02020603050405020304" pitchFamily="18" charset="0"/>
+              </a:rPr>
+              <a:t>;</a:t>
+            </a:r>
+          </a:p>
+          <a:p>
+            <a:r>
+              <a:rPr lang="ru-RU" dirty="0"/>
+              <a:t>Сейчас система проходит внутренний этап тестирования. К 1 сентябрю 2021 года планируется начать этап закрытого тестирования на студентах 1 курса </a:t>
+            </a:r>
+            <a:r>
+              <a:rPr lang="ru-RU" dirty="0" err="1"/>
+              <a:t>ИиТИК</a:t>
+            </a:r>
+            <a:r>
+              <a:rPr lang="ru-RU" dirty="0"/>
+              <a:t> АГТУ</a:t>
+            </a:r>
           </a:p>
         </p:txBody>
       </p:sp>
@@ -2514,185 +2772,6 @@
             <a:fld id="{51445AF8-C6EC-4BDD-A795-83822D331AF1}" type="slidenum">
               <a:rPr lang="ru-RU" smtClean="0"/>
               <a:t>25</a:t>
-            </a:fld>
-            <a:endParaRPr lang="ru-RU"/>
-          </a:p>
-        </p:txBody>
-      </p:sp>
-    </p:spTree>
-    <p:extLst>
-      <p:ext uri="{BB962C8B-B14F-4D97-AF65-F5344CB8AC3E}">
-        <p14:creationId xmlns:p14="http://schemas.microsoft.com/office/powerpoint/2010/main" val="1614879434"/>
-      </p:ext>
-    </p:extLst>
-  </p:cSld>
-  <p:clrMapOvr>
-    <a:masterClrMapping/>
-  </p:clrMapOvr>
-</p:notes>
-</file>
-
-<file path=ppt/notesSlides/notesSlide26.xml><?xml version="1.0" encoding="utf-8"?>
-<p:notes xmlns:a="http://schemas.openxmlformats.org/drawingml/2006/main" xmlns:r="http://schemas.openxmlformats.org/officeDocument/2006/relationships" xmlns:p="http://schemas.openxmlformats.org/presentationml/2006/main">
-  <p:cSld>
-    <p:spTree>
-      <p:nvGrpSpPr>
-        <p:cNvPr id="1" name=""/>
-        <p:cNvGrpSpPr/>
-        <p:nvPr/>
-      </p:nvGrpSpPr>
-      <p:grpSpPr>
-        <a:xfrm>
-          <a:off x="0" y="0"/>
-          <a:ext cx="0" cy="0"/>
-          <a:chOff x="0" y="0"/>
-          <a:chExt cx="0" cy="0"/>
-        </a:xfrm>
-      </p:grpSpPr>
-      <p:sp>
-        <p:nvSpPr>
-          <p:cNvPr id="2" name="Образ слайда 1"/>
-          <p:cNvSpPr>
-            <a:spLocks noGrp="1" noRot="1" noChangeAspect="1"/>
-          </p:cNvSpPr>
-          <p:nvPr>
-            <p:ph type="sldImg"/>
-          </p:nvPr>
-        </p:nvSpPr>
-        <p:spPr/>
-      </p:sp>
-      <p:sp>
-        <p:nvSpPr>
-          <p:cNvPr id="3" name="Заметки 2"/>
-          <p:cNvSpPr>
-            <a:spLocks noGrp="1"/>
-          </p:cNvSpPr>
-          <p:nvPr>
-            <p:ph type="body" idx="1"/>
-          </p:nvPr>
-        </p:nvSpPr>
-        <p:spPr/>
-        <p:txBody>
-          <a:bodyPr/>
-          <a:lstStyle/>
-          <a:p>
-            <a:r>
-              <a:rPr lang="ru-RU" dirty="0"/>
-              <a:t>К 1 </a:t>
-            </a:r>
-            <a:r>
-              <a:rPr lang="ru-RU" dirty="0" err="1"/>
-              <a:t>сентябра</a:t>
-            </a:r>
-            <a:r>
-              <a:rPr lang="ru-RU" dirty="0"/>
-              <a:t> 2021 года провести пробное тестирование системы на студентах 1 курса ИИТИК с целью выявления практической пользы ИС для обучения алгоритмизации</a:t>
-            </a:r>
-          </a:p>
-        </p:txBody>
-      </p:sp>
-      <p:sp>
-        <p:nvSpPr>
-          <p:cNvPr id="4" name="Номер слайда 3"/>
-          <p:cNvSpPr>
-            <a:spLocks noGrp="1"/>
-          </p:cNvSpPr>
-          <p:nvPr>
-            <p:ph type="sldNum" sz="quarter" idx="5"/>
-          </p:nvPr>
-        </p:nvSpPr>
-        <p:spPr/>
-        <p:txBody>
-          <a:bodyPr/>
-          <a:lstStyle/>
-          <a:p>
-            <a:fld id="{51445AF8-C6EC-4BDD-A795-83822D331AF1}" type="slidenum">
-              <a:rPr lang="ru-RU" smtClean="0"/>
-              <a:t>26</a:t>
-            </a:fld>
-            <a:endParaRPr lang="ru-RU"/>
-          </a:p>
-        </p:txBody>
-      </p:sp>
-    </p:spTree>
-    <p:extLst>
-      <p:ext uri="{BB962C8B-B14F-4D97-AF65-F5344CB8AC3E}">
-        <p14:creationId xmlns:p14="http://schemas.microsoft.com/office/powerpoint/2010/main" val="2747707366"/>
-      </p:ext>
-    </p:extLst>
-  </p:cSld>
-  <p:clrMapOvr>
-    <a:masterClrMapping/>
-  </p:clrMapOvr>
-</p:notes>
-</file>
-
-<file path=ppt/notesSlides/notesSlide27.xml><?xml version="1.0" encoding="utf-8"?>
-<p:notes xmlns:a="http://schemas.openxmlformats.org/drawingml/2006/main" xmlns:r="http://schemas.openxmlformats.org/officeDocument/2006/relationships" xmlns:p="http://schemas.openxmlformats.org/presentationml/2006/main">
-  <p:cSld>
-    <p:spTree>
-      <p:nvGrpSpPr>
-        <p:cNvPr id="1" name=""/>
-        <p:cNvGrpSpPr/>
-        <p:nvPr/>
-      </p:nvGrpSpPr>
-      <p:grpSpPr>
-        <a:xfrm>
-          <a:off x="0" y="0"/>
-          <a:ext cx="0" cy="0"/>
-          <a:chOff x="0" y="0"/>
-          <a:chExt cx="0" cy="0"/>
-        </a:xfrm>
-      </p:grpSpPr>
-      <p:sp>
-        <p:nvSpPr>
-          <p:cNvPr id="2" name="Образ слайда 1"/>
-          <p:cNvSpPr>
-            <a:spLocks noGrp="1" noRot="1" noChangeAspect="1"/>
-          </p:cNvSpPr>
-          <p:nvPr>
-            <p:ph type="sldImg"/>
-          </p:nvPr>
-        </p:nvSpPr>
-        <p:spPr/>
-      </p:sp>
-      <p:sp>
-        <p:nvSpPr>
-          <p:cNvPr id="3" name="Заметки 2"/>
-          <p:cNvSpPr>
-            <a:spLocks noGrp="1"/>
-          </p:cNvSpPr>
-          <p:nvPr>
-            <p:ph type="body" idx="1"/>
-          </p:nvPr>
-        </p:nvSpPr>
-        <p:spPr/>
-        <p:txBody>
-          <a:bodyPr/>
-          <a:lstStyle/>
-          <a:p>
-            <a:endParaRPr lang="ru-RU" dirty="0"/>
-          </a:p>
-        </p:txBody>
-      </p:sp>
-      <p:sp>
-        <p:nvSpPr>
-          <p:cNvPr id="4" name="Номер слайда 3"/>
-          <p:cNvSpPr>
-            <a:spLocks noGrp="1"/>
-          </p:cNvSpPr>
-          <p:nvPr>
-            <p:ph type="sldNum" sz="quarter" idx="5"/>
-          </p:nvPr>
-        </p:nvSpPr>
-        <p:spPr/>
-        <p:txBody>
-          <a:bodyPr/>
-          <a:lstStyle/>
-          <a:p>
-            <a:fld id="{51445AF8-C6EC-4BDD-A795-83822D331AF1}" type="slidenum">
-              <a:rPr lang="ru-RU" smtClean="0"/>
-              <a:t>27</a:t>
             </a:fld>
             <a:endParaRPr lang="ru-RU"/>
           </a:p>
@@ -2804,7 +2883,7 @@
             </a:pPr>
             <a:r>
               <a:rPr lang="ru-RU" dirty="0"/>
-              <a:t>И Для того, чтобы такие системы разрабатывались инженерами, в 80ых годах прошлого столетия был придуман и спроектирован язык ДРАКОН.</a:t>
+              <a:t>И Для того, чтобы такие системы разрабатывались непосредственно инженерами, в 80ых годах прошлого столетия был придуман и разработан язык ДРАКОН.</a:t>
             </a:r>
             <a:br>
               <a:rPr lang="ru-RU" dirty="0"/>
@@ -2814,15 +2893,7 @@
             </a:br>
             <a:r>
               <a:rPr lang="ru-RU" dirty="0"/>
-              <a:t>Который, в отличии от </a:t>
-            </a:r>
-            <a:r>
-              <a:rPr lang="ru-RU" dirty="0" err="1"/>
-              <a:t>узкоспециалподходит</a:t>
-            </a:r>
-            <a:r>
-              <a:rPr lang="ru-RU" dirty="0"/>
-              <a:t> для представления алгоритмов в любой сфере, в том числе в сфере образования, чем выгодно отличается от узкоспециализированных языков, разработанных для решения схожих с </a:t>
+              <a:t>В отличии от узкоспециализированных языков ДРАКОН подходит для представления алгоритмов в любой сфере, в том числе в сфере образования, чем выгодно отличается от узкоспециализированных языков, разработанных для решения схожих с </a:t>
             </a:r>
             <a:r>
               <a:rPr lang="ru-RU" dirty="0" err="1"/>
@@ -3100,7 +3171,7 @@
             </a:br>
             <a:r>
               <a:rPr lang="ru-RU" dirty="0"/>
-              <a:t>Для языка ДРАКОН Были разработаны жесткие правила представления схем:</a:t>
+              <a:t>Для языка ДРАКОН Были разработаны строгие правила представления схем:</a:t>
             </a:r>
           </a:p>
           <a:p>
@@ -3110,7 +3181,7 @@
             </a:pPr>
             <a:r>
               <a:rPr lang="ru-RU" dirty="0"/>
-              <a:t>У каждой ДРАКОН-схемы одна точка входа и один конец. А Её начало всегда располагается в левом верхнем углу.</a:t>
+              <a:t>У каждой ДРАКОН-схемы одна точка входа и один конец. А Её начало всегда располагается в левом верхнем углу. </a:t>
             </a:r>
           </a:p>
           <a:p>
@@ -3118,16 +3189,9 @@
               <a:buFont typeface="+mj-lt"/>
               <a:buAutoNum type="arabicPeriod"/>
             </a:pPr>
-            <a:endParaRPr lang="ru-RU" dirty="0"/>
-          </a:p>
-          <a:p>
-            <a:pPr marL="457200" indent="-457200" algn="just">
-              <a:buFont typeface="+mj-lt"/>
-              <a:buAutoNum type="arabicPeriod"/>
-            </a:pPr>
-            <a:r>
-              <a:rPr lang="ru-RU" dirty="0"/>
-              <a:t>Все операции описываются внутри икон, а сам алгоритм описывается вертикально сверху вниз</a:t>
+            <a:r>
+              <a:rPr lang="ru-RU" dirty="0"/>
+              <a:t>Все операции описываются внутри икон, а сам алгоритм представляется набором этих икон, расположенных между началом и концом на той же вертикали.</a:t>
             </a:r>
           </a:p>
           <a:p>
@@ -3155,23 +3219,33 @@
             <a:endParaRPr lang="ru-RU" sz="1200" dirty="0"/>
           </a:p>
           <a:p>
+            <a:pPr marL="228600" indent="-228600" algn="just">
+              <a:buFont typeface="+mj-lt"/>
+              <a:buAutoNum type="arabicPeriod" startAt="3"/>
+            </a:pPr>
+            <a:r>
+              <a:rPr lang="ru-RU" sz="1200" dirty="0"/>
+              <a:t>Допускается ветвление маршрутом, но оно осуществляются только вправо, при этом главный маршрут должен проходить как можно по более короткому пути.</a:t>
+            </a:r>
+          </a:p>
+          <a:p>
+            <a:pPr marL="228600" indent="-228600" algn="just">
+              <a:buFont typeface="+mj-lt"/>
+              <a:buAutoNum type="arabicPeriod" startAt="3"/>
+            </a:pPr>
+            <a:r>
+              <a:rPr lang="ru-RU" sz="1200" dirty="0"/>
+              <a:t>Каждая ветка должна соблюдать правило «Шампура». Все иконы в рамках ветки выполнения также должны располагаться вертикально друг за другом.</a:t>
+            </a:r>
+          </a:p>
+          <a:p>
             <a:pPr marL="0" indent="0" algn="just">
               <a:buFont typeface="+mj-lt"/>
               <a:buNone/>
             </a:pPr>
             <a:r>
               <a:rPr lang="ru-RU" sz="1200" dirty="0"/>
-              <a:t>3. 	Ветвление маршрутов осуществляются только вправо, при этом главный маршрут должен проходить как можно по более короткому пути.</a:t>
-            </a:r>
-          </a:p>
-          <a:p>
-            <a:pPr marL="0" indent="0" algn="just">
-              <a:buFont typeface="+mj-lt"/>
-              <a:buNone/>
-            </a:pPr>
-            <a:r>
-              <a:rPr lang="ru-RU" sz="1200" dirty="0"/>
-              <a:t>4.	Любые пересечения икон, веток и линий запрещены, сами линии всегда прямые и поворачивают только на угол в 90 градусов.</a:t>
+              <a:t>5.   Любые пересечения икон, веток и линий запрещены, сами линии всегда прямые и поворачивают только на угол в 90 градусов.</a:t>
             </a:r>
             <a:endParaRPr lang="ru-RU" dirty="0"/>
           </a:p>
@@ -3333,7 +3407,7 @@
                 <a:effectLst/>
                 <a:latin typeface="-apple-system"/>
               </a:rPr>
-              <a:t>Каждый примитив в ветке обозначается адресом, в который переходит процесс выполнения по достижению конца ветки</a:t>
+              <a:t>А каждый примитив в ветке обозначается адресом, в который переходит процесс выполнения по достижению конца ветки</a:t>
             </a:r>
             <a:endParaRPr lang="ru-RU" dirty="0"/>
           </a:p>
@@ -3424,8 +3498,23 @@
             </a:pPr>
             <a:r>
               <a:rPr lang="ru-RU" dirty="0"/>
-              <a:t>Поскольку алгоритм на языке ДРАКОН однозначно представляется, то можно также однозначно перевести алгоритм в некоторый текстовый язык программирования автоматизированным способом.</a:t>
-            </a:r>
+              <a:t>Как было сказано ранее, язык ДРАКОН обладает рядом строгих правил. Именно их соблюдение позволяет однозначно прочитать алгоритм.</a:t>
+            </a:r>
+          </a:p>
+          <a:p>
+            <a:pPr marL="0" indent="0">
+              <a:buNone/>
+            </a:pPr>
+            <a:r>
+              <a:rPr lang="ru-RU" dirty="0"/>
+              <a:t>А значит его можно перевести в текстовый язык программирования некоторым автоматизированным способом.</a:t>
+            </a:r>
+          </a:p>
+          <a:p>
+            <a:pPr marL="0" indent="0">
+              <a:buNone/>
+            </a:pPr>
+            <a:endParaRPr lang="ru-RU" dirty="0"/>
           </a:p>
           <a:p>
             <a:pPr marL="0" indent="0">
@@ -3436,7 +3525,7 @@
             </a:br>
             <a:r>
               <a:rPr lang="ru-RU" dirty="0"/>
-              <a:t>При соблюдении правил построения ДРАКОН-схем можно написать функцию трансляции, которая сопоставит конструкции языка ДРАКОН с конструкциями некоторого конечного языка.</a:t>
+              <a:t>Можно написать функцию трансляции, которая сопоставит конструкции языка ДРАКОН с конструкциями некоторого конечного языка.</a:t>
             </a:r>
             <a:br>
               <a:rPr lang="ru-RU" dirty="0"/>
@@ -3551,7 +3640,7 @@
           <a:p>
             <a:r>
               <a:rPr lang="ru-RU" dirty="0"/>
-              <a:t>Язык обладает низким порогом вхождения. Для начала работы достаточно изучить назначение основных икон и можно приступать к описание алгоритмов в неформальном виде.</a:t>
+              <a:t>Язык обладает крайне низким порогом вхождения. Для начала работы достаточно изучить назначение основных икон и можно приступать к описание алгоритмов в неформальном виде.</a:t>
             </a:r>
           </a:p>
           <a:p>
@@ -3560,7 +3649,7 @@
           <a:p>
             <a:r>
               <a:rPr lang="ru-RU" dirty="0"/>
-              <a:t>За счёт своей графической составляющей язык прост для восприятия</a:t>
+              <a:t>Взаимодействие со схемой осуществляется исключительно с помощью графических представлений, что положительно сказывается на скорости обучения по взаимодействию с системой.</a:t>
             </a:r>
           </a:p>
           <a:p>
@@ -3569,7 +3658,7 @@
           <a:p>
             <a:r>
               <a:rPr lang="ru-RU" dirty="0"/>
-              <a:t>Соблюдение правил построения ДРАКОН схем лежит на плечах не разработчика, но среды, что выгодно отличает его от классических текстовых ЯП.</a:t>
+              <a:t>ДРАКОН значительно проще текстовых ЯП. Пользователь лишается проблем, связанных с форматированием и проверкой синтаксиса языка. Многим разработчиком знакома проблема поиска потерянной скобки или точки с запятой. В языке ДРАКОН таких проблем нет.</a:t>
             </a:r>
           </a:p>
           <a:p>
@@ -3578,7 +3667,7 @@
           <a:p>
             <a:r>
               <a:rPr lang="ru-RU" dirty="0"/>
-              <a:t>А Возможность трансляции в текстовый ЯП показывает пользователю как должен выглядеть алгоритм в текстовом виде, что в будущем поможет ему с правильным построением алгоритмов.</a:t>
+              <a:t>Также преимуществом ДРАКОН-схем - Возможность трансляции в текстовый ЯП показывает пользователю как должен выглядеть алгоритм в текстовом виде, что с одной стороны позволяет ему осуществлять отладку программы, с другой внедрять разработанные алгоритмы в другие системы</a:t>
             </a:r>
           </a:p>
           <a:p>
@@ -3668,7 +3757,31 @@
           <a:p>
             <a:r>
               <a:rPr lang="ru-RU" dirty="0"/>
-              <a:t>Для того, чтобы обучать алгоритмизации требуется не просто дать возможность писать программы, но создать среду обучения, которая должна обладать следующими качествами.</a:t>
+              <a:t>Для того, чтобы обучать алгоритмизации требуется не просто дать возможность писать программы, но создать среду обучения, которая автоматизирует этот процесс. </a:t>
+            </a:r>
+          </a:p>
+          <a:p>
+            <a:r>
+              <a:rPr lang="ru-RU" dirty="0"/>
+              <a:t>Соответственно система должна предоставлять механизмы по обучению основам построения и выполнения алгоритмов.</a:t>
+            </a:r>
+          </a:p>
+          <a:p>
+            <a:endParaRPr lang="ru-RU" dirty="0"/>
+          </a:p>
+          <a:p>
+            <a:r>
+              <a:rPr lang="ru-RU" dirty="0"/>
+              <a:t>Сокращать время проектирования, а также время затрачиваемое на отладку</a:t>
+            </a:r>
+          </a:p>
+          <a:p>
+            <a:endParaRPr lang="ru-RU" dirty="0"/>
+          </a:p>
+          <a:p>
+            <a:r>
+              <a:rPr lang="ru-RU" dirty="0"/>
+              <a:t>Предоставлять механизмы общения между учеником и преподавателем, который должен осуществлять контроль качества выполняемых работ.</a:t>
             </a:r>
           </a:p>
         </p:txBody>
@@ -3878,7 +3991,7 @@
           <a:p>
             <a:fld id="{62AE3241-46A6-174A-8F19-3213B10CEE0C}" type="datetime1">
               <a:rPr lang="ru-RU" smtClean="0"/>
-              <a:t>24.06.2021</a:t>
+              <a:t>25.06.2021</a:t>
             </a:fld>
             <a:endParaRPr lang="en-US" dirty="0"/>
           </a:p>
@@ -4208,7 +4321,7 @@
           <a:p>
             <a:fld id="{5E8C3463-215C-EA45-B917-1ADAD461D17F}" type="datetime1">
               <a:rPr lang="ru-RU" smtClean="0"/>
-              <a:t>24.06.2021</a:t>
+              <a:t>25.06.2021</a:t>
             </a:fld>
             <a:endParaRPr lang="en-US" dirty="0"/>
           </a:p>
@@ -4388,7 +4501,7 @@
           <a:p>
             <a:fld id="{174209E6-A630-DE44-8E88-EBA71BAE8EE0}" type="datetime1">
               <a:rPr lang="ru-RU" smtClean="0"/>
-              <a:t>24.06.2021</a:t>
+              <a:t>25.06.2021</a:t>
             </a:fld>
             <a:endParaRPr lang="en-US" dirty="0"/>
           </a:p>
@@ -4477,9 +4590,37 @@
             <p:ph type="title"/>
           </p:nvPr>
         </p:nvSpPr>
-        <p:spPr/>
-        <p:txBody>
-          <a:bodyPr/>
+        <p:spPr>
+          <a:xfrm>
+            <a:off x="3256491" y="348026"/>
+            <a:ext cx="5679017" cy="745067"/>
+          </a:xfrm>
+          <a:prstGeom prst="roundRect">
+            <a:avLst/>
+          </a:prstGeom>
+          <a:solidFill>
+            <a:schemeClr val="accent3">
+              <a:lumMod val="20000"/>
+              <a:lumOff val="80000"/>
+            </a:schemeClr>
+          </a:solidFill>
+        </p:spPr>
+        <p:style>
+          <a:lnRef idx="2">
+            <a:schemeClr val="accent3"/>
+          </a:lnRef>
+          <a:fillRef idx="1">
+            <a:schemeClr val="lt1"/>
+          </a:fillRef>
+          <a:effectRef idx="0">
+            <a:schemeClr val="accent3"/>
+          </a:effectRef>
+          <a:fontRef idx="minor">
+            <a:schemeClr val="dk1"/>
+          </a:fontRef>
+        </p:style>
+        <p:txBody>
+          <a:bodyPr anchor="ctr" anchorCtr="0"/>
           <a:lstStyle/>
           <a:p>
             <a:r>
@@ -4581,7 +4722,7 @@
           <a:p>
             <a:fld id="{0D6C3294-7A17-5547-93C5-2E9A7DCED528}" type="datetime1">
               <a:rPr lang="ru-RU" smtClean="0"/>
-              <a:t>24.06.2021</a:t>
+              <a:t>25.06.2021</a:t>
             </a:fld>
             <a:endParaRPr lang="en-US" dirty="0"/>
           </a:p>
@@ -4868,7 +5009,7 @@
           <a:p>
             <a:fld id="{AE46F606-2589-DA4B-85F0-7F6C49369CAA}" type="datetime1">
               <a:rPr lang="ru-RU" smtClean="0"/>
-              <a:t>24.06.2021</a:t>
+              <a:t>25.06.2021</a:t>
             </a:fld>
             <a:endParaRPr lang="en-US" dirty="0"/>
           </a:p>
@@ -5262,7 +5403,7 @@
           <a:p>
             <a:fld id="{F4C89706-8A7B-C54A-A6F4-0B24533DEB80}" type="datetime1">
               <a:rPr lang="ru-RU" smtClean="0"/>
-              <a:t>24.06.2021</a:t>
+              <a:t>25.06.2021</a:t>
             </a:fld>
             <a:endParaRPr lang="en-US" dirty="0"/>
           </a:p>
@@ -5739,7 +5880,7 @@
           <a:p>
             <a:fld id="{504FAB59-BF21-8441-8AB1-F0D7CEF8C0B1}" type="datetime1">
               <a:rPr lang="ru-RU" smtClean="0"/>
-              <a:t>24.06.2021</a:t>
+              <a:t>25.06.2021</a:t>
             </a:fld>
             <a:endParaRPr lang="en-US" dirty="0"/>
           </a:p>
@@ -5857,7 +5998,7 @@
           <a:p>
             <a:fld id="{10FD55EB-5648-CE46-A55A-5283D13BBF17}" type="datetime1">
               <a:rPr lang="ru-RU" smtClean="0"/>
-              <a:t>24.06.2021</a:t>
+              <a:t>25.06.2021</a:t>
             </a:fld>
             <a:endParaRPr lang="en-US" dirty="0"/>
           </a:p>
@@ -5952,7 +6093,7 @@
           <a:p>
             <a:fld id="{C959EE28-D22C-CF4D-BC91-E85D2C473E7F}" type="datetime1">
               <a:rPr lang="ru-RU" smtClean="0"/>
-              <a:t>24.06.2021</a:t>
+              <a:t>25.06.2021</a:t>
             </a:fld>
             <a:endParaRPr lang="en-US" dirty="0"/>
           </a:p>
@@ -6298,7 +6439,7 @@
           <a:p>
             <a:fld id="{D89BAB5C-B105-F740-8AC6-FDB6A84F66ED}" type="datetime1">
               <a:rPr lang="ru-RU" smtClean="0"/>
-              <a:t>24.06.2021</a:t>
+              <a:t>25.06.2021</a:t>
             </a:fld>
             <a:endParaRPr lang="en-US" dirty="0"/>
           </a:p>
@@ -6686,7 +6827,7 @@
           <a:p>
             <a:fld id="{F584361A-6439-3149-9F2D-66FA6BF4D879}" type="datetime1">
               <a:rPr lang="ru-RU" smtClean="0"/>
-              <a:t>24.06.2021</a:t>
+              <a:t>25.06.2021</a:t>
             </a:fld>
             <a:endParaRPr lang="en-US" dirty="0"/>
           </a:p>
@@ -6966,7 +7107,7 @@
           <a:p>
             <a:fld id="{F584361A-6439-3149-9F2D-66FA6BF4D879}" type="datetime1">
               <a:rPr lang="ru-RU" smtClean="0"/>
-              <a:t>24.06.2021</a:t>
+              <a:t>25.06.2021</a:t>
             </a:fld>
             <a:endParaRPr lang="en-US" dirty="0"/>
           </a:p>
@@ -7709,9 +7850,16 @@
             <p:ph type="title"/>
           </p:nvPr>
         </p:nvSpPr>
-        <p:spPr/>
-        <p:txBody>
-          <a:bodyPr/>
+        <p:spPr>
+          <a:xfrm>
+            <a:off x="2128741" y="348026"/>
+            <a:ext cx="7934518" cy="1044356"/>
+          </a:xfrm>
+        </p:spPr>
+        <p:txBody>
+          <a:bodyPr>
+            <a:normAutofit fontScale="90000"/>
+          </a:bodyPr>
           <a:lstStyle/>
           <a:p>
             <a:r>
@@ -7890,13 +8038,13 @@
         </p:nvSpPr>
         <p:spPr>
           <a:xfrm>
-            <a:off x="1616925" y="329482"/>
-            <a:ext cx="9613861" cy="1080938"/>
+            <a:off x="1767135" y="210007"/>
+            <a:ext cx="8657730" cy="600702"/>
           </a:xfrm>
         </p:spPr>
         <p:txBody>
           <a:bodyPr>
-            <a:normAutofit/>
+            <a:normAutofit fontScale="90000"/>
           </a:bodyPr>
           <a:lstStyle/>
           <a:p>
@@ -8032,7 +8180,7 @@
         </p:nvSpPr>
         <p:spPr>
           <a:xfrm>
-            <a:off x="1030209" y="4653033"/>
+            <a:off x="925159" y="4653033"/>
             <a:ext cx="6217920" cy="1964327"/>
           </a:xfrm>
           <a:prstGeom prst="rect">
@@ -8084,8 +8232,8 @@
         </p:nvSpPr>
         <p:spPr>
           <a:xfrm>
-            <a:off x="6895652" y="1785769"/>
-            <a:ext cx="5026899" cy="2947596"/>
+            <a:off x="7248128" y="2109355"/>
+            <a:ext cx="4674423" cy="2543678"/>
           </a:xfrm>
           <a:prstGeom prst="rect">
             <a:avLst/>
@@ -8168,7 +8316,7 @@
                             </p:stCondLst>
                             <p:childTnLst>
                               <p:par>
-                                <p:cTn id="5" presetID="1" presetClass="entr" presetSubtype="0" fill="hold" grpId="0" nodeType="withEffect">
+                                <p:cTn id="5" presetID="10" presetClass="entr" presetSubtype="0" fill="hold" grpId="0" nodeType="withEffect">
                                   <p:stCondLst>
                                     <p:cond delay="0"/>
                                   </p:stCondLst>
@@ -8191,6 +8339,14 @@
                                         <p:strVal val="visible"/>
                                       </p:to>
                                     </p:set>
+                                    <p:animEffect transition="in" filter="fade">
+                                      <p:cBhvr>
+                                        <p:cTn id="7" dur="500"/>
+                                        <p:tgtEl>
+                                          <p:spTgt spid="5"/>
+                                        </p:tgtEl>
+                                      </p:cBhvr>
+                                    </p:animEffect>
                                   </p:childTnLst>
                                 </p:cTn>
                               </p:par>
@@ -8201,28 +8357,36 @@
                     </p:cTn>
                   </p:par>
                   <p:par>
-                    <p:cTn id="7" fill="hold">
+                    <p:cTn id="8" fill="hold">
                       <p:stCondLst>
                         <p:cond delay="indefinite"/>
                       </p:stCondLst>
                       <p:childTnLst>
                         <p:par>
-                          <p:cTn id="8" fill="hold">
+                          <p:cTn id="9" fill="hold">
                             <p:stCondLst>
                               <p:cond delay="0"/>
                             </p:stCondLst>
                             <p:childTnLst>
                               <p:par>
-                                <p:cTn id="9" presetID="1" presetClass="exit" presetSubtype="0" fill="hold" grpId="1" nodeType="clickEffect">
+                                <p:cTn id="10" presetID="10" presetClass="exit" presetSubtype="0" fill="hold" grpId="1" nodeType="clickEffect">
                                   <p:stCondLst>
                                     <p:cond delay="0"/>
                                   </p:stCondLst>
                                   <p:childTnLst>
+                                    <p:animEffect transition="out" filter="fade">
+                                      <p:cBhvr>
+                                        <p:cTn id="11" dur="500"/>
+                                        <p:tgtEl>
+                                          <p:spTgt spid="5"/>
+                                        </p:tgtEl>
+                                      </p:cBhvr>
+                                    </p:animEffect>
                                     <p:set>
                                       <p:cBhvr>
-                                        <p:cTn id="10" dur="1" fill="hold">
+                                        <p:cTn id="12" dur="1" fill="hold">
                                           <p:stCondLst>
-                                            <p:cond delay="0"/>
+                                            <p:cond delay="499"/>
                                           </p:stCondLst>
                                         </p:cTn>
                                         <p:tgtEl>
@@ -8240,14 +8404,14 @@
                                 </p:cTn>
                               </p:par>
                               <p:par>
-                                <p:cTn id="11" presetID="1" presetClass="entr" presetSubtype="0" fill="hold" grpId="0" nodeType="withEffect">
+                                <p:cTn id="13" presetID="10" presetClass="entr" presetSubtype="0" fill="hold" grpId="0" nodeType="withEffect">
                                   <p:stCondLst>
                                     <p:cond delay="0"/>
                                   </p:stCondLst>
                                   <p:childTnLst>
                                     <p:set>
                                       <p:cBhvr>
-                                        <p:cTn id="12" dur="1" fill="hold">
+                                        <p:cTn id="14" dur="1" fill="hold">
                                           <p:stCondLst>
                                             <p:cond delay="0"/>
                                           </p:stCondLst>
@@ -8263,6 +8427,14 @@
                                         <p:strVal val="visible"/>
                                       </p:to>
                                     </p:set>
+                                    <p:animEffect transition="in" filter="fade">
+                                      <p:cBhvr>
+                                        <p:cTn id="15" dur="500"/>
+                                        <p:tgtEl>
+                                          <p:spTgt spid="6"/>
+                                        </p:tgtEl>
+                                      </p:cBhvr>
+                                    </p:animEffect>
                                   </p:childTnLst>
                                 </p:cTn>
                               </p:par>
@@ -8273,28 +8445,36 @@
                     </p:cTn>
                   </p:par>
                   <p:par>
-                    <p:cTn id="13" fill="hold">
+                    <p:cTn id="16" fill="hold">
                       <p:stCondLst>
                         <p:cond delay="indefinite"/>
                       </p:stCondLst>
                       <p:childTnLst>
                         <p:par>
-                          <p:cTn id="14" fill="hold">
+                          <p:cTn id="17" fill="hold">
                             <p:stCondLst>
                               <p:cond delay="0"/>
                             </p:stCondLst>
                             <p:childTnLst>
                               <p:par>
-                                <p:cTn id="15" presetID="1" presetClass="exit" presetSubtype="0" fill="hold" grpId="1" nodeType="clickEffect">
+                                <p:cTn id="18" presetID="10" presetClass="exit" presetSubtype="0" fill="hold" grpId="1" nodeType="clickEffect">
                                   <p:stCondLst>
                                     <p:cond delay="0"/>
                                   </p:stCondLst>
                                   <p:childTnLst>
+                                    <p:animEffect transition="out" filter="fade">
+                                      <p:cBhvr>
+                                        <p:cTn id="19" dur="500"/>
+                                        <p:tgtEl>
+                                          <p:spTgt spid="6"/>
+                                        </p:tgtEl>
+                                      </p:cBhvr>
+                                    </p:animEffect>
                                     <p:set>
                                       <p:cBhvr>
-                                        <p:cTn id="16" dur="1" fill="hold">
+                                        <p:cTn id="20" dur="1" fill="hold">
                                           <p:stCondLst>
-                                            <p:cond delay="0"/>
+                                            <p:cond delay="499"/>
                                           </p:stCondLst>
                                         </p:cTn>
                                         <p:tgtEl>
@@ -8312,14 +8492,14 @@
                                 </p:cTn>
                               </p:par>
                               <p:par>
-                                <p:cTn id="17" presetID="1" presetClass="entr" presetSubtype="0" fill="hold" grpId="0" nodeType="withEffect">
+                                <p:cTn id="21" presetID="10" presetClass="entr" presetSubtype="0" fill="hold" grpId="0" nodeType="withEffect">
                                   <p:stCondLst>
                                     <p:cond delay="0"/>
                                   </p:stCondLst>
                                   <p:childTnLst>
                                     <p:set>
                                       <p:cBhvr>
-                                        <p:cTn id="18" dur="1" fill="hold">
+                                        <p:cTn id="22" dur="1" fill="hold">
                                           <p:stCondLst>
                                             <p:cond delay="0"/>
                                           </p:stCondLst>
@@ -8335,6 +8515,14 @@
                                         <p:strVal val="visible"/>
                                       </p:to>
                                     </p:set>
+                                    <p:animEffect transition="in" filter="fade">
+                                      <p:cBhvr>
+                                        <p:cTn id="23" dur="500"/>
+                                        <p:tgtEl>
+                                          <p:spTgt spid="7"/>
+                                        </p:tgtEl>
+                                      </p:cBhvr>
+                                    </p:animEffect>
                                   </p:childTnLst>
                                 </p:cTn>
                               </p:par>
@@ -8345,28 +8533,36 @@
                     </p:cTn>
                   </p:par>
                   <p:par>
-                    <p:cTn id="19" fill="hold">
+                    <p:cTn id="24" fill="hold">
                       <p:stCondLst>
                         <p:cond delay="indefinite"/>
                       </p:stCondLst>
                       <p:childTnLst>
                         <p:par>
-                          <p:cTn id="20" fill="hold">
+                          <p:cTn id="25" fill="hold">
                             <p:stCondLst>
                               <p:cond delay="0"/>
                             </p:stCondLst>
                             <p:childTnLst>
                               <p:par>
-                                <p:cTn id="21" presetID="1" presetClass="exit" presetSubtype="0" fill="hold" grpId="1" nodeType="clickEffect">
+                                <p:cTn id="26" presetID="10" presetClass="exit" presetSubtype="0" fill="hold" grpId="1" nodeType="clickEffect">
                                   <p:stCondLst>
                                     <p:cond delay="0"/>
                                   </p:stCondLst>
                                   <p:childTnLst>
+                                    <p:animEffect transition="out" filter="fade">
+                                      <p:cBhvr>
+                                        <p:cTn id="27" dur="500"/>
+                                        <p:tgtEl>
+                                          <p:spTgt spid="7"/>
+                                        </p:tgtEl>
+                                      </p:cBhvr>
+                                    </p:animEffect>
                                     <p:set>
                                       <p:cBhvr>
-                                        <p:cTn id="22" dur="1" fill="hold">
+                                        <p:cTn id="28" dur="1" fill="hold">
                                           <p:stCondLst>
-                                            <p:cond delay="0"/>
+                                            <p:cond delay="499"/>
                                           </p:stCondLst>
                                         </p:cTn>
                                         <p:tgtEl>
@@ -8444,7 +8640,7 @@
           <p:cNvPr id="2" name="Заголовок 1">
             <a:extLst>
               <a:ext uri="{FF2B5EF4-FFF2-40B4-BE49-F238E27FC236}">
-                <a16:creationId xmlns:a16="http://schemas.microsoft.com/office/drawing/2014/main" id="{CBBF4027-A676-47CC-945F-A97DEC859A00}"/>
+                <a16:creationId xmlns:a16="http://schemas.microsoft.com/office/drawing/2014/main" id="{3E5F2A58-BB01-F345-BD1F-835A725FB54C}"/>
               </a:ext>
             </a:extLst>
           </p:cNvPr>
@@ -8455,33 +8651,68 @@
             <p:ph type="title"/>
           </p:nvPr>
         </p:nvSpPr>
+        <p:spPr>
+          <a:xfrm>
+            <a:off x="1628600" y="136276"/>
+            <a:ext cx="8934800" cy="572793"/>
+          </a:xfrm>
+        </p:spPr>
+        <p:txBody>
+          <a:bodyPr>
+            <a:normAutofit fontScale="90000"/>
+          </a:bodyPr>
+          <a:lstStyle/>
+          <a:p>
+            <a:r>
+              <a:rPr lang="ru-RU" dirty="0"/>
+              <a:t>Диаграмма классов ДРАКОН-схемы</a:t>
+            </a:r>
+          </a:p>
+        </p:txBody>
+      </p:sp>
+      <p:sp>
+        <p:nvSpPr>
+          <p:cNvPr id="4" name="Номер слайда 3">
+            <a:extLst>
+              <a:ext uri="{FF2B5EF4-FFF2-40B4-BE49-F238E27FC236}">
+                <a16:creationId xmlns:a16="http://schemas.microsoft.com/office/drawing/2014/main" id="{DEFE4362-AAC4-9543-860E-10987011B9E3}"/>
+              </a:ext>
+            </a:extLst>
+          </p:cNvPr>
+          <p:cNvSpPr>
+            <a:spLocks noGrp="1"/>
+          </p:cNvSpPr>
+          <p:nvPr>
+            <p:ph type="sldNum" sz="quarter" idx="12"/>
+          </p:nvPr>
+        </p:nvSpPr>
         <p:spPr/>
         <p:txBody>
           <a:bodyPr/>
           <a:lstStyle/>
           <a:p>
-            <a:r>
-              <a:rPr lang="ru-RU" dirty="0"/>
-              <a:t>Диаграмма сущность-связь</a:t>
-            </a:r>
+            <a:fld id="{6D22F896-40B5-4ADD-8801-0D06FADFA095}" type="slidenum">
+              <a:rPr lang="en-US" smtClean="0"/>
+              <a:pPr/>
+              <a:t>12</a:t>
+            </a:fld>
+            <a:endParaRPr lang="en-US" dirty="0"/>
           </a:p>
         </p:txBody>
       </p:sp>
       <p:pic>
         <p:nvPicPr>
-          <p:cNvPr id="8" name="Объект 7">
+          <p:cNvPr id="10" name="Рисунок 9">
             <a:extLst>
               <a:ext uri="{FF2B5EF4-FFF2-40B4-BE49-F238E27FC236}">
-                <a16:creationId xmlns:a16="http://schemas.microsoft.com/office/drawing/2014/main" id="{017706CE-148B-8947-B491-8C7C920AB222}"/>
+                <a16:creationId xmlns:a16="http://schemas.microsoft.com/office/drawing/2014/main" id="{D6C75360-1059-40BC-9650-CE3E87992225}"/>
               </a:ext>
             </a:extLst>
           </p:cNvPr>
           <p:cNvPicPr>
-            <a:picLocks noGrp="1" noChangeAspect="1"/>
+            <a:picLocks noChangeAspect="1"/>
           </p:cNvPicPr>
-          <p:nvPr>
-            <p:ph idx="1"/>
-          </p:nvPr>
+          <p:nvPr/>
         </p:nvPicPr>
         <p:blipFill>
           <a:blip r:embed="rId3"/>
@@ -8491,16 +8722,590 @@
         </p:blipFill>
         <p:spPr>
           <a:xfrm>
-            <a:off x="1973569" y="1566280"/>
-            <a:ext cx="8244861" cy="4883811"/>
+            <a:off x="2643187" y="1357312"/>
+            <a:ext cx="6905625" cy="4143375"/>
           </a:xfrm>
+          <a:prstGeom prst="rect">
+            <a:avLst/>
+          </a:prstGeom>
+        </p:spPr>
+      </p:pic>
+      <p:pic>
+        <p:nvPicPr>
+          <p:cNvPr id="12" name="Рисунок 11">
+            <a:extLst>
+              <a:ext uri="{FF2B5EF4-FFF2-40B4-BE49-F238E27FC236}">
+                <a16:creationId xmlns:a16="http://schemas.microsoft.com/office/drawing/2014/main" id="{84E56DDF-B7DD-4161-A456-186AD5227E7F}"/>
+              </a:ext>
+            </a:extLst>
+          </p:cNvPr>
+          <p:cNvPicPr>
+            <a:picLocks noChangeAspect="1"/>
+          </p:cNvPicPr>
+          <p:nvPr/>
+        </p:nvPicPr>
+        <p:blipFill>
+          <a:blip r:embed="rId4"/>
+          <a:stretch>
+            <a:fillRect/>
+          </a:stretch>
+        </p:blipFill>
+        <p:spPr>
+          <a:xfrm>
+            <a:off x="2643187" y="1101974"/>
+            <a:ext cx="6772275" cy="4819650"/>
+          </a:xfrm>
+          <a:prstGeom prst="rect">
+            <a:avLst/>
+          </a:prstGeom>
+        </p:spPr>
+      </p:pic>
+    </p:spTree>
+    <p:extLst>
+      <p:ext uri="{BB962C8B-B14F-4D97-AF65-F5344CB8AC3E}">
+        <p14:creationId xmlns:p14="http://schemas.microsoft.com/office/powerpoint/2010/main" val="2657261145"/>
+      </p:ext>
+    </p:extLst>
+  </p:cSld>
+  <p:clrMapOvr>
+    <a:masterClrMapping/>
+  </p:clrMapOvr>
+  <p:timing>
+    <p:tnLst>
+      <p:par>
+        <p:cTn id="1" dur="indefinite" restart="never" nodeType="tmRoot">
+          <p:childTnLst>
+            <p:seq concurrent="1" nextAc="seek">
+              <p:cTn id="2" dur="indefinite" nodeType="mainSeq">
+                <p:childTnLst>
+                  <p:par>
+                    <p:cTn id="3" fill="hold">
+                      <p:stCondLst>
+                        <p:cond delay="indefinite"/>
+                        <p:cond evt="onBegin" delay="0">
+                          <p:tn val="2"/>
+                        </p:cond>
+                      </p:stCondLst>
+                      <p:childTnLst>
+                        <p:par>
+                          <p:cTn id="4" fill="hold">
+                            <p:stCondLst>
+                              <p:cond delay="0"/>
+                            </p:stCondLst>
+                            <p:childTnLst>
+                              <p:par>
+                                <p:cTn id="5" presetID="10" presetClass="entr" presetSubtype="0" fill="hold" nodeType="withEffect">
+                                  <p:stCondLst>
+                                    <p:cond delay="0"/>
+                                  </p:stCondLst>
+                                  <p:childTnLst>
+                                    <p:set>
+                                      <p:cBhvr>
+                                        <p:cTn id="6" dur="1" fill="hold">
+                                          <p:stCondLst>
+                                            <p:cond delay="0"/>
+                                          </p:stCondLst>
+                                        </p:cTn>
+                                        <p:tgtEl>
+                                          <p:spTgt spid="10"/>
+                                        </p:tgtEl>
+                                        <p:attrNameLst>
+                                          <p:attrName>style.visibility</p:attrName>
+                                        </p:attrNameLst>
+                                      </p:cBhvr>
+                                      <p:to>
+                                        <p:strVal val="visible"/>
+                                      </p:to>
+                                    </p:set>
+                                    <p:animEffect transition="in" filter="fade">
+                                      <p:cBhvr>
+                                        <p:cTn id="7" dur="500"/>
+                                        <p:tgtEl>
+                                          <p:spTgt spid="10"/>
+                                        </p:tgtEl>
+                                      </p:cBhvr>
+                                    </p:animEffect>
+                                  </p:childTnLst>
+                                </p:cTn>
+                              </p:par>
+                            </p:childTnLst>
+                          </p:cTn>
+                        </p:par>
+                      </p:childTnLst>
+                    </p:cTn>
+                  </p:par>
+                  <p:par>
+                    <p:cTn id="8" fill="hold">
+                      <p:stCondLst>
+                        <p:cond delay="indefinite"/>
+                      </p:stCondLst>
+                      <p:childTnLst>
+                        <p:par>
+                          <p:cTn id="9" fill="hold">
+                            <p:stCondLst>
+                              <p:cond delay="0"/>
+                            </p:stCondLst>
+                            <p:childTnLst>
+                              <p:par>
+                                <p:cTn id="10" presetID="10" presetClass="exit" presetSubtype="0" fill="hold" nodeType="clickEffect">
+                                  <p:stCondLst>
+                                    <p:cond delay="0"/>
+                                  </p:stCondLst>
+                                  <p:childTnLst>
+                                    <p:animEffect transition="out" filter="fade">
+                                      <p:cBhvr>
+                                        <p:cTn id="11" dur="500"/>
+                                        <p:tgtEl>
+                                          <p:spTgt spid="10"/>
+                                        </p:tgtEl>
+                                      </p:cBhvr>
+                                    </p:animEffect>
+                                    <p:set>
+                                      <p:cBhvr>
+                                        <p:cTn id="12" dur="1" fill="hold">
+                                          <p:stCondLst>
+                                            <p:cond delay="499"/>
+                                          </p:stCondLst>
+                                        </p:cTn>
+                                        <p:tgtEl>
+                                          <p:spTgt spid="10"/>
+                                        </p:tgtEl>
+                                        <p:attrNameLst>
+                                          <p:attrName>style.visibility</p:attrName>
+                                        </p:attrNameLst>
+                                      </p:cBhvr>
+                                      <p:to>
+                                        <p:strVal val="hidden"/>
+                                      </p:to>
+                                    </p:set>
+                                  </p:childTnLst>
+                                </p:cTn>
+                              </p:par>
+                              <p:par>
+                                <p:cTn id="13" presetID="10" presetClass="entr" presetSubtype="0" fill="hold" nodeType="withEffect">
+                                  <p:stCondLst>
+                                    <p:cond delay="0"/>
+                                  </p:stCondLst>
+                                  <p:childTnLst>
+                                    <p:set>
+                                      <p:cBhvr>
+                                        <p:cTn id="14" dur="1" fill="hold">
+                                          <p:stCondLst>
+                                            <p:cond delay="0"/>
+                                          </p:stCondLst>
+                                        </p:cTn>
+                                        <p:tgtEl>
+                                          <p:spTgt spid="12"/>
+                                        </p:tgtEl>
+                                        <p:attrNameLst>
+                                          <p:attrName>style.visibility</p:attrName>
+                                        </p:attrNameLst>
+                                      </p:cBhvr>
+                                      <p:to>
+                                        <p:strVal val="visible"/>
+                                      </p:to>
+                                    </p:set>
+                                    <p:animEffect transition="in" filter="fade">
+                                      <p:cBhvr>
+                                        <p:cTn id="15" dur="500"/>
+                                        <p:tgtEl>
+                                          <p:spTgt spid="12"/>
+                                        </p:tgtEl>
+                                      </p:cBhvr>
+                                    </p:animEffect>
+                                  </p:childTnLst>
+                                </p:cTn>
+                              </p:par>
+                            </p:childTnLst>
+                          </p:cTn>
+                        </p:par>
+                      </p:childTnLst>
+                    </p:cTn>
+                  </p:par>
+                </p:childTnLst>
+              </p:cTn>
+              <p:prevCondLst>
+                <p:cond evt="onPrev" delay="0">
+                  <p:tgtEl>
+                    <p:sldTgt/>
+                  </p:tgtEl>
+                </p:cond>
+              </p:prevCondLst>
+              <p:nextCondLst>
+                <p:cond evt="onNext" delay="0">
+                  <p:tgtEl>
+                    <p:sldTgt/>
+                  </p:tgtEl>
+                </p:cond>
+              </p:nextCondLst>
+            </p:seq>
+          </p:childTnLst>
+        </p:cTn>
+      </p:par>
+    </p:tnLst>
+  </p:timing>
+</p:sld>
+</file>
+
+<file path=ppt/slides/slide13.xml><?xml version="1.0" encoding="utf-8"?>
+<p:sld xmlns:a="http://schemas.openxmlformats.org/drawingml/2006/main" xmlns:r="http://schemas.openxmlformats.org/officeDocument/2006/relationships" xmlns:p="http://schemas.openxmlformats.org/presentationml/2006/main">
+  <p:cSld>
+    <p:spTree>
+      <p:nvGrpSpPr>
+        <p:cNvPr id="1" name=""/>
+        <p:cNvGrpSpPr/>
+        <p:nvPr/>
+      </p:nvGrpSpPr>
+      <p:grpSpPr>
+        <a:xfrm>
+          <a:off x="0" y="0"/>
+          <a:ext cx="0" cy="0"/>
+          <a:chOff x="0" y="0"/>
+          <a:chExt cx="0" cy="0"/>
+        </a:xfrm>
+      </p:grpSpPr>
+      <p:sp>
+        <p:nvSpPr>
+          <p:cNvPr id="2" name="Заголовок 1">
+            <a:extLst>
+              <a:ext uri="{FF2B5EF4-FFF2-40B4-BE49-F238E27FC236}">
+                <a16:creationId xmlns:a16="http://schemas.microsoft.com/office/drawing/2014/main" id="{117C4036-13E4-4978-82C7-358D3983B4ED}"/>
+              </a:ext>
+            </a:extLst>
+          </p:cNvPr>
+          <p:cNvSpPr>
+            <a:spLocks noGrp="1"/>
+          </p:cNvSpPr>
+          <p:nvPr>
+            <p:ph type="title"/>
+          </p:nvPr>
+        </p:nvSpPr>
+        <p:spPr/>
+        <p:txBody>
+          <a:bodyPr>
+            <a:normAutofit fontScale="90000"/>
+          </a:bodyPr>
+          <a:lstStyle/>
+          <a:p>
+            <a:r>
+              <a:rPr lang="ru-RU" dirty="0"/>
+              <a:t>Модель ДРАКОН-схемы</a:t>
+            </a:r>
+          </a:p>
+        </p:txBody>
+      </p:sp>
+      <p:sp>
+        <p:nvSpPr>
+          <p:cNvPr id="4" name="Номер слайда 3">
+            <a:extLst>
+              <a:ext uri="{FF2B5EF4-FFF2-40B4-BE49-F238E27FC236}">
+                <a16:creationId xmlns:a16="http://schemas.microsoft.com/office/drawing/2014/main" id="{4EC09FE4-A2D1-4A8B-BCDB-5CD7336A9F9D}"/>
+              </a:ext>
+            </a:extLst>
+          </p:cNvPr>
+          <p:cNvSpPr>
+            <a:spLocks noGrp="1"/>
+          </p:cNvSpPr>
+          <p:nvPr>
+            <p:ph type="sldNum" sz="quarter" idx="12"/>
+          </p:nvPr>
+        </p:nvSpPr>
+        <p:spPr/>
+        <p:txBody>
+          <a:bodyPr/>
+          <a:lstStyle/>
+          <a:p>
+            <a:fld id="{6D22F896-40B5-4ADD-8801-0D06FADFA095}" type="slidenum">
+              <a:rPr lang="en-US" smtClean="0"/>
+              <a:pPr/>
+              <a:t>13</a:t>
+            </a:fld>
+            <a:endParaRPr lang="en-US" dirty="0"/>
+          </a:p>
+        </p:txBody>
+      </p:sp>
+      <p:pic>
+        <p:nvPicPr>
+          <p:cNvPr id="10" name="Рисунок 9">
+            <a:extLst>
+              <a:ext uri="{FF2B5EF4-FFF2-40B4-BE49-F238E27FC236}">
+                <a16:creationId xmlns:a16="http://schemas.microsoft.com/office/drawing/2014/main" id="{0967DF99-5F31-43FB-8AA3-143DE01CF883}"/>
+              </a:ext>
+            </a:extLst>
+          </p:cNvPr>
+          <p:cNvPicPr>
+            <a:picLocks noChangeAspect="1"/>
+          </p:cNvPicPr>
+          <p:nvPr/>
+        </p:nvPicPr>
+        <p:blipFill>
+          <a:blip r:embed="rId3"/>
+          <a:stretch>
+            <a:fillRect/>
+          </a:stretch>
+        </p:blipFill>
+        <p:spPr>
+          <a:xfrm>
+            <a:off x="1660381" y="1602278"/>
+            <a:ext cx="8372475" cy="3886200"/>
+          </a:xfrm>
+          <a:prstGeom prst="rect">
+            <a:avLst/>
+          </a:prstGeom>
+        </p:spPr>
+      </p:pic>
+      <p:pic>
+        <p:nvPicPr>
+          <p:cNvPr id="14" name="Рисунок 13">
+            <a:extLst>
+              <a:ext uri="{FF2B5EF4-FFF2-40B4-BE49-F238E27FC236}">
+                <a16:creationId xmlns:a16="http://schemas.microsoft.com/office/drawing/2014/main" id="{0939F67C-E916-48C2-A195-6CA121F96643}"/>
+              </a:ext>
+            </a:extLst>
+          </p:cNvPr>
+          <p:cNvPicPr>
+            <a:picLocks noChangeAspect="1"/>
+          </p:cNvPicPr>
+          <p:nvPr/>
+        </p:nvPicPr>
+        <p:blipFill>
+          <a:blip r:embed="rId4"/>
+          <a:stretch>
+            <a:fillRect/>
+          </a:stretch>
+        </p:blipFill>
+        <p:spPr>
+          <a:xfrm>
+            <a:off x="2184256" y="1602278"/>
+            <a:ext cx="7848600" cy="4229100"/>
+          </a:xfrm>
+          <a:prstGeom prst="rect">
+            <a:avLst/>
+          </a:prstGeom>
+        </p:spPr>
+      </p:pic>
+    </p:spTree>
+    <p:extLst>
+      <p:ext uri="{BB962C8B-B14F-4D97-AF65-F5344CB8AC3E}">
+        <p14:creationId xmlns:p14="http://schemas.microsoft.com/office/powerpoint/2010/main" val="279942815"/>
+      </p:ext>
+    </p:extLst>
+  </p:cSld>
+  <p:clrMapOvr>
+    <a:masterClrMapping/>
+  </p:clrMapOvr>
+  <p:timing>
+    <p:tnLst>
+      <p:par>
+        <p:cTn id="1" dur="indefinite" restart="never" nodeType="tmRoot">
+          <p:childTnLst>
+            <p:seq concurrent="1" nextAc="seek">
+              <p:cTn id="2" dur="indefinite" nodeType="mainSeq">
+                <p:childTnLst>
+                  <p:par>
+                    <p:cTn id="3" fill="hold">
+                      <p:stCondLst>
+                        <p:cond delay="indefinite"/>
+                      </p:stCondLst>
+                      <p:childTnLst>
+                        <p:par>
+                          <p:cTn id="4" fill="hold">
+                            <p:stCondLst>
+                              <p:cond delay="0"/>
+                            </p:stCondLst>
+                            <p:childTnLst>
+                              <p:par>
+                                <p:cTn id="5" presetID="10" presetClass="exit" presetSubtype="0" fill="hold" nodeType="clickEffect">
+                                  <p:stCondLst>
+                                    <p:cond delay="0"/>
+                                  </p:stCondLst>
+                                  <p:childTnLst>
+                                    <p:animEffect transition="out" filter="fade">
+                                      <p:cBhvr>
+                                        <p:cTn id="6" dur="500"/>
+                                        <p:tgtEl>
+                                          <p:spTgt spid="10"/>
+                                        </p:tgtEl>
+                                      </p:cBhvr>
+                                    </p:animEffect>
+                                    <p:set>
+                                      <p:cBhvr>
+                                        <p:cTn id="7" dur="1" fill="hold">
+                                          <p:stCondLst>
+                                            <p:cond delay="499"/>
+                                          </p:stCondLst>
+                                        </p:cTn>
+                                        <p:tgtEl>
+                                          <p:spTgt spid="10"/>
+                                        </p:tgtEl>
+                                        <p:attrNameLst>
+                                          <p:attrName>style.visibility</p:attrName>
+                                        </p:attrNameLst>
+                                      </p:cBhvr>
+                                      <p:to>
+                                        <p:strVal val="hidden"/>
+                                      </p:to>
+                                    </p:set>
+                                  </p:childTnLst>
+                                </p:cTn>
+                              </p:par>
+                              <p:par>
+                                <p:cTn id="8" presetID="10" presetClass="entr" presetSubtype="0" fill="hold" nodeType="withEffect">
+                                  <p:stCondLst>
+                                    <p:cond delay="0"/>
+                                  </p:stCondLst>
+                                  <p:childTnLst>
+                                    <p:set>
+                                      <p:cBhvr>
+                                        <p:cTn id="9" dur="1" fill="hold">
+                                          <p:stCondLst>
+                                            <p:cond delay="0"/>
+                                          </p:stCondLst>
+                                        </p:cTn>
+                                        <p:tgtEl>
+                                          <p:spTgt spid="14"/>
+                                        </p:tgtEl>
+                                        <p:attrNameLst>
+                                          <p:attrName>style.visibility</p:attrName>
+                                        </p:attrNameLst>
+                                      </p:cBhvr>
+                                      <p:to>
+                                        <p:strVal val="visible"/>
+                                      </p:to>
+                                    </p:set>
+                                    <p:animEffect transition="in" filter="fade">
+                                      <p:cBhvr>
+                                        <p:cTn id="10" dur="500"/>
+                                        <p:tgtEl>
+                                          <p:spTgt spid="14"/>
+                                        </p:tgtEl>
+                                      </p:cBhvr>
+                                    </p:animEffect>
+                                  </p:childTnLst>
+                                </p:cTn>
+                              </p:par>
+                            </p:childTnLst>
+                          </p:cTn>
+                        </p:par>
+                      </p:childTnLst>
+                    </p:cTn>
+                  </p:par>
+                </p:childTnLst>
+              </p:cTn>
+              <p:prevCondLst>
+                <p:cond evt="onPrev" delay="0">
+                  <p:tgtEl>
+                    <p:sldTgt/>
+                  </p:tgtEl>
+                </p:cond>
+              </p:prevCondLst>
+              <p:nextCondLst>
+                <p:cond evt="onNext" delay="0">
+                  <p:tgtEl>
+                    <p:sldTgt/>
+                  </p:tgtEl>
+                </p:cond>
+              </p:nextCondLst>
+            </p:seq>
+          </p:childTnLst>
+        </p:cTn>
+      </p:par>
+    </p:tnLst>
+  </p:timing>
+</p:sld>
+</file>
+
+<file path=ppt/slides/slide14.xml><?xml version="1.0" encoding="utf-8"?>
+<p:sld xmlns:a="http://schemas.openxmlformats.org/drawingml/2006/main" xmlns:r="http://schemas.openxmlformats.org/officeDocument/2006/relationships" xmlns:p="http://schemas.openxmlformats.org/presentationml/2006/main">
+  <p:cSld>
+    <p:spTree>
+      <p:nvGrpSpPr>
+        <p:cNvPr id="1" name=""/>
+        <p:cNvGrpSpPr/>
+        <p:nvPr/>
+      </p:nvGrpSpPr>
+      <p:grpSpPr>
+        <a:xfrm>
+          <a:off x="0" y="0"/>
+          <a:ext cx="0" cy="0"/>
+          <a:chOff x="0" y="0"/>
+          <a:chExt cx="0" cy="0"/>
+        </a:xfrm>
+      </p:grpSpPr>
+      <p:pic>
+        <p:nvPicPr>
+          <p:cNvPr id="10" name="Рисунок 9">
+            <a:extLst>
+              <a:ext uri="{FF2B5EF4-FFF2-40B4-BE49-F238E27FC236}">
+                <a16:creationId xmlns:a16="http://schemas.microsoft.com/office/drawing/2014/main" id="{F3259BFA-0DF3-406E-88BD-0B2C65C06622}"/>
+              </a:ext>
+            </a:extLst>
+          </p:cNvPr>
+          <p:cNvPicPr/>
+          <p:nvPr/>
+        </p:nvPicPr>
+        <p:blipFill>
+          <a:blip r:embed="rId3">
+            <a:extLst>
+              <a:ext uri="{28A0092B-C50C-407E-A947-70E740481C1C}">
+                <a14:useLocalDpi xmlns:a14="http://schemas.microsoft.com/office/drawing/2010/main" val="0"/>
+              </a:ext>
+            </a:extLst>
+          </a:blip>
+          <a:srcRect/>
+          <a:stretch>
+            <a:fillRect/>
+          </a:stretch>
+        </p:blipFill>
+        <p:spPr bwMode="auto">
+          <a:xfrm>
+            <a:off x="1473797" y="1468454"/>
+            <a:ext cx="9099584" cy="5389546"/>
+          </a:xfrm>
+          <a:prstGeom prst="rect">
+            <a:avLst/>
+          </a:prstGeom>
+          <a:noFill/>
           <a:ln>
-            <a:solidFill>
-              <a:schemeClr val="tx1"/>
-            </a:solidFill>
+            <a:noFill/>
           </a:ln>
         </p:spPr>
       </p:pic>
+      <p:sp>
+        <p:nvSpPr>
+          <p:cNvPr id="2" name="Заголовок 1">
+            <a:extLst>
+              <a:ext uri="{FF2B5EF4-FFF2-40B4-BE49-F238E27FC236}">
+                <a16:creationId xmlns:a16="http://schemas.microsoft.com/office/drawing/2014/main" id="{CBBF4027-A676-47CC-945F-A97DEC859A00}"/>
+              </a:ext>
+            </a:extLst>
+          </p:cNvPr>
+          <p:cNvSpPr>
+            <a:spLocks noGrp="1"/>
+          </p:cNvSpPr>
+          <p:nvPr>
+            <p:ph type="title"/>
+          </p:nvPr>
+        </p:nvSpPr>
+        <p:spPr>
+          <a:xfrm>
+            <a:off x="2970404" y="240639"/>
+            <a:ext cx="6251191" cy="745067"/>
+          </a:xfrm>
+        </p:spPr>
+        <p:txBody>
+          <a:bodyPr>
+            <a:normAutofit fontScale="90000"/>
+          </a:bodyPr>
+          <a:lstStyle/>
+          <a:p>
+            <a:r>
+              <a:rPr lang="ru-RU" dirty="0"/>
+              <a:t>Диаграмма сущность-связь</a:t>
+            </a:r>
+          </a:p>
+        </p:txBody>
+      </p:sp>
       <p:sp>
         <p:nvSpPr>
           <p:cNvPr id="4" name="Номер слайда 3">
@@ -8524,7 +9329,7 @@
           <a:p>
             <a:fld id="{6D22F896-40B5-4ADD-8801-0D06FADFA095}" type="slidenum">
               <a:rPr lang="en-US" smtClean="0"/>
-              <a:t>12</a:t>
+              <a:t>14</a:t>
             </a:fld>
             <a:endParaRPr lang="en-US" dirty="0"/>
           </a:p>
@@ -8544,8 +9349,8 @@
         </p:nvSpPr>
         <p:spPr>
           <a:xfrm>
-            <a:off x="1473797" y="1323191"/>
-            <a:ext cx="5021296" cy="2432635"/>
+            <a:off x="2045809" y="1468453"/>
+            <a:ext cx="3534033" cy="2382705"/>
           </a:xfrm>
           <a:prstGeom prst="rect">
             <a:avLst/>
@@ -8596,8 +9401,8 @@
         </p:nvSpPr>
         <p:spPr>
           <a:xfrm>
-            <a:off x="4001844" y="3755826"/>
-            <a:ext cx="3958815" cy="2937354"/>
+            <a:off x="4164226" y="4044718"/>
+            <a:ext cx="3534033" cy="2813282"/>
           </a:xfrm>
           <a:prstGeom prst="rect">
             <a:avLst/>
@@ -8648,8 +9453,8 @@
         </p:nvSpPr>
         <p:spPr>
           <a:xfrm>
-            <a:off x="6646325" y="1297456"/>
-            <a:ext cx="3958815" cy="2937354"/>
+            <a:off x="7071108" y="1468454"/>
+            <a:ext cx="3502274" cy="1960546"/>
           </a:xfrm>
           <a:prstGeom prst="rect">
             <a:avLst/>
@@ -8729,7 +9534,7 @@
                             </p:stCondLst>
                             <p:childTnLst>
                               <p:par>
-                                <p:cTn id="5" presetID="1" presetClass="entr" presetSubtype="0" fill="hold" grpId="0" nodeType="clickEffect">
+                                <p:cTn id="5" presetID="10" presetClass="entr" presetSubtype="0" fill="hold" grpId="0" nodeType="clickEffect">
                                   <p:stCondLst>
                                     <p:cond delay="0"/>
                                   </p:stCondLst>
@@ -8752,6 +9557,14 @@
                                         <p:strVal val="visible"/>
                                       </p:to>
                                     </p:set>
+                                    <p:animEffect transition="in" filter="fade">
+                                      <p:cBhvr>
+                                        <p:cTn id="7" dur="500"/>
+                                        <p:tgtEl>
+                                          <p:spTgt spid="5"/>
+                                        </p:tgtEl>
+                                      </p:cBhvr>
+                                    </p:animEffect>
                                   </p:childTnLst>
                                 </p:cTn>
                               </p:par>
@@ -8762,28 +9575,36 @@
                     </p:cTn>
                   </p:par>
                   <p:par>
-                    <p:cTn id="7" fill="hold">
+                    <p:cTn id="8" fill="hold">
                       <p:stCondLst>
                         <p:cond delay="indefinite"/>
                       </p:stCondLst>
                       <p:childTnLst>
                         <p:par>
-                          <p:cTn id="8" fill="hold">
+                          <p:cTn id="9" fill="hold">
                             <p:stCondLst>
                               <p:cond delay="0"/>
                             </p:stCondLst>
                             <p:childTnLst>
                               <p:par>
-                                <p:cTn id="9" presetID="1" presetClass="exit" presetSubtype="0" fill="hold" grpId="1" nodeType="clickEffect">
+                                <p:cTn id="10" presetID="10" presetClass="exit" presetSubtype="0" fill="hold" grpId="1" nodeType="clickEffect">
                                   <p:stCondLst>
                                     <p:cond delay="0"/>
                                   </p:stCondLst>
                                   <p:childTnLst>
+                                    <p:animEffect transition="out" filter="fade">
+                                      <p:cBhvr>
+                                        <p:cTn id="11" dur="500"/>
+                                        <p:tgtEl>
+                                          <p:spTgt spid="5"/>
+                                        </p:tgtEl>
+                                      </p:cBhvr>
+                                    </p:animEffect>
                                     <p:set>
                                       <p:cBhvr>
-                                        <p:cTn id="10" dur="1" fill="hold">
+                                        <p:cTn id="12" dur="1" fill="hold">
                                           <p:stCondLst>
-                                            <p:cond delay="0"/>
+                                            <p:cond delay="499"/>
                                           </p:stCondLst>
                                         </p:cTn>
                                         <p:tgtEl>
@@ -8801,14 +9622,14 @@
                                 </p:cTn>
                               </p:par>
                               <p:par>
-                                <p:cTn id="11" presetID="1" presetClass="entr" presetSubtype="0" fill="hold" grpId="0" nodeType="withEffect">
+                                <p:cTn id="13" presetID="10" presetClass="entr" presetSubtype="0" fill="hold" grpId="0" nodeType="withEffect">
                                   <p:stCondLst>
                                     <p:cond delay="0"/>
                                   </p:stCondLst>
                                   <p:childTnLst>
                                     <p:set>
                                       <p:cBhvr>
-                                        <p:cTn id="12" dur="1" fill="hold">
+                                        <p:cTn id="14" dur="1" fill="hold">
                                           <p:stCondLst>
                                             <p:cond delay="0"/>
                                           </p:stCondLst>
@@ -8824,6 +9645,14 @@
                                         <p:strVal val="visible"/>
                                       </p:to>
                                     </p:set>
+                                    <p:animEffect transition="in" filter="fade">
+                                      <p:cBhvr>
+                                        <p:cTn id="15" dur="500"/>
+                                        <p:tgtEl>
+                                          <p:spTgt spid="6"/>
+                                        </p:tgtEl>
+                                      </p:cBhvr>
+                                    </p:animEffect>
                                   </p:childTnLst>
                                 </p:cTn>
                               </p:par>
@@ -8834,28 +9663,36 @@
                     </p:cTn>
                   </p:par>
                   <p:par>
-                    <p:cTn id="13" fill="hold">
+                    <p:cTn id="16" fill="hold">
                       <p:stCondLst>
                         <p:cond delay="indefinite"/>
                       </p:stCondLst>
                       <p:childTnLst>
                         <p:par>
-                          <p:cTn id="14" fill="hold">
+                          <p:cTn id="17" fill="hold">
                             <p:stCondLst>
                               <p:cond delay="0"/>
                             </p:stCondLst>
                             <p:childTnLst>
                               <p:par>
-                                <p:cTn id="15" presetID="1" presetClass="exit" presetSubtype="0" fill="hold" grpId="1" nodeType="clickEffect">
+                                <p:cTn id="18" presetID="10" presetClass="exit" presetSubtype="0" fill="hold" grpId="1" nodeType="clickEffect">
                                   <p:stCondLst>
                                     <p:cond delay="0"/>
                                   </p:stCondLst>
                                   <p:childTnLst>
+                                    <p:animEffect transition="out" filter="fade">
+                                      <p:cBhvr>
+                                        <p:cTn id="19" dur="500"/>
+                                        <p:tgtEl>
+                                          <p:spTgt spid="6"/>
+                                        </p:tgtEl>
+                                      </p:cBhvr>
+                                    </p:animEffect>
                                     <p:set>
                                       <p:cBhvr>
-                                        <p:cTn id="16" dur="1" fill="hold">
+                                        <p:cTn id="20" dur="1" fill="hold">
                                           <p:stCondLst>
-                                            <p:cond delay="0"/>
+                                            <p:cond delay="499"/>
                                           </p:stCondLst>
                                         </p:cTn>
                                         <p:tgtEl>
@@ -8873,14 +9710,14 @@
                                 </p:cTn>
                               </p:par>
                               <p:par>
-                                <p:cTn id="17" presetID="1" presetClass="entr" presetSubtype="0" fill="hold" grpId="0" nodeType="withEffect">
+                                <p:cTn id="21" presetID="10" presetClass="entr" presetSubtype="0" fill="hold" grpId="0" nodeType="withEffect">
                                   <p:stCondLst>
                                     <p:cond delay="0"/>
                                   </p:stCondLst>
                                   <p:childTnLst>
                                     <p:set>
                                       <p:cBhvr>
-                                        <p:cTn id="18" dur="1" fill="hold">
+                                        <p:cTn id="22" dur="1" fill="hold">
                                           <p:stCondLst>
                                             <p:cond delay="0"/>
                                           </p:stCondLst>
@@ -8896,6 +9733,14 @@
                                         <p:strVal val="visible"/>
                                       </p:to>
                                     </p:set>
+                                    <p:animEffect transition="in" filter="fade">
+                                      <p:cBhvr>
+                                        <p:cTn id="23" dur="500"/>
+                                        <p:tgtEl>
+                                          <p:spTgt spid="7"/>
+                                        </p:tgtEl>
+                                      </p:cBhvr>
+                                    </p:animEffect>
                                   </p:childTnLst>
                                 </p:cTn>
                               </p:par>
@@ -8906,28 +9751,36 @@
                     </p:cTn>
                   </p:par>
                   <p:par>
-                    <p:cTn id="19" fill="hold">
+                    <p:cTn id="24" fill="hold">
                       <p:stCondLst>
                         <p:cond delay="indefinite"/>
                       </p:stCondLst>
                       <p:childTnLst>
                         <p:par>
-                          <p:cTn id="20" fill="hold">
+                          <p:cTn id="25" fill="hold">
                             <p:stCondLst>
                               <p:cond delay="0"/>
                             </p:stCondLst>
                             <p:childTnLst>
                               <p:par>
-                                <p:cTn id="21" presetID="1" presetClass="exit" presetSubtype="0" fill="hold" grpId="1" nodeType="clickEffect">
+                                <p:cTn id="26" presetID="10" presetClass="exit" presetSubtype="0" fill="hold" grpId="1" nodeType="clickEffect">
                                   <p:stCondLst>
                                     <p:cond delay="0"/>
                                   </p:stCondLst>
                                   <p:childTnLst>
+                                    <p:animEffect transition="out" filter="fade">
+                                      <p:cBhvr>
+                                        <p:cTn id="27" dur="500"/>
+                                        <p:tgtEl>
+                                          <p:spTgt spid="7"/>
+                                        </p:tgtEl>
+                                      </p:cBhvr>
+                                    </p:animEffect>
                                     <p:set>
                                       <p:cBhvr>
-                                        <p:cTn id="22" dur="1" fill="hold">
+                                        <p:cTn id="28" dur="1" fill="hold">
                                           <p:stCondLst>
-                                            <p:cond delay="0"/>
+                                            <p:cond delay="499"/>
                                           </p:stCondLst>
                                         </p:cTn>
                                         <p:tgtEl>
@@ -8983,250 +9836,6 @@
 </p:sld>
 </file>
 
-<file path=ppt/slides/slide13.xml><?xml version="1.0" encoding="utf-8"?>
-<p:sld xmlns:a="http://schemas.openxmlformats.org/drawingml/2006/main" xmlns:r="http://schemas.openxmlformats.org/officeDocument/2006/relationships" xmlns:p="http://schemas.openxmlformats.org/presentationml/2006/main">
-  <p:cSld>
-    <p:spTree>
-      <p:nvGrpSpPr>
-        <p:cNvPr id="1" name=""/>
-        <p:cNvGrpSpPr/>
-        <p:nvPr/>
-      </p:nvGrpSpPr>
-      <p:grpSpPr>
-        <a:xfrm>
-          <a:off x="0" y="0"/>
-          <a:ext cx="0" cy="0"/>
-          <a:chOff x="0" y="0"/>
-          <a:chExt cx="0" cy="0"/>
-        </a:xfrm>
-      </p:grpSpPr>
-      <p:sp>
-        <p:nvSpPr>
-          <p:cNvPr id="2" name="Заголовок 1">
-            <a:extLst>
-              <a:ext uri="{FF2B5EF4-FFF2-40B4-BE49-F238E27FC236}">
-                <a16:creationId xmlns:a16="http://schemas.microsoft.com/office/drawing/2014/main" id="{3E5F2A58-BB01-F345-BD1F-835A725FB54C}"/>
-              </a:ext>
-            </a:extLst>
-          </p:cNvPr>
-          <p:cNvSpPr>
-            <a:spLocks noGrp="1"/>
-          </p:cNvSpPr>
-          <p:nvPr>
-            <p:ph type="title"/>
-          </p:nvPr>
-        </p:nvSpPr>
-        <p:spPr>
-          <a:xfrm>
-            <a:off x="1401536" y="200092"/>
-            <a:ext cx="9601200" cy="1485900"/>
-          </a:xfrm>
-        </p:spPr>
-        <p:txBody>
-          <a:bodyPr/>
-          <a:lstStyle/>
-          <a:p>
-            <a:r>
-              <a:rPr lang="ru-RU" dirty="0"/>
-              <a:t>Методы представления ДРАКОН-схемы</a:t>
-            </a:r>
-          </a:p>
-        </p:txBody>
-      </p:sp>
-      <p:pic>
-        <p:nvPicPr>
-          <p:cNvPr id="6" name="Объект 5">
-            <a:extLst>
-              <a:ext uri="{FF2B5EF4-FFF2-40B4-BE49-F238E27FC236}">
-                <a16:creationId xmlns:a16="http://schemas.microsoft.com/office/drawing/2014/main" id="{CC6E2B87-50B8-8E4A-B1A0-0D74334B9E0E}"/>
-              </a:ext>
-            </a:extLst>
-          </p:cNvPr>
-          <p:cNvPicPr>
-            <a:picLocks noGrp="1" noChangeAspect="1"/>
-          </p:cNvPicPr>
-          <p:nvPr>
-            <p:ph idx="1"/>
-          </p:nvPr>
-        </p:nvPicPr>
-        <p:blipFill>
-          <a:blip r:embed="rId3"/>
-          <a:stretch>
-            <a:fillRect/>
-          </a:stretch>
-        </p:blipFill>
-        <p:spPr>
-          <a:xfrm>
-            <a:off x="1427983" y="772885"/>
-            <a:ext cx="9706499" cy="6085115"/>
-          </a:xfrm>
-        </p:spPr>
-      </p:pic>
-      <p:sp>
-        <p:nvSpPr>
-          <p:cNvPr id="4" name="Номер слайда 3">
-            <a:extLst>
-              <a:ext uri="{FF2B5EF4-FFF2-40B4-BE49-F238E27FC236}">
-                <a16:creationId xmlns:a16="http://schemas.microsoft.com/office/drawing/2014/main" id="{DEFE4362-AAC4-9543-860E-10987011B9E3}"/>
-              </a:ext>
-            </a:extLst>
-          </p:cNvPr>
-          <p:cNvSpPr>
-            <a:spLocks noGrp="1"/>
-          </p:cNvSpPr>
-          <p:nvPr>
-            <p:ph type="sldNum" sz="quarter" idx="12"/>
-          </p:nvPr>
-        </p:nvSpPr>
-        <p:spPr/>
-        <p:txBody>
-          <a:bodyPr/>
-          <a:lstStyle/>
-          <a:p>
-            <a:fld id="{6D22F896-40B5-4ADD-8801-0D06FADFA095}" type="slidenum">
-              <a:rPr lang="en-US" smtClean="0"/>
-              <a:pPr/>
-              <a:t>13</a:t>
-            </a:fld>
-            <a:endParaRPr lang="en-US" dirty="0"/>
-          </a:p>
-        </p:txBody>
-      </p:sp>
-    </p:spTree>
-    <p:extLst>
-      <p:ext uri="{BB962C8B-B14F-4D97-AF65-F5344CB8AC3E}">
-        <p14:creationId xmlns:p14="http://schemas.microsoft.com/office/powerpoint/2010/main" val="2657261145"/>
-      </p:ext>
-    </p:extLst>
-  </p:cSld>
-  <p:clrMapOvr>
-    <a:masterClrMapping/>
-  </p:clrMapOvr>
-</p:sld>
-</file>
-
-<file path=ppt/slides/slide14.xml><?xml version="1.0" encoding="utf-8"?>
-<p:sld xmlns:a="http://schemas.openxmlformats.org/drawingml/2006/main" xmlns:r="http://schemas.openxmlformats.org/officeDocument/2006/relationships" xmlns:p="http://schemas.openxmlformats.org/presentationml/2006/main">
-  <p:cSld>
-    <p:spTree>
-      <p:nvGrpSpPr>
-        <p:cNvPr id="1" name=""/>
-        <p:cNvGrpSpPr/>
-        <p:nvPr/>
-      </p:nvGrpSpPr>
-      <p:grpSpPr>
-        <a:xfrm>
-          <a:off x="0" y="0"/>
-          <a:ext cx="0" cy="0"/>
-          <a:chOff x="0" y="0"/>
-          <a:chExt cx="0" cy="0"/>
-        </a:xfrm>
-      </p:grpSpPr>
-      <p:sp>
-        <p:nvSpPr>
-          <p:cNvPr id="2" name="Заголовок 1">
-            <a:extLst>
-              <a:ext uri="{FF2B5EF4-FFF2-40B4-BE49-F238E27FC236}">
-                <a16:creationId xmlns:a16="http://schemas.microsoft.com/office/drawing/2014/main" id="{3E5F2A58-BB01-F345-BD1F-835A725FB54C}"/>
-              </a:ext>
-            </a:extLst>
-          </p:cNvPr>
-          <p:cNvSpPr>
-            <a:spLocks noGrp="1"/>
-          </p:cNvSpPr>
-          <p:nvPr>
-            <p:ph type="title"/>
-          </p:nvPr>
-        </p:nvSpPr>
-        <p:spPr>
-          <a:xfrm>
-            <a:off x="1095374" y="22925"/>
-            <a:ext cx="10197193" cy="1485900"/>
-          </a:xfrm>
-        </p:spPr>
-        <p:txBody>
-          <a:bodyPr/>
-          <a:lstStyle/>
-          <a:p>
-            <a:r>
-              <a:rPr lang="ru-RU" dirty="0"/>
-              <a:t>Отображение ДРАКОН-схем</a:t>
-            </a:r>
-          </a:p>
-        </p:txBody>
-      </p:sp>
-      <p:sp>
-        <p:nvSpPr>
-          <p:cNvPr id="4" name="Номер слайда 3">
-            <a:extLst>
-              <a:ext uri="{FF2B5EF4-FFF2-40B4-BE49-F238E27FC236}">
-                <a16:creationId xmlns:a16="http://schemas.microsoft.com/office/drawing/2014/main" id="{DEFE4362-AAC4-9543-860E-10987011B9E3}"/>
-              </a:ext>
-            </a:extLst>
-          </p:cNvPr>
-          <p:cNvSpPr>
-            <a:spLocks noGrp="1"/>
-          </p:cNvSpPr>
-          <p:nvPr>
-            <p:ph type="sldNum" sz="quarter" idx="12"/>
-          </p:nvPr>
-        </p:nvSpPr>
-        <p:spPr/>
-        <p:txBody>
-          <a:bodyPr/>
-          <a:lstStyle/>
-          <a:p>
-            <a:fld id="{6D22F896-40B5-4ADD-8801-0D06FADFA095}" type="slidenum">
-              <a:rPr lang="en-US" smtClean="0"/>
-              <a:pPr/>
-              <a:t>14</a:t>
-            </a:fld>
-            <a:endParaRPr lang="en-US" dirty="0"/>
-          </a:p>
-        </p:txBody>
-      </p:sp>
-      <p:pic>
-        <p:nvPicPr>
-          <p:cNvPr id="8" name="Объект 7">
-            <a:extLst>
-              <a:ext uri="{FF2B5EF4-FFF2-40B4-BE49-F238E27FC236}">
-                <a16:creationId xmlns:a16="http://schemas.microsoft.com/office/drawing/2014/main" id="{0FF40B6A-521B-F442-A338-1657D4979314}"/>
-              </a:ext>
-            </a:extLst>
-          </p:cNvPr>
-          <p:cNvPicPr>
-            <a:picLocks noGrp="1" noChangeAspect="1"/>
-          </p:cNvPicPr>
-          <p:nvPr>
-            <p:ph idx="1"/>
-          </p:nvPr>
-        </p:nvPicPr>
-        <p:blipFill>
-          <a:blip r:embed="rId3"/>
-          <a:stretch>
-            <a:fillRect/>
-          </a:stretch>
-        </p:blipFill>
-        <p:spPr>
-          <a:xfrm>
-            <a:off x="2537819" y="622618"/>
-            <a:ext cx="7116361" cy="6235382"/>
-          </a:xfrm>
-        </p:spPr>
-      </p:pic>
-    </p:spTree>
-    <p:extLst>
-      <p:ext uri="{BB962C8B-B14F-4D97-AF65-F5344CB8AC3E}">
-        <p14:creationId xmlns:p14="http://schemas.microsoft.com/office/powerpoint/2010/main" val="4047702128"/>
-      </p:ext>
-    </p:extLst>
-  </p:cSld>
-  <p:clrMapOvr>
-    <a:masterClrMapping/>
-  </p:clrMapOvr>
-</p:sld>
-</file>
-
 <file path=ppt/slides/slide15.xml><?xml version="1.0" encoding="utf-8"?>
 <p:sld xmlns:a="http://schemas.openxmlformats.org/drawingml/2006/main" xmlns:r="http://schemas.openxmlformats.org/officeDocument/2006/relationships" xmlns:p="http://schemas.openxmlformats.org/presentationml/2006/main">
   <p:cSld>
@@ -9262,13 +9871,13 @@
         </p:nvSpPr>
         <p:spPr>
           <a:xfrm>
-            <a:off x="-217716" y="61946"/>
-            <a:ext cx="12921343" cy="1485900"/>
+            <a:off x="1555419" y="61946"/>
+            <a:ext cx="9081161" cy="547798"/>
           </a:xfrm>
         </p:spPr>
         <p:txBody>
           <a:bodyPr>
-            <a:normAutofit/>
+            <a:normAutofit fontScale="90000"/>
           </a:bodyPr>
           <a:lstStyle/>
           <a:p>
@@ -9355,12 +9964,14 @@
           </a:bodyPr>
           <a:lstStyle/>
           <a:p>
+            <a:pPr lvl="1"/>
             <a:r>
               <a:rPr lang="en-US" dirty="0"/>
               <a:t>{</a:t>
             </a:r>
           </a:p>
           <a:p>
+            <a:pPr lvl="1"/>
             <a:r>
               <a:rPr lang="en-US" dirty="0"/>
               <a:t>"</a:t>
@@ -9391,6 +10002,11 @@
             </a:r>
           </a:p>
           <a:p>
+            <a:pPr lvl="1"/>
+            <a:endParaRPr lang="en-US" dirty="0"/>
+          </a:p>
+          <a:p>
+            <a:pPr lvl="1"/>
             <a:r>
               <a:rPr lang="en-US" dirty="0"/>
               <a:t>"</a:t>
@@ -9409,36 +10025,42 @@
             </a:r>
           </a:p>
           <a:p>
+            <a:pPr lvl="1"/>
             <a:r>
               <a:rPr lang="en-US" dirty="0"/>
               <a:t>"id": "32a3110f-f870-490b-b0ae-7eb834a66696",</a:t>
             </a:r>
           </a:p>
           <a:p>
+            <a:pPr lvl="1"/>
             <a:r>
               <a:rPr lang="en-US" dirty="0"/>
               <a:t>"text": "",</a:t>
             </a:r>
           </a:p>
           <a:p>
+            <a:pPr lvl="1"/>
             <a:r>
               <a:rPr lang="en-US" dirty="0"/>
               <a:t>"type": "schema",</a:t>
             </a:r>
           </a:p>
           <a:p>
+            <a:pPr lvl="1"/>
             <a:r>
               <a:rPr lang="en-US" dirty="0"/>
               <a:t>"parent": "",</a:t>
             </a:r>
           </a:p>
           <a:p>
+            <a:pPr lvl="1"/>
             <a:r>
               <a:rPr lang="en-US" dirty="0"/>
               <a:t>"children": [</a:t>
             </a:r>
           </a:p>
           <a:p>
+            <a:pPr lvl="1"/>
             <a:r>
               <a:rPr lang="en-US" dirty="0"/>
               <a:t>"</a:t>
@@ -9459,12 +10081,18 @@
             </a:r>
           </a:p>
           <a:p>
+            <a:pPr lvl="1"/>
             <a:r>
               <a:rPr lang="en-US" dirty="0"/>
-              <a:t>]</a:t>
-            </a:r>
-          </a:p>
-          <a:p>
+              <a:t>]},</a:t>
+            </a:r>
+          </a:p>
+          <a:p>
+            <a:pPr lvl="1"/>
+            <a:endParaRPr lang="en-US" dirty="0"/>
+          </a:p>
+          <a:p>
+            <a:pPr lvl="1"/>
             <a:r>
               <a:rPr lang="en-US" dirty="0"/>
               <a:t>"</a:t>
@@ -9485,70 +10113,201 @@
             </a:r>
           </a:p>
           <a:p>
+            <a:pPr lvl="1"/>
             <a:r>
               <a:rPr lang="en-US" dirty="0"/>
               <a:t>"id": "4d1f755c-817d-4360-84f0-ec06df917291",</a:t>
             </a:r>
           </a:p>
           <a:p>
+            <a:pPr lvl="1"/>
             <a:r>
               <a:rPr lang="en-US" dirty="0"/>
               <a:t>"text": "Start",</a:t>
             </a:r>
           </a:p>
           <a:p>
+            <a:pPr lvl="1"/>
             <a:r>
               <a:rPr lang="en-US" dirty="0"/>
               <a:t>"type": "primitive",</a:t>
             </a:r>
           </a:p>
           <a:p>
+            <a:pPr lvl="1"/>
             <a:r>
               <a:rPr lang="en-US" dirty="0"/>
-              <a:t>"parent": "32a3110f-f870-490b-b0ae-7eb834a66696",</a:t>
-            </a:r>
-          </a:p>
-          <a:p>
+              <a:t>"</a:t>
+            </a:r>
+            <a:r>
+              <a:rPr lang="en-US" dirty="0">
+                <a:solidFill>
+                  <a:srgbClr val="FF0000"/>
+                </a:solidFill>
+              </a:rPr>
+              <a:t>parent</a:t>
+            </a:r>
+            <a:r>
+              <a:rPr lang="en-US" dirty="0"/>
+              <a:t>": "</a:t>
+            </a:r>
+            <a:r>
+              <a:rPr lang="en-US" dirty="0">
+                <a:solidFill>
+                  <a:srgbClr val="FF0000"/>
+                </a:solidFill>
+              </a:rPr>
+              <a:t>32a3110f-f870-490b-b0ae-7eb834a66696</a:t>
+            </a:r>
+            <a:r>
+              <a:rPr lang="en-US" dirty="0"/>
+              <a:t>",</a:t>
+            </a:r>
+          </a:p>
+          <a:p>
+            <a:pPr lvl="1"/>
             <a:r>
               <a:rPr lang="en-US" dirty="0"/>
               <a:t>"children": [</a:t>
             </a:r>
           </a:p>
           <a:p>
+            <a:pPr lvl="1"/>
             <a:r>
               <a:rPr lang="en-US" dirty="0"/>
               <a:t>"365c5c1f-1c3a-4fa9-b7e2-d42b80098797",</a:t>
             </a:r>
           </a:p>
           <a:p>
+            <a:pPr lvl="1"/>
             <a:r>
               <a:rPr lang="en-US" dirty="0"/>
               <a:t>"60383c5b-3d50-4547-8398-93e70f60b650",</a:t>
             </a:r>
           </a:p>
           <a:p>
+            <a:pPr lvl="1"/>
             <a:r>
               <a:rPr lang="en-US" dirty="0"/>
               <a:t>"e263b674-633b-4fd1-821e-b1972f7511d8"</a:t>
             </a:r>
           </a:p>
           <a:p>
+            <a:pPr lvl="1"/>
             <a:r>
               <a:rPr lang="en-US" dirty="0"/>
-              <a:t>]</a:t>
-            </a:r>
-          </a:p>
-          <a:p>
-            <a:r>
-              <a:rPr lang="en-US" dirty="0"/>
-              <a:t>},</a:t>
-            </a:r>
-          </a:p>
-          <a:p>
-            <a:r>
-              <a:rPr lang="en-US" dirty="0"/>
-              <a:t>…</a:t>
-            </a:r>
+              <a:t>]},</a:t>
+            </a:r>
+          </a:p>
+        </p:txBody>
+      </p:sp>
+      <p:sp>
+        <p:nvSpPr>
+          <p:cNvPr id="3" name="Прямоугольник: скругленные углы 2">
+            <a:extLst>
+              <a:ext uri="{FF2B5EF4-FFF2-40B4-BE49-F238E27FC236}">
+                <a16:creationId xmlns:a16="http://schemas.microsoft.com/office/drawing/2014/main" id="{7BC2FABE-8389-48CA-B32E-687354D70859}"/>
+              </a:ext>
+            </a:extLst>
+          </p:cNvPr>
+          <p:cNvSpPr/>
+          <p:nvPr/>
+        </p:nvSpPr>
+        <p:spPr>
+          <a:xfrm>
+            <a:off x="3148445" y="1423555"/>
+            <a:ext cx="5299363" cy="2337954"/>
+          </a:xfrm>
+          <a:prstGeom prst="roundRect">
+            <a:avLst>
+              <a:gd name="adj" fmla="val 9061"/>
+            </a:avLst>
+          </a:prstGeom>
+          <a:noFill/>
+          <a:ln>
+            <a:solidFill>
+              <a:srgbClr val="FF0000"/>
+            </a:solidFill>
+          </a:ln>
+        </p:spPr>
+        <p:style>
+          <a:lnRef idx="2">
+            <a:schemeClr val="accent1">
+              <a:shade val="50000"/>
+            </a:schemeClr>
+          </a:lnRef>
+          <a:fillRef idx="1">
+            <a:schemeClr val="accent1"/>
+          </a:fillRef>
+          <a:effectRef idx="0">
+            <a:schemeClr val="accent1"/>
+          </a:effectRef>
+          <a:fontRef idx="minor">
+            <a:schemeClr val="lt1"/>
+          </a:fontRef>
+        </p:style>
+        <p:txBody>
+          <a:bodyPr rtlCol="0" anchor="ctr"/>
+          <a:lstStyle/>
+          <a:p>
+            <a:pPr algn="ctr"/>
+            <a:endParaRPr lang="ru-RU"/>
+          </a:p>
+        </p:txBody>
+      </p:sp>
+      <p:sp>
+        <p:nvSpPr>
+          <p:cNvPr id="7" name="Прямоугольник: скругленные углы 6">
+            <a:extLst>
+              <a:ext uri="{FF2B5EF4-FFF2-40B4-BE49-F238E27FC236}">
+                <a16:creationId xmlns:a16="http://schemas.microsoft.com/office/drawing/2014/main" id="{87286D10-7461-4B91-A990-BEDC14D7962C}"/>
+              </a:ext>
+            </a:extLst>
+          </p:cNvPr>
+          <p:cNvSpPr/>
+          <p:nvPr/>
+        </p:nvSpPr>
+        <p:spPr>
+          <a:xfrm>
+            <a:off x="3148445" y="3886200"/>
+            <a:ext cx="5299363" cy="2909853"/>
+          </a:xfrm>
+          <a:prstGeom prst="roundRect">
+            <a:avLst>
+              <a:gd name="adj" fmla="val 9061"/>
+            </a:avLst>
+          </a:prstGeom>
+          <a:noFill/>
+          <a:ln>
+            <a:solidFill>
+              <a:schemeClr val="accent5">
+                <a:lumMod val="75000"/>
+              </a:schemeClr>
+            </a:solidFill>
+          </a:ln>
+        </p:spPr>
+        <p:style>
+          <a:lnRef idx="2">
+            <a:schemeClr val="accent1">
+              <a:shade val="50000"/>
+            </a:schemeClr>
+          </a:lnRef>
+          <a:fillRef idx="1">
+            <a:schemeClr val="accent1"/>
+          </a:fillRef>
+          <a:effectRef idx="0">
+            <a:schemeClr val="accent1"/>
+          </a:effectRef>
+          <a:fontRef idx="minor">
+            <a:schemeClr val="lt1"/>
+          </a:fontRef>
+        </p:style>
+        <p:txBody>
+          <a:bodyPr rtlCol="0" anchor="ctr"/>
+          <a:lstStyle/>
+          <a:p>
+            <a:pPr algn="ctr"/>
+            <a:endParaRPr lang="ru-RU"/>
           </a:p>
         </p:txBody>
       </p:sp>
@@ -9610,9 +10369,16 @@
             <p:ph type="title"/>
           </p:nvPr>
         </p:nvSpPr>
-        <p:spPr/>
-        <p:txBody>
-          <a:bodyPr/>
+        <p:spPr>
+          <a:xfrm>
+            <a:off x="2161308" y="108278"/>
+            <a:ext cx="7869382" cy="669335"/>
+          </a:xfrm>
+        </p:spPr>
+        <p:txBody>
+          <a:bodyPr>
+            <a:normAutofit fontScale="90000"/>
+          </a:bodyPr>
           <a:lstStyle/>
           <a:p>
             <a:r>
@@ -9653,32 +10419,41 @@
       </p:sp>
       <p:pic>
         <p:nvPicPr>
-          <p:cNvPr id="6" name="Рисунок 5">
+          <p:cNvPr id="5" name="Рисунок 4">
             <a:extLst>
               <a:ext uri="{FF2B5EF4-FFF2-40B4-BE49-F238E27FC236}">
-                <a16:creationId xmlns:a16="http://schemas.microsoft.com/office/drawing/2014/main" id="{4BA1FFEA-8E00-AF49-9F35-4B1EBE34DCE0}"/>
+                <a16:creationId xmlns:a16="http://schemas.microsoft.com/office/drawing/2014/main" id="{BDA81F85-82E1-4E15-B48B-DBC626229090}"/>
               </a:ext>
             </a:extLst>
           </p:cNvPr>
-          <p:cNvPicPr>
-            <a:picLocks noChangeAspect="1"/>
-          </p:cNvPicPr>
+          <p:cNvPicPr/>
           <p:nvPr/>
         </p:nvPicPr>
         <p:blipFill>
-          <a:blip r:embed="rId3"/>
+          <a:blip r:embed="rId3">
+            <a:extLst>
+              <a:ext uri="{28A0092B-C50C-407E-A947-70E740481C1C}">
+                <a14:useLocalDpi xmlns:a14="http://schemas.microsoft.com/office/drawing/2010/main" val="0"/>
+              </a:ext>
+            </a:extLst>
+          </a:blip>
+          <a:srcRect/>
           <a:stretch>
             <a:fillRect/>
           </a:stretch>
         </p:blipFill>
-        <p:spPr>
+        <p:spPr bwMode="auto">
           <a:xfrm>
-            <a:off x="1692145" y="2369457"/>
-            <a:ext cx="8807709" cy="2921000"/>
+            <a:off x="2758786" y="804417"/>
+            <a:ext cx="6674427" cy="5737664"/>
           </a:xfrm>
           <a:prstGeom prst="rect">
             <a:avLst/>
           </a:prstGeom>
+          <a:noFill/>
+          <a:ln>
+            <a:noFill/>
+          </a:ln>
         </p:spPr>
       </p:pic>
     </p:spTree>
@@ -9728,137 +10503,6 @@
           <p:cNvPr id="2" name="Заголовок 1">
             <a:extLst>
               <a:ext uri="{FF2B5EF4-FFF2-40B4-BE49-F238E27FC236}">
-                <a16:creationId xmlns:a16="http://schemas.microsoft.com/office/drawing/2014/main" id="{9BFAA110-C35E-419E-94F5-DAEBD2170558}"/>
-              </a:ext>
-            </a:extLst>
-          </p:cNvPr>
-          <p:cNvSpPr>
-            <a:spLocks noGrp="1"/>
-          </p:cNvSpPr>
-          <p:nvPr>
-            <p:ph type="title"/>
-          </p:nvPr>
-        </p:nvSpPr>
-        <p:spPr/>
-        <p:txBody>
-          <a:bodyPr>
-            <a:normAutofit/>
-          </a:bodyPr>
-          <a:lstStyle/>
-          <a:p>
-            <a:r>
-              <a:rPr lang="ru-RU" dirty="0"/>
-              <a:t>Логическая архитектура проектируемой системы</a:t>
-            </a:r>
-          </a:p>
-        </p:txBody>
-      </p:sp>
-      <p:sp>
-        <p:nvSpPr>
-          <p:cNvPr id="3" name="Номер слайда 2">
-            <a:extLst>
-              <a:ext uri="{FF2B5EF4-FFF2-40B4-BE49-F238E27FC236}">
-                <a16:creationId xmlns:a16="http://schemas.microsoft.com/office/drawing/2014/main" id="{9FD8ABD6-5BDB-DC42-AD63-36F9E567F320}"/>
-              </a:ext>
-            </a:extLst>
-          </p:cNvPr>
-          <p:cNvSpPr>
-            <a:spLocks noGrp="1"/>
-          </p:cNvSpPr>
-          <p:nvPr>
-            <p:ph type="sldNum" sz="quarter" idx="12"/>
-          </p:nvPr>
-        </p:nvSpPr>
-        <p:spPr/>
-        <p:txBody>
-          <a:bodyPr/>
-          <a:lstStyle/>
-          <a:p>
-            <a:fld id="{6D22F896-40B5-4ADD-8801-0D06FADFA095}" type="slidenum">
-              <a:rPr lang="en-US" smtClean="0"/>
-              <a:t>17</a:t>
-            </a:fld>
-            <a:endParaRPr lang="en-US" dirty="0"/>
-          </a:p>
-        </p:txBody>
-      </p:sp>
-      <p:pic>
-        <p:nvPicPr>
-          <p:cNvPr id="6" name="Рисунок 5">
-            <a:extLst>
-              <a:ext uri="{FF2B5EF4-FFF2-40B4-BE49-F238E27FC236}">
-                <a16:creationId xmlns:a16="http://schemas.microsoft.com/office/drawing/2014/main" id="{0C33A918-F6B4-0449-A8BD-CD4654D4A5D5}"/>
-              </a:ext>
-            </a:extLst>
-          </p:cNvPr>
-          <p:cNvPicPr>
-            <a:picLocks noChangeAspect="1"/>
-          </p:cNvPicPr>
-          <p:nvPr/>
-        </p:nvPicPr>
-        <p:blipFill>
-          <a:blip r:embed="rId3"/>
-          <a:stretch>
-            <a:fillRect/>
-          </a:stretch>
-        </p:blipFill>
-        <p:spPr>
-          <a:xfrm>
-            <a:off x="2230663" y="3056164"/>
-            <a:ext cx="7522937" cy="1221158"/>
-          </a:xfrm>
-          <a:prstGeom prst="rect">
-            <a:avLst/>
-          </a:prstGeom>
-        </p:spPr>
-      </p:pic>
-    </p:spTree>
-    <p:extLst>
-      <p:ext uri="{BB962C8B-B14F-4D97-AF65-F5344CB8AC3E}">
-        <p14:creationId xmlns:p14="http://schemas.microsoft.com/office/powerpoint/2010/main" val="1558272484"/>
-      </p:ext>
-    </p:extLst>
-  </p:cSld>
-  <p:clrMapOvr>
-    <a:masterClrMapping/>
-  </p:clrMapOvr>
-  <mc:AlternateContent xmlns:mc="http://schemas.openxmlformats.org/markup-compatibility/2006" xmlns:p14="http://schemas.microsoft.com/office/powerpoint/2010/main">
-    <mc:Choice Requires="p14">
-      <p:transition spd="med" p14:dur="700">
-        <p:fade/>
-      </p:transition>
-    </mc:Choice>
-    <mc:Fallback xmlns="">
-      <p:transition spd="med">
-        <p:fade/>
-      </p:transition>
-    </mc:Fallback>
-  </mc:AlternateContent>
-</p:sld>
-</file>
-
-<file path=ppt/slides/slide18.xml><?xml version="1.0" encoding="utf-8"?>
-<p:sld xmlns:a="http://schemas.openxmlformats.org/drawingml/2006/main" xmlns:r="http://schemas.openxmlformats.org/officeDocument/2006/relationships" xmlns:p="http://schemas.openxmlformats.org/presentationml/2006/main">
-  <p:cSld>
-    <p:spTree>
-      <p:nvGrpSpPr>
-        <p:cNvPr id="1" name=""/>
-        <p:cNvGrpSpPr/>
-        <p:nvPr/>
-      </p:nvGrpSpPr>
-      <p:grpSpPr>
-        <a:xfrm>
-          <a:off x="0" y="0"/>
-          <a:ext cx="0" cy="0"/>
-          <a:chOff x="0" y="0"/>
-          <a:chExt cx="0" cy="0"/>
-        </a:xfrm>
-      </p:grpSpPr>
-      <p:sp>
-        <p:nvSpPr>
-          <p:cNvPr id="2" name="Заголовок 1">
-            <a:extLst>
-              <a:ext uri="{FF2B5EF4-FFF2-40B4-BE49-F238E27FC236}">
                 <a16:creationId xmlns:a16="http://schemas.microsoft.com/office/drawing/2014/main" id="{D73D0E8C-370A-488E-BD2C-7091B8409108}"/>
               </a:ext>
             </a:extLst>
@@ -9870,9 +10514,16 @@
             <p:ph type="title"/>
           </p:nvPr>
         </p:nvSpPr>
-        <p:spPr/>
-        <p:txBody>
-          <a:bodyPr/>
+        <p:spPr>
+          <a:xfrm>
+            <a:off x="2781779" y="245826"/>
+            <a:ext cx="7581913" cy="745067"/>
+          </a:xfrm>
+        </p:spPr>
+        <p:txBody>
+          <a:bodyPr>
+            <a:normAutofit fontScale="90000"/>
+          </a:bodyPr>
           <a:lstStyle/>
           <a:p>
             <a:r>
@@ -9940,7 +10591,7 @@
             <a:fld id="{6D22F896-40B5-4ADD-8801-0D06FADFA095}" type="slidenum">
               <a:rPr lang="en-US" smtClean="0"/>
               <a:pPr/>
-              <a:t>18</a:t>
+              <a:t>17</a:t>
             </a:fld>
             <a:endParaRPr lang="en-US" dirty="0"/>
           </a:p>
@@ -10197,7 +10848,7 @@
                             </p:stCondLst>
                             <p:childTnLst>
                               <p:par>
-                                <p:cTn id="5" presetID="1" presetClass="entr" presetSubtype="0" fill="hold" grpId="0" nodeType="clickEffect">
+                                <p:cTn id="5" presetID="10" presetClass="entr" presetSubtype="0" fill="hold" grpId="0" nodeType="clickEffect">
                                   <p:stCondLst>
                                     <p:cond delay="0"/>
                                   </p:stCondLst>
@@ -10220,6 +10871,14 @@
                                         <p:strVal val="visible"/>
                                       </p:to>
                                     </p:set>
+                                    <p:animEffect transition="in" filter="fade">
+                                      <p:cBhvr>
+                                        <p:cTn id="7" dur="500"/>
+                                        <p:tgtEl>
+                                          <p:spTgt spid="3"/>
+                                        </p:tgtEl>
+                                      </p:cBhvr>
+                                    </p:animEffect>
                                   </p:childTnLst>
                                 </p:cTn>
                               </p:par>
@@ -10230,28 +10889,36 @@
                     </p:cTn>
                   </p:par>
                   <p:par>
-                    <p:cTn id="7" fill="hold">
+                    <p:cTn id="8" fill="hold">
                       <p:stCondLst>
                         <p:cond delay="indefinite"/>
                       </p:stCondLst>
                       <p:childTnLst>
                         <p:par>
-                          <p:cTn id="8" fill="hold">
+                          <p:cTn id="9" fill="hold">
                             <p:stCondLst>
                               <p:cond delay="0"/>
                             </p:stCondLst>
                             <p:childTnLst>
                               <p:par>
-                                <p:cTn id="9" presetID="1" presetClass="exit" presetSubtype="0" fill="hold" grpId="1" nodeType="clickEffect">
+                                <p:cTn id="10" presetID="10" presetClass="exit" presetSubtype="0" fill="hold" grpId="1" nodeType="clickEffect">
                                   <p:stCondLst>
                                     <p:cond delay="0"/>
                                   </p:stCondLst>
                                   <p:childTnLst>
+                                    <p:animEffect transition="out" filter="fade">
+                                      <p:cBhvr>
+                                        <p:cTn id="11" dur="500"/>
+                                        <p:tgtEl>
+                                          <p:spTgt spid="3"/>
+                                        </p:tgtEl>
+                                      </p:cBhvr>
+                                    </p:animEffect>
                                     <p:set>
                                       <p:cBhvr>
-                                        <p:cTn id="10" dur="1" fill="hold">
+                                        <p:cTn id="12" dur="1" fill="hold">
                                           <p:stCondLst>
-                                            <p:cond delay="0"/>
+                                            <p:cond delay="499"/>
                                           </p:stCondLst>
                                         </p:cTn>
                                         <p:tgtEl>
@@ -10269,14 +10936,14 @@
                                 </p:cTn>
                               </p:par>
                               <p:par>
-                                <p:cTn id="11" presetID="1" presetClass="entr" presetSubtype="0" fill="hold" grpId="0" nodeType="withEffect">
+                                <p:cTn id="13" presetID="10" presetClass="entr" presetSubtype="0" fill="hold" grpId="0" nodeType="withEffect">
                                   <p:stCondLst>
                                     <p:cond delay="0"/>
                                   </p:stCondLst>
                                   <p:childTnLst>
                                     <p:set>
                                       <p:cBhvr>
-                                        <p:cTn id="12" dur="1" fill="hold">
+                                        <p:cTn id="14" dur="1" fill="hold">
                                           <p:stCondLst>
                                             <p:cond delay="0"/>
                                           </p:stCondLst>
@@ -10292,18 +10959,26 @@
                                         <p:strVal val="visible"/>
                                       </p:to>
                                     </p:set>
+                                    <p:animEffect transition="in" filter="fade">
+                                      <p:cBhvr>
+                                        <p:cTn id="15" dur="500"/>
+                                        <p:tgtEl>
+                                          <p:spTgt spid="9"/>
+                                        </p:tgtEl>
+                                      </p:cBhvr>
+                                    </p:animEffect>
                                   </p:childTnLst>
                                 </p:cTn>
                               </p:par>
                               <p:par>
-                                <p:cTn id="13" presetID="1" presetClass="entr" presetSubtype="0" fill="hold" grpId="0" nodeType="withEffect">
+                                <p:cTn id="16" presetID="10" presetClass="entr" presetSubtype="0" fill="hold" grpId="0" nodeType="withEffect">
                                   <p:stCondLst>
                                     <p:cond delay="0"/>
                                   </p:stCondLst>
                                   <p:childTnLst>
                                     <p:set>
                                       <p:cBhvr>
-                                        <p:cTn id="14" dur="1" fill="hold">
+                                        <p:cTn id="17" dur="1" fill="hold">
                                           <p:stCondLst>
                                             <p:cond delay="0"/>
                                           </p:stCondLst>
@@ -10319,6 +10994,14 @@
                                         <p:strVal val="visible"/>
                                       </p:to>
                                     </p:set>
+                                    <p:animEffect transition="in" filter="fade">
+                                      <p:cBhvr>
+                                        <p:cTn id="18" dur="500"/>
+                                        <p:tgtEl>
+                                          <p:spTgt spid="10"/>
+                                        </p:tgtEl>
+                                      </p:cBhvr>
+                                    </p:animEffect>
                                   </p:childTnLst>
                                 </p:cTn>
                               </p:par>
@@ -10329,28 +11012,36 @@
                     </p:cTn>
                   </p:par>
                   <p:par>
-                    <p:cTn id="15" fill="hold">
+                    <p:cTn id="19" fill="hold">
                       <p:stCondLst>
                         <p:cond delay="indefinite"/>
                       </p:stCondLst>
                       <p:childTnLst>
                         <p:par>
-                          <p:cTn id="16" fill="hold">
+                          <p:cTn id="20" fill="hold">
                             <p:stCondLst>
                               <p:cond delay="0"/>
                             </p:stCondLst>
                             <p:childTnLst>
                               <p:par>
-                                <p:cTn id="17" presetID="1" presetClass="exit" presetSubtype="0" fill="hold" grpId="1" nodeType="clickEffect">
+                                <p:cTn id="21" presetID="10" presetClass="exit" presetSubtype="0" fill="hold" grpId="1" nodeType="clickEffect">
                                   <p:stCondLst>
                                     <p:cond delay="0"/>
                                   </p:stCondLst>
                                   <p:childTnLst>
+                                    <p:animEffect transition="out" filter="fade">
+                                      <p:cBhvr>
+                                        <p:cTn id="22" dur="500"/>
+                                        <p:tgtEl>
+                                          <p:spTgt spid="9"/>
+                                        </p:tgtEl>
+                                      </p:cBhvr>
+                                    </p:animEffect>
                                     <p:set>
                                       <p:cBhvr>
-                                        <p:cTn id="18" dur="1" fill="hold">
+                                        <p:cTn id="23" dur="1" fill="hold">
                                           <p:stCondLst>
-                                            <p:cond delay="0"/>
+                                            <p:cond delay="499"/>
                                           </p:stCondLst>
                                         </p:cTn>
                                         <p:tgtEl>
@@ -10368,16 +11059,24 @@
                                 </p:cTn>
                               </p:par>
                               <p:par>
-                                <p:cTn id="19" presetID="1" presetClass="exit" presetSubtype="0" fill="hold" grpId="1" nodeType="withEffect">
+                                <p:cTn id="24" presetID="10" presetClass="exit" presetSubtype="0" fill="hold" grpId="1" nodeType="withEffect">
                                   <p:stCondLst>
                                     <p:cond delay="0"/>
                                   </p:stCondLst>
                                   <p:childTnLst>
+                                    <p:animEffect transition="out" filter="fade">
+                                      <p:cBhvr>
+                                        <p:cTn id="25" dur="500"/>
+                                        <p:tgtEl>
+                                          <p:spTgt spid="10"/>
+                                        </p:tgtEl>
+                                      </p:cBhvr>
+                                    </p:animEffect>
                                     <p:set>
                                       <p:cBhvr>
-                                        <p:cTn id="20" dur="1" fill="hold">
+                                        <p:cTn id="26" dur="1" fill="hold">
                                           <p:stCondLst>
-                                            <p:cond delay="0"/>
+                                            <p:cond delay="499"/>
                                           </p:stCondLst>
                                         </p:cTn>
                                         <p:tgtEl>
@@ -10395,14 +11094,14 @@
                                 </p:cTn>
                               </p:par>
                               <p:par>
-                                <p:cTn id="21" presetID="1" presetClass="entr" presetSubtype="0" fill="hold" grpId="0" nodeType="withEffect">
+                                <p:cTn id="27" presetID="10" presetClass="entr" presetSubtype="0" fill="hold" grpId="0" nodeType="withEffect">
                                   <p:stCondLst>
                                     <p:cond delay="0"/>
                                   </p:stCondLst>
                                   <p:childTnLst>
                                     <p:set>
                                       <p:cBhvr>
-                                        <p:cTn id="22" dur="1" fill="hold">
+                                        <p:cTn id="28" dur="1" fill="hold">
                                           <p:stCondLst>
                                             <p:cond delay="0"/>
                                           </p:stCondLst>
@@ -10418,6 +11117,14 @@
                                         <p:strVal val="visible"/>
                                       </p:to>
                                     </p:set>
+                                    <p:animEffect transition="in" filter="fade">
+                                      <p:cBhvr>
+                                        <p:cTn id="29" dur="500"/>
+                                        <p:tgtEl>
+                                          <p:spTgt spid="11"/>
+                                        </p:tgtEl>
+                                      </p:cBhvr>
+                                    </p:animEffect>
                                   </p:childTnLst>
                                 </p:cTn>
                               </p:par>
@@ -10428,28 +11135,36 @@
                     </p:cTn>
                   </p:par>
                   <p:par>
-                    <p:cTn id="23" fill="hold">
+                    <p:cTn id="30" fill="hold">
                       <p:stCondLst>
                         <p:cond delay="indefinite"/>
                       </p:stCondLst>
                       <p:childTnLst>
                         <p:par>
-                          <p:cTn id="24" fill="hold">
+                          <p:cTn id="31" fill="hold">
                             <p:stCondLst>
                               <p:cond delay="0"/>
                             </p:stCondLst>
                             <p:childTnLst>
                               <p:par>
-                                <p:cTn id="25" presetID="1" presetClass="exit" presetSubtype="0" fill="hold" grpId="1" nodeType="clickEffect">
+                                <p:cTn id="32" presetID="10" presetClass="exit" presetSubtype="0" fill="hold" grpId="1" nodeType="clickEffect">
                                   <p:stCondLst>
                                     <p:cond delay="0"/>
                                   </p:stCondLst>
                                   <p:childTnLst>
+                                    <p:animEffect transition="out" filter="fade">
+                                      <p:cBhvr>
+                                        <p:cTn id="33" dur="500"/>
+                                        <p:tgtEl>
+                                          <p:spTgt spid="11"/>
+                                        </p:tgtEl>
+                                      </p:cBhvr>
+                                    </p:animEffect>
                                     <p:set>
                                       <p:cBhvr>
-                                        <p:cTn id="26" dur="1" fill="hold">
+                                        <p:cTn id="34" dur="1" fill="hold">
                                           <p:stCondLst>
-                                            <p:cond delay="0"/>
+                                            <p:cond delay="499"/>
                                           </p:stCondLst>
                                         </p:cTn>
                                         <p:tgtEl>
@@ -10507,7 +11222,7 @@
 </p:sld>
 </file>
 
-<file path=ppt/slides/slide19.xml><?xml version="1.0" encoding="utf-8"?>
+<file path=ppt/slides/slide18.xml><?xml version="1.0" encoding="utf-8"?>
 <p:sld xmlns:a="http://schemas.openxmlformats.org/drawingml/2006/main" xmlns:r="http://schemas.openxmlformats.org/officeDocument/2006/relationships" xmlns:p="http://schemas.openxmlformats.org/presentationml/2006/main">
   <p:cSld>
     <p:spTree>
@@ -10542,7 +11257,9 @@
         </p:nvSpPr>
         <p:spPr/>
         <p:txBody>
-          <a:bodyPr/>
+          <a:bodyPr>
+            <a:normAutofit fontScale="90000"/>
+          </a:bodyPr>
           <a:lstStyle/>
           <a:p>
             <a:r>
@@ -10619,7 +11336,7 @@
           <a:p>
             <a:fld id="{6D22F896-40B5-4ADD-8801-0D06FADFA095}" type="slidenum">
               <a:rPr lang="en-US" smtClean="0"/>
-              <a:t>19</a:t>
+              <a:t>18</a:t>
             </a:fld>
             <a:endParaRPr lang="en-US" dirty="0"/>
           </a:p>
@@ -10935,112 +11652,465 @@
           </a:graphicData>
         </a:graphic>
       </p:graphicFrame>
-      <p:graphicFrame>
-        <p:nvGraphicFramePr>
-          <p:cNvPr id="8" name="Таблица 7">
-            <a:extLst>
-              <a:ext uri="{FF2B5EF4-FFF2-40B4-BE49-F238E27FC236}">
-                <a16:creationId xmlns:a16="http://schemas.microsoft.com/office/drawing/2014/main" id="{FE812B7A-AA99-4156-B8F7-B1E5DA156AD2}"/>
-              </a:ext>
-            </a:extLst>
-          </p:cNvPr>
-          <p:cNvGraphicFramePr>
-            <a:graphicFrameLocks noGrp="1"/>
-          </p:cNvGraphicFramePr>
-          <p:nvPr>
-            <p:extLst>
-              <p:ext uri="{D42A27DB-BD31-4B8C-83A1-F6EECF244321}">
-                <p14:modId xmlns:p14="http://schemas.microsoft.com/office/powerpoint/2010/main" val="4267173884"/>
-              </p:ext>
-            </p:extLst>
-          </p:nvPr>
-        </p:nvGraphicFramePr>
-        <p:xfrm>
-          <a:off x="6599362" y="3602087"/>
-          <a:ext cx="3471702" cy="1109981"/>
-        </p:xfrm>
-        <a:graphic>
-          <a:graphicData uri="http://schemas.openxmlformats.org/drawingml/2006/table">
-            <a:tbl>
-              <a:tblPr firstRow="1" bandRow="1">
-                <a:tableStyleId>{5C22544A-7EE6-4342-B048-85BDC9FD1C3A}</a:tableStyleId>
-              </a:tblPr>
-              <a:tblGrid>
-                <a:gridCol w="3471702">
-                  <a:extLst>
-                    <a:ext uri="{9D8B030D-6E8A-4147-A177-3AD203B41FA5}">
-                      <a16:colId xmlns:a16="http://schemas.microsoft.com/office/drawing/2014/main" val="3312127302"/>
-                    </a:ext>
-                  </a:extLst>
-                </a:gridCol>
-              </a:tblGrid>
-              <a:tr h="400826">
-                <a:tc>
-                  <a:txBody>
-                    <a:bodyPr/>
-                    <a:lstStyle/>
-                    <a:p>
-                      <a:pPr marL="0" indent="0">
-                        <a:buNone/>
-                      </a:pPr>
-                      <a:r>
-                        <a:rPr lang="ru-RU" sz="2000" dirty="0"/>
-                        <a:t>Защита паролей</a:t>
-                      </a:r>
-                      <a:r>
-                        <a:rPr lang="en-US" sz="2000" dirty="0"/>
-                        <a:t>:</a:t>
-                      </a:r>
-                    </a:p>
-                  </a:txBody>
-                  <a:tcPr/>
-                </a:tc>
+      <mc:AlternateContent xmlns:mc="http://schemas.openxmlformats.org/markup-compatibility/2006" xmlns:a14="http://schemas.microsoft.com/office/drawing/2010/main">
+        <mc:Choice Requires="a14">
+          <p:graphicFrame>
+            <p:nvGraphicFramePr>
+              <p:cNvPr id="8" name="Таблица 7">
                 <a:extLst>
-                  <a:ext uri="{0D108BD9-81ED-4DB2-BD59-A6C34878D82A}">
-                    <a16:rowId xmlns:a16="http://schemas.microsoft.com/office/drawing/2014/main" val="493886329"/>
+                  <a:ext uri="{FF2B5EF4-FFF2-40B4-BE49-F238E27FC236}">
+                    <a16:creationId xmlns:a16="http://schemas.microsoft.com/office/drawing/2014/main" id="{FE812B7A-AA99-4156-B8F7-B1E5DA156AD2}"/>
                   </a:ext>
                 </a:extLst>
-              </a:tr>
-              <a:tr h="709155">
-                <a:tc>
-                  <a:txBody>
-                    <a:bodyPr/>
-                    <a:lstStyle/>
-                    <a:p>
-                      <a:r>
-                        <a:rPr lang="en-US" sz="2000" b="1" dirty="0" err="1"/>
-                        <a:t>bcrypt</a:t>
-                      </a:r>
-                      <a:endParaRPr lang="en-US" sz="2000" b="1" dirty="0"/>
-                    </a:p>
-                    <a:p>
-                      <a:r>
-                        <a:rPr lang="ru-RU" sz="2000" b="1" dirty="0"/>
-                        <a:t>Число раундов соли: 2</a:t>
-                      </a:r>
-                      <a:r>
-                        <a:rPr lang="en-US" sz="2000" b="1" dirty="0"/>
-                        <a:t>^10</a:t>
-                      </a:r>
-                      <a:endParaRPr lang="ru-RU" sz="2000" b="1" dirty="0"/>
-                    </a:p>
-                  </a:txBody>
-                  <a:tcPr/>
-                </a:tc>
+              </p:cNvPr>
+              <p:cNvGraphicFramePr>
+                <a:graphicFrameLocks noGrp="1"/>
+              </p:cNvGraphicFramePr>
+              <p:nvPr>
+                <p:extLst>
+                  <p:ext uri="{D42A27DB-BD31-4B8C-83A1-F6EECF244321}">
+                    <p14:modId xmlns:p14="http://schemas.microsoft.com/office/powerpoint/2010/main" val="427609890"/>
+                  </p:ext>
+                </p:extLst>
+              </p:nvPr>
+            </p:nvGraphicFramePr>
+            <p:xfrm>
+              <a:off x="6599362" y="3602087"/>
+              <a:ext cx="3471702" cy="1109981"/>
+            </p:xfrm>
+            <a:graphic>
+              <a:graphicData uri="http://schemas.openxmlformats.org/drawingml/2006/table">
+                <a:tbl>
+                  <a:tblPr firstRow="1" bandRow="1">
+                    <a:tableStyleId>{5C22544A-7EE6-4342-B048-85BDC9FD1C3A}</a:tableStyleId>
+                  </a:tblPr>
+                  <a:tblGrid>
+                    <a:gridCol w="3471702">
+                      <a:extLst>
+                        <a:ext uri="{9D8B030D-6E8A-4147-A177-3AD203B41FA5}">
+                          <a16:colId xmlns:a16="http://schemas.microsoft.com/office/drawing/2014/main" val="3312127302"/>
+                        </a:ext>
+                      </a:extLst>
+                    </a:gridCol>
+                  </a:tblGrid>
+                  <a:tr h="400826">
+                    <a:tc>
+                      <a:txBody>
+                        <a:bodyPr/>
+                        <a:lstStyle/>
+                        <a:p>
+                          <a:pPr marL="0" indent="0">
+                            <a:buNone/>
+                          </a:pPr>
+                          <a:r>
+                            <a:rPr lang="ru-RU" sz="2000" dirty="0"/>
+                            <a:t>Защита паролей</a:t>
+                          </a:r>
+                          <a:r>
+                            <a:rPr lang="en-US" sz="2000" dirty="0"/>
+                            <a:t>:</a:t>
+                          </a:r>
+                        </a:p>
+                      </a:txBody>
+                      <a:tcPr/>
+                    </a:tc>
+                    <a:extLst>
+                      <a:ext uri="{0D108BD9-81ED-4DB2-BD59-A6C34878D82A}">
+                        <a16:rowId xmlns:a16="http://schemas.microsoft.com/office/drawing/2014/main" val="493886329"/>
+                      </a:ext>
+                    </a:extLst>
+                  </a:tr>
+                  <a:tr h="709155">
+                    <a:tc>
+                      <a:txBody>
+                        <a:bodyPr/>
+                        <a:lstStyle/>
+                        <a:p>
+                          <a:r>
+                            <a:rPr lang="en-US" sz="2000" b="1" dirty="0"/>
+                            <a:t>bcrypt</a:t>
+                          </a:r>
+                        </a:p>
+                        <a:p>
+                          <a:r>
+                            <a:rPr lang="ru-RU" sz="2000" b="1" dirty="0"/>
+                            <a:t>Число раундов соли: </a:t>
+                          </a:r>
+                          <a14:m>
+                            <m:oMath xmlns:m="http://schemas.openxmlformats.org/officeDocument/2006/math">
+                              <m:sSup>
+                                <m:sSupPr>
+                                  <m:ctrlPr>
+                                    <a:rPr lang="pt-BR" sz="2000" b="1" i="1" smtClean="0">
+                                      <a:latin typeface="Cambria Math" panose="02040503050406030204" pitchFamily="18" charset="0"/>
+                                    </a:rPr>
+                                  </m:ctrlPr>
+                                </m:sSupPr>
+                                <m:e>
+                                  <m:r>
+                                    <a:rPr lang="ru-RU" sz="2000" b="1" i="1" smtClean="0">
+                                      <a:latin typeface="Cambria Math" panose="02040503050406030204" pitchFamily="18" charset="0"/>
+                                    </a:rPr>
+                                    <m:t>𝟐</m:t>
+                                  </m:r>
+                                </m:e>
+                                <m:sup>
+                                  <m:r>
+                                    <a:rPr lang="ru-RU" sz="2000" b="1" i="1" smtClean="0">
+                                      <a:latin typeface="Cambria Math" panose="02040503050406030204" pitchFamily="18" charset="0"/>
+                                    </a:rPr>
+                                    <m:t>𝟏𝟎</m:t>
+                                  </m:r>
+                                </m:sup>
+                              </m:sSup>
+                            </m:oMath>
+                          </a14:m>
+                          <a:endParaRPr lang="ru-RU" sz="2000" b="1" dirty="0"/>
+                        </a:p>
+                      </a:txBody>
+                      <a:tcPr/>
+                    </a:tc>
+                    <a:extLst>
+                      <a:ext uri="{0D108BD9-81ED-4DB2-BD59-A6C34878D82A}">
+                        <a16:rowId xmlns:a16="http://schemas.microsoft.com/office/drawing/2014/main" val="1860568474"/>
+                      </a:ext>
+                    </a:extLst>
+                  </a:tr>
+                </a:tbl>
+              </a:graphicData>
+            </a:graphic>
+          </p:graphicFrame>
+        </mc:Choice>
+        <mc:Fallback xmlns="">
+          <p:graphicFrame>
+            <p:nvGraphicFramePr>
+              <p:cNvPr id="8" name="Таблица 7">
                 <a:extLst>
-                  <a:ext uri="{0D108BD9-81ED-4DB2-BD59-A6C34878D82A}">
-                    <a16:rowId xmlns:a16="http://schemas.microsoft.com/office/drawing/2014/main" val="1860568474"/>
+                  <a:ext uri="{FF2B5EF4-FFF2-40B4-BE49-F238E27FC236}">
+                    <a16:creationId xmlns:a16="http://schemas.microsoft.com/office/drawing/2014/main" id="{FE812B7A-AA99-4156-B8F7-B1E5DA156AD2}"/>
                   </a:ext>
                 </a:extLst>
-              </a:tr>
-            </a:tbl>
-          </a:graphicData>
-        </a:graphic>
-      </p:graphicFrame>
+              </p:cNvPr>
+              <p:cNvGraphicFramePr>
+                <a:graphicFrameLocks noGrp="1"/>
+              </p:cNvGraphicFramePr>
+              <p:nvPr>
+                <p:extLst>
+                  <p:ext uri="{D42A27DB-BD31-4B8C-83A1-F6EECF244321}">
+                    <p14:modId xmlns:p14="http://schemas.microsoft.com/office/powerpoint/2010/main" val="427609890"/>
+                  </p:ext>
+                </p:extLst>
+              </p:nvPr>
+            </p:nvGraphicFramePr>
+            <p:xfrm>
+              <a:off x="6599362" y="3602087"/>
+              <a:ext cx="3471702" cy="1109981"/>
+            </p:xfrm>
+            <a:graphic>
+              <a:graphicData uri="http://schemas.openxmlformats.org/drawingml/2006/table">
+                <a:tbl>
+                  <a:tblPr firstRow="1" bandRow="1">
+                    <a:tableStyleId>{5C22544A-7EE6-4342-B048-85BDC9FD1C3A}</a:tableStyleId>
+                  </a:tblPr>
+                  <a:tblGrid>
+                    <a:gridCol w="3471702">
+                      <a:extLst>
+                        <a:ext uri="{9D8B030D-6E8A-4147-A177-3AD203B41FA5}">
+                          <a16:colId xmlns:a16="http://schemas.microsoft.com/office/drawing/2014/main" val="3312127302"/>
+                        </a:ext>
+                      </a:extLst>
+                    </a:gridCol>
+                  </a:tblGrid>
+                  <a:tr h="400826">
+                    <a:tc>
+                      <a:txBody>
+                        <a:bodyPr/>
+                        <a:lstStyle/>
+                        <a:p>
+                          <a:pPr marL="0" indent="0">
+                            <a:buNone/>
+                          </a:pPr>
+                          <a:r>
+                            <a:rPr lang="ru-RU" sz="2000" dirty="0"/>
+                            <a:t>Защита паролей</a:t>
+                          </a:r>
+                          <a:r>
+                            <a:rPr lang="en-US" sz="2000" dirty="0"/>
+                            <a:t>:</a:t>
+                          </a:r>
+                        </a:p>
+                      </a:txBody>
+                      <a:tcPr/>
+                    </a:tc>
+                    <a:extLst>
+                      <a:ext uri="{0D108BD9-81ED-4DB2-BD59-A6C34878D82A}">
+                        <a16:rowId xmlns:a16="http://schemas.microsoft.com/office/drawing/2014/main" val="493886329"/>
+                      </a:ext>
+                    </a:extLst>
+                  </a:tr>
+                  <a:tr h="709155">
+                    <a:tc>
+                      <a:txBody>
+                        <a:bodyPr/>
+                        <a:lstStyle/>
+                        <a:p>
+                          <a:endParaRPr lang="ru-RU"/>
+                        </a:p>
+                      </a:txBody>
+                      <a:tcPr>
+                        <a:blipFill>
+                          <a:blip r:embed="rId3"/>
+                          <a:stretch>
+                            <a:fillRect l="-175" t="-60684" r="-701" b="-16239"/>
+                          </a:stretch>
+                        </a:blipFill>
+                      </a:tcPr>
+                    </a:tc>
+                    <a:extLst>
+                      <a:ext uri="{0D108BD9-81ED-4DB2-BD59-A6C34878D82A}">
+                        <a16:rowId xmlns:a16="http://schemas.microsoft.com/office/drawing/2014/main" val="1860568474"/>
+                      </a:ext>
+                    </a:extLst>
+                  </a:tr>
+                </a:tbl>
+              </a:graphicData>
+            </a:graphic>
+          </p:graphicFrame>
+        </mc:Fallback>
+      </mc:AlternateContent>
     </p:spTree>
     <p:extLst>
       <p:ext uri="{BB962C8B-B14F-4D97-AF65-F5344CB8AC3E}">
         <p14:creationId xmlns:p14="http://schemas.microsoft.com/office/powerpoint/2010/main" val="839281280"/>
+      </p:ext>
+    </p:extLst>
+  </p:cSld>
+  <p:clrMapOvr>
+    <a:masterClrMapping/>
+  </p:clrMapOvr>
+  <mc:AlternateContent xmlns:mc="http://schemas.openxmlformats.org/markup-compatibility/2006" xmlns:p14="http://schemas.microsoft.com/office/powerpoint/2010/main">
+    <mc:Choice Requires="p14">
+      <p:transition spd="med" p14:dur="700">
+        <p:fade/>
+      </p:transition>
+    </mc:Choice>
+    <mc:Fallback xmlns="">
+      <p:transition spd="med">
+        <p:fade/>
+      </p:transition>
+    </mc:Fallback>
+  </mc:AlternateContent>
+</p:sld>
+</file>
+
+<file path=ppt/slides/slide19.xml><?xml version="1.0" encoding="utf-8"?>
+<p:sld xmlns:a="http://schemas.openxmlformats.org/drawingml/2006/main" xmlns:r="http://schemas.openxmlformats.org/officeDocument/2006/relationships" xmlns:p="http://schemas.openxmlformats.org/presentationml/2006/main">
+  <p:cSld>
+    <p:spTree>
+      <p:nvGrpSpPr>
+        <p:cNvPr id="1" name=""/>
+        <p:cNvGrpSpPr/>
+        <p:nvPr/>
+      </p:nvGrpSpPr>
+      <p:grpSpPr>
+        <a:xfrm>
+          <a:off x="0" y="0"/>
+          <a:ext cx="0" cy="0"/>
+          <a:chOff x="0" y="0"/>
+          <a:chExt cx="0" cy="0"/>
+        </a:xfrm>
+      </p:grpSpPr>
+      <p:sp>
+        <p:nvSpPr>
+          <p:cNvPr id="2" name="Заголовок 1">
+            <a:extLst>
+              <a:ext uri="{FF2B5EF4-FFF2-40B4-BE49-F238E27FC236}">
+                <a16:creationId xmlns:a16="http://schemas.microsoft.com/office/drawing/2014/main" id="{9BFAA110-C35E-419E-94F5-DAEBD2170558}"/>
+              </a:ext>
+            </a:extLst>
+          </p:cNvPr>
+          <p:cNvSpPr>
+            <a:spLocks noGrp="1"/>
+          </p:cNvSpPr>
+          <p:nvPr>
+            <p:ph type="title"/>
+          </p:nvPr>
+        </p:nvSpPr>
+        <p:spPr/>
+        <p:txBody>
+          <a:bodyPr>
+            <a:normAutofit fontScale="90000"/>
+          </a:bodyPr>
+          <a:lstStyle/>
+          <a:p>
+            <a:r>
+              <a:rPr lang="ru-RU" dirty="0"/>
+              <a:t>Входные данные</a:t>
+            </a:r>
+          </a:p>
+        </p:txBody>
+      </p:sp>
+      <p:sp>
+        <p:nvSpPr>
+          <p:cNvPr id="6" name="Объект 5">
+            <a:extLst>
+              <a:ext uri="{FF2B5EF4-FFF2-40B4-BE49-F238E27FC236}">
+                <a16:creationId xmlns:a16="http://schemas.microsoft.com/office/drawing/2014/main" id="{F3AF8238-DF16-4E55-B564-3C299D7AEF9E}"/>
+              </a:ext>
+            </a:extLst>
+          </p:cNvPr>
+          <p:cNvSpPr>
+            <a:spLocks noGrp="1"/>
+          </p:cNvSpPr>
+          <p:nvPr>
+            <p:ph idx="1"/>
+          </p:nvPr>
+        </p:nvSpPr>
+        <p:spPr>
+          <a:xfrm>
+            <a:off x="1200150" y="1371600"/>
+            <a:ext cx="11263727" cy="5486399"/>
+          </a:xfrm>
+        </p:spPr>
+        <p:txBody>
+          <a:bodyPr>
+            <a:normAutofit fontScale="85000" lnSpcReduction="20000"/>
+          </a:bodyPr>
+          <a:lstStyle/>
+          <a:p>
+            <a:r>
+              <a:rPr lang="ru-RU" dirty="0"/>
+              <a:t>Регистрационные данные пользователя (логин и пароль)</a:t>
+            </a:r>
+          </a:p>
+          <a:p>
+            <a:r>
+              <a:rPr lang="ru-RU" dirty="0"/>
+              <a:t>Действия пользователя:</a:t>
+            </a:r>
+          </a:p>
+          <a:p>
+            <a:pPr marL="0" indent="0">
+              <a:buNone/>
+            </a:pPr>
+            <a:r>
+              <a:rPr lang="ru-RU" dirty="0"/>
+              <a:t>	загрузка схем</a:t>
+            </a:r>
+          </a:p>
+          <a:p>
+            <a:pPr marL="0" indent="0">
+              <a:buNone/>
+            </a:pPr>
+            <a:r>
+              <a:rPr lang="ru-RU" dirty="0"/>
+              <a:t>	редактирование схем</a:t>
+            </a:r>
+          </a:p>
+          <a:p>
+            <a:pPr marL="0" indent="0">
+              <a:buNone/>
+            </a:pPr>
+            <a:r>
+              <a:rPr lang="ru-RU" dirty="0"/>
+              <a:t>	смена регистрационного имени и пароля</a:t>
+            </a:r>
+          </a:p>
+          <a:p>
+            <a:pPr marL="0" indent="0">
+              <a:buNone/>
+            </a:pPr>
+            <a:endParaRPr lang="ru-RU" dirty="0"/>
+          </a:p>
+          <a:p>
+            <a:r>
+              <a:rPr lang="ru-RU" dirty="0"/>
+              <a:t>Действия преподавателя в интерфейсе администрирования:</a:t>
+            </a:r>
+          </a:p>
+          <a:p>
+            <a:pPr marL="0" indent="0">
+              <a:buNone/>
+            </a:pPr>
+            <a:r>
+              <a:rPr lang="ru-RU" dirty="0"/>
+              <a:t>	редактирование списка курируемых пользователей</a:t>
+            </a:r>
+          </a:p>
+          <a:p>
+            <a:pPr marL="0" indent="0">
+              <a:buNone/>
+            </a:pPr>
+            <a:r>
+              <a:rPr lang="ru-RU" dirty="0"/>
+              <a:t>	управление отношением с курируемым пользователем</a:t>
+            </a:r>
+          </a:p>
+          <a:p>
+            <a:pPr marL="0" indent="0">
+              <a:buNone/>
+            </a:pPr>
+            <a:endParaRPr lang="ru-RU" dirty="0"/>
+          </a:p>
+          <a:p>
+            <a:r>
+              <a:rPr lang="ru-RU" dirty="0"/>
+              <a:t>Действия администратора в интерфейсе администрирования:</a:t>
+            </a:r>
+          </a:p>
+          <a:p>
+            <a:pPr marL="0" indent="0">
+              <a:buNone/>
+            </a:pPr>
+            <a:r>
+              <a:rPr lang="ru-RU" dirty="0"/>
+              <a:t>	выдача ролей;</a:t>
+            </a:r>
+          </a:p>
+          <a:p>
+            <a:pPr marL="0" indent="0">
+              <a:buNone/>
+            </a:pPr>
+            <a:r>
+              <a:rPr lang="ru-RU" dirty="0"/>
+              <a:t>	удаление пользователей;</a:t>
+            </a:r>
+          </a:p>
+        </p:txBody>
+      </p:sp>
+      <p:sp>
+        <p:nvSpPr>
+          <p:cNvPr id="3" name="Номер слайда 2">
+            <a:extLst>
+              <a:ext uri="{FF2B5EF4-FFF2-40B4-BE49-F238E27FC236}">
+                <a16:creationId xmlns:a16="http://schemas.microsoft.com/office/drawing/2014/main" id="{4ADFA7E1-2F88-D84A-9B2E-8F480F93F33D}"/>
+              </a:ext>
+            </a:extLst>
+          </p:cNvPr>
+          <p:cNvSpPr>
+            <a:spLocks noGrp="1"/>
+          </p:cNvSpPr>
+          <p:nvPr>
+            <p:ph type="sldNum" sz="quarter" idx="12"/>
+          </p:nvPr>
+        </p:nvSpPr>
+        <p:spPr/>
+        <p:txBody>
+          <a:bodyPr/>
+          <a:lstStyle/>
+          <a:p>
+            <a:fld id="{6D22F896-40B5-4ADD-8801-0D06FADFA095}" type="slidenum">
+              <a:rPr lang="en-US" smtClean="0"/>
+              <a:t>19</a:t>
+            </a:fld>
+            <a:endParaRPr lang="en-US" dirty="0"/>
+          </a:p>
+        </p:txBody>
+      </p:sp>
+    </p:spTree>
+    <p:extLst>
+      <p:ext uri="{BB962C8B-B14F-4D97-AF65-F5344CB8AC3E}">
+        <p14:creationId xmlns:p14="http://schemas.microsoft.com/office/powerpoint/2010/main" val="2197034048"/>
       </p:ext>
     </p:extLst>
   </p:cSld>
@@ -11097,12 +12167,14 @@
         </p:nvSpPr>
         <p:spPr>
           <a:xfrm>
-            <a:off x="1441925" y="442946"/>
-            <a:ext cx="9601200" cy="1485900"/>
+            <a:off x="3512653" y="279639"/>
+            <a:ext cx="5166693" cy="731227"/>
           </a:xfrm>
         </p:spPr>
         <p:txBody>
-          <a:bodyPr/>
+          <a:bodyPr>
+            <a:normAutofit fontScale="90000"/>
+          </a:bodyPr>
           <a:lstStyle/>
           <a:p>
             <a:r>
@@ -11162,14 +12234,14 @@
             <a:pPr algn="just"/>
             <a:r>
               <a:rPr lang="ru-RU" dirty="0"/>
-              <a:t>ИС – клиент-серверное веб приложение</a:t>
+              <a:t>ИС – независимое от ОС многопользовательское клиент-серверное веб-приложение</a:t>
             </a:r>
           </a:p>
           <a:p>
             <a:pPr algn="just"/>
             <a:r>
               <a:rPr lang="ru-RU" dirty="0"/>
-              <a:t>пользователь может создавать алгоритмы на языке ДРАКОН и транслировать их в язык </a:t>
+              <a:t>пользователь может разрабатывать алгоритмы на языке ДРАКОН и транслировать их в язык </a:t>
             </a:r>
             <a:r>
               <a:rPr lang="en-US" dirty="0"/>
@@ -11298,12 +12370,14 @@
         </p:nvSpPr>
         <p:spPr/>
         <p:txBody>
-          <a:bodyPr/>
+          <a:bodyPr>
+            <a:normAutofit fontScale="90000"/>
+          </a:bodyPr>
           <a:lstStyle/>
           <a:p>
             <a:r>
               <a:rPr lang="ru-RU" dirty="0"/>
-              <a:t>Входные данные</a:t>
+              <a:t>Выходные данные</a:t>
             </a:r>
           </a:p>
         </p:txBody>
@@ -11326,103 +12400,49 @@
         </p:nvSpPr>
         <p:spPr>
           <a:xfrm>
-            <a:off x="1200150" y="1371600"/>
-            <a:ext cx="11263727" cy="5486399"/>
+            <a:off x="1936376" y="2212246"/>
+            <a:ext cx="9455972" cy="3769005"/>
           </a:xfrm>
         </p:spPr>
         <p:txBody>
           <a:bodyPr>
-            <a:normAutofit fontScale="92500" lnSpcReduction="20000"/>
+            <a:normAutofit/>
           </a:bodyPr>
           <a:lstStyle/>
           <a:p>
-            <a:r>
-              <a:rPr lang="ru-RU" dirty="0"/>
-              <a:t>Регистрационные данные пользователя (логин и пароль)</a:t>
-            </a:r>
-          </a:p>
-          <a:p>
-            <a:r>
-              <a:rPr lang="ru-RU" dirty="0"/>
-              <a:t>Действия пользователя:</a:t>
-            </a:r>
-          </a:p>
-          <a:p>
-            <a:pPr marL="0" indent="0">
-              <a:buNone/>
-            </a:pPr>
-            <a:r>
-              <a:rPr lang="ru-RU" dirty="0"/>
-              <a:t>	загрузка схем</a:t>
-            </a:r>
-          </a:p>
-          <a:p>
-            <a:pPr marL="0" indent="0">
-              <a:buNone/>
-            </a:pPr>
-            <a:r>
-              <a:rPr lang="ru-RU" dirty="0"/>
-              <a:t>	редактирование схем</a:t>
-            </a:r>
-          </a:p>
-          <a:p>
-            <a:pPr marL="0" indent="0">
-              <a:buNone/>
-            </a:pPr>
-            <a:r>
-              <a:rPr lang="ru-RU" dirty="0"/>
-              <a:t>	смена регистрационного имени</a:t>
-            </a:r>
-          </a:p>
-          <a:p>
-            <a:pPr marL="0" indent="0">
-              <a:buNone/>
-            </a:pPr>
-            <a:endParaRPr lang="ru-RU" dirty="0"/>
-          </a:p>
-          <a:p>
-            <a:r>
-              <a:rPr lang="ru-RU" dirty="0"/>
-              <a:t>Действия преподавателя в интерфейсе администрирования:</a:t>
-            </a:r>
-          </a:p>
-          <a:p>
-            <a:pPr marL="0" indent="0">
-              <a:buNone/>
-            </a:pPr>
-            <a:r>
-              <a:rPr lang="ru-RU" dirty="0"/>
-              <a:t>	редактирование списка курируемых пользователей</a:t>
-            </a:r>
-          </a:p>
-          <a:p>
-            <a:pPr marL="0" indent="0">
-              <a:buNone/>
-            </a:pPr>
-            <a:endParaRPr lang="ru-RU" dirty="0"/>
-          </a:p>
-          <a:p>
-            <a:r>
-              <a:rPr lang="ru-RU" dirty="0"/>
-              <a:t>Действия администратора в интерфейсе администрирования:</a:t>
-            </a:r>
-          </a:p>
-          <a:p>
-            <a:pPr marL="0" indent="0">
-              <a:buNone/>
-            </a:pPr>
-            <a:r>
-              <a:rPr lang="ru-RU" dirty="0"/>
-              <a:t>	выдача ролей;</a:t>
-            </a:r>
-          </a:p>
-          <a:p>
-            <a:pPr marL="0" indent="0">
-              <a:buNone/>
-            </a:pPr>
-            <a:r>
-              <a:rPr lang="ru-RU" dirty="0"/>
-              <a:t>	удаление пользователей;</a:t>
+            <a:pPr algn="just"/>
+            <a:r>
+              <a:rPr lang="ru-RU" dirty="0"/>
+              <a:t>Файл ДРАКОН-схемы в формате JSON;</a:t>
+            </a:r>
+          </a:p>
+          <a:p>
+            <a:pPr algn="just"/>
+            <a:r>
+              <a:rPr lang="ru-RU" dirty="0"/>
+              <a:t>Файл с исходным кодом оттранслированной ДРАКОН-схемы на языке </a:t>
+            </a:r>
+            <a:r>
+              <a:rPr lang="ru-RU" dirty="0" err="1"/>
+              <a:t>JavaScript</a:t>
+            </a:r>
+            <a:r>
+              <a:rPr lang="ru-RU" dirty="0"/>
+              <a:t>;</a:t>
+            </a:r>
+          </a:p>
+          <a:p>
+            <a:pPr algn="just"/>
+            <a:r>
+              <a:rPr lang="ru-RU" dirty="0"/>
+              <a:t>Список ДРАКОН-схем и их содержимое из базы данных;</a:t>
+            </a:r>
+          </a:p>
+          <a:p>
+            <a:pPr algn="just"/>
+            <a:r>
+              <a:rPr lang="ru-RU" dirty="0"/>
+              <a:t>Список курируемых пользователей для каждого куратора.</a:t>
             </a:r>
           </a:p>
         </p:txBody>
@@ -11432,7 +12452,7 @@
           <p:cNvPr id="3" name="Номер слайда 2">
             <a:extLst>
               <a:ext uri="{FF2B5EF4-FFF2-40B4-BE49-F238E27FC236}">
-                <a16:creationId xmlns:a16="http://schemas.microsoft.com/office/drawing/2014/main" id="{4ADFA7E1-2F88-D84A-9B2E-8F480F93F33D}"/>
+                <a16:creationId xmlns:a16="http://schemas.microsoft.com/office/drawing/2014/main" id="{3C0A0DC9-DA77-934A-90CE-F288C717391D}"/>
               </a:ext>
             </a:extLst>
           </p:cNvPr>
@@ -11459,7 +12479,7 @@
     </p:spTree>
     <p:extLst>
       <p:ext uri="{BB962C8B-B14F-4D97-AF65-F5344CB8AC3E}">
-        <p14:creationId xmlns:p14="http://schemas.microsoft.com/office/powerpoint/2010/main" val="2197034048"/>
+        <p14:creationId xmlns:p14="http://schemas.microsoft.com/office/powerpoint/2010/main" val="3253019711"/>
       </p:ext>
     </p:extLst>
   </p:cSld>
@@ -11514,14 +12534,21 @@
             <p:ph type="title"/>
           </p:nvPr>
         </p:nvSpPr>
-        <p:spPr/>
-        <p:txBody>
-          <a:bodyPr/>
+        <p:spPr>
+          <a:xfrm>
+            <a:off x="2464713" y="348026"/>
+            <a:ext cx="7414973" cy="745067"/>
+          </a:xfrm>
+        </p:spPr>
+        <p:txBody>
+          <a:bodyPr>
+            <a:normAutofit fontScale="90000"/>
+          </a:bodyPr>
           <a:lstStyle/>
           <a:p>
             <a:r>
               <a:rPr lang="ru-RU" dirty="0"/>
-              <a:t>Выходные данные</a:t>
+              <a:t>Системные требования клиента</a:t>
             </a:r>
           </a:p>
         </p:txBody>
@@ -11542,51 +12569,58 @@
             <p:ph idx="1"/>
           </p:nvPr>
         </p:nvSpPr>
-        <p:spPr>
-          <a:xfrm>
-            <a:off x="1936376" y="2212246"/>
-            <a:ext cx="9455972" cy="3769005"/>
-          </a:xfrm>
-        </p:spPr>
-        <p:txBody>
-          <a:bodyPr>
-            <a:normAutofit/>
-          </a:bodyPr>
+        <p:spPr/>
+        <p:txBody>
+          <a:bodyPr/>
           <a:lstStyle/>
           <a:p>
-            <a:pPr algn="just"/>
-            <a:r>
-              <a:rPr lang="ru-RU" dirty="0"/>
-              <a:t>Файл ДРАКОН-схемы в формате JSON;</a:t>
-            </a:r>
-          </a:p>
-          <a:p>
-            <a:pPr algn="just"/>
-            <a:r>
-              <a:rPr lang="ru-RU" dirty="0"/>
-              <a:t>Файл с исходным кодом оттранслированной ДРАКОН-схемы на языке </a:t>
-            </a:r>
-            <a:r>
-              <a:rPr lang="ru-RU" dirty="0" err="1"/>
-              <a:t>JavaScript</a:t>
-            </a:r>
-            <a:r>
-              <a:rPr lang="ru-RU" dirty="0"/>
-              <a:t>;</a:t>
-            </a:r>
-          </a:p>
-          <a:p>
-            <a:pPr algn="just"/>
-            <a:r>
-              <a:rPr lang="ru-RU" dirty="0"/>
-              <a:t>Список ДРАКОН-схем и их содержимое из базы данных;</a:t>
-            </a:r>
-          </a:p>
-          <a:p>
-            <a:pPr algn="just"/>
-            <a:r>
-              <a:rPr lang="ru-RU" dirty="0"/>
-              <a:t>Список курируемых пользователей для каждого куратора.</a:t>
+            <a:r>
+              <a:rPr lang="ru-RU" dirty="0" err="1">
+                <a:cs typeface="Times New Roman" panose="02020603050405020304" pitchFamily="18" charset="0"/>
+              </a:rPr>
+              <a:t>Intel</a:t>
+            </a:r>
+            <a:r>
+              <a:rPr lang="ru-RU" dirty="0">
+                <a:cs typeface="Times New Roman" panose="02020603050405020304" pitchFamily="18" charset="0"/>
+              </a:rPr>
+              <a:t>-совместимый процессор с частотой не менее  2х1,6 ГГц;</a:t>
+            </a:r>
+          </a:p>
+          <a:p>
+            <a:r>
+              <a:rPr lang="ru-RU" dirty="0">
+                <a:cs typeface="Times New Roman" panose="02020603050405020304" pitchFamily="18" charset="0"/>
+              </a:rPr>
+              <a:t>не менее 1024 МБ ОЗУ;</a:t>
+            </a:r>
+          </a:p>
+          <a:p>
+            <a:r>
+              <a:rPr lang="ru-RU" dirty="0">
+                <a:cs typeface="Times New Roman" panose="02020603050405020304" pitchFamily="18" charset="0"/>
+              </a:rPr>
+              <a:t>не менее 200 MБ свободного места на диске;</a:t>
+            </a:r>
+          </a:p>
+          <a:p>
+            <a:r>
+              <a:rPr lang="ru-RU" dirty="0">
+                <a:cs typeface="Times New Roman" panose="02020603050405020304" pitchFamily="18" charset="0"/>
+              </a:rPr>
+              <a:t>операционная система: ОС с поддержкой </a:t>
+            </a:r>
+            <a:r>
+              <a:rPr lang="ru-RU" dirty="0" err="1">
+                <a:cs typeface="Times New Roman" panose="02020603050405020304" pitchFamily="18" charset="0"/>
+              </a:rPr>
+              <a:t>Chrome</a:t>
+            </a:r>
+            <a:r>
+              <a:rPr lang="ru-RU" dirty="0">
+                <a:cs typeface="Times New Roman" panose="02020603050405020304" pitchFamily="18" charset="0"/>
+              </a:rPr>
+              <a:t> v.63+.</a:t>
             </a:r>
           </a:p>
         </p:txBody>
@@ -11596,7 +12630,7 @@
           <p:cNvPr id="3" name="Номер слайда 2">
             <a:extLst>
               <a:ext uri="{FF2B5EF4-FFF2-40B4-BE49-F238E27FC236}">
-                <a16:creationId xmlns:a16="http://schemas.microsoft.com/office/drawing/2014/main" id="{3C0A0DC9-DA77-934A-90CE-F288C717391D}"/>
+                <a16:creationId xmlns:a16="http://schemas.microsoft.com/office/drawing/2014/main" id="{1DEF7A9C-1988-4846-A61E-FED968937B53}"/>
               </a:ext>
             </a:extLst>
           </p:cNvPr>
@@ -11623,7 +12657,7 @@
     </p:spTree>
     <p:extLst>
       <p:ext uri="{BB962C8B-B14F-4D97-AF65-F5344CB8AC3E}">
-        <p14:creationId xmlns:p14="http://schemas.microsoft.com/office/powerpoint/2010/main" val="3253019711"/>
+        <p14:creationId xmlns:p14="http://schemas.microsoft.com/office/powerpoint/2010/main" val="3544845931"/>
       </p:ext>
     </p:extLst>
   </p:cSld>
@@ -11678,14 +12712,21 @@
             <p:ph type="title"/>
           </p:nvPr>
         </p:nvSpPr>
-        <p:spPr/>
-        <p:txBody>
-          <a:bodyPr/>
+        <p:spPr>
+          <a:xfrm>
+            <a:off x="2733838" y="348026"/>
+            <a:ext cx="7425364" cy="745067"/>
+          </a:xfrm>
+        </p:spPr>
+        <p:txBody>
+          <a:bodyPr>
+            <a:normAutofit fontScale="90000"/>
+          </a:bodyPr>
           <a:lstStyle/>
           <a:p>
             <a:r>
               <a:rPr lang="ru-RU" dirty="0"/>
-              <a:t>Системные требования клиента</a:t>
+              <a:t>Системные требования сервера</a:t>
             </a:r>
           </a:p>
         </p:txBody>
@@ -11706,11 +12747,25 @@
             <p:ph idx="1"/>
           </p:nvPr>
         </p:nvSpPr>
-        <p:spPr/>
+        <p:spPr>
+          <a:xfrm>
+            <a:off x="1371600" y="2286000"/>
+            <a:ext cx="10149840" cy="3581400"/>
+          </a:xfrm>
+        </p:spPr>
         <p:txBody>
           <a:bodyPr/>
           <a:lstStyle/>
           <a:p>
+            <a:pPr marL="0" indent="0">
+              <a:buNone/>
+            </a:pPr>
+            <a:r>
+              <a:rPr lang="ru-RU" dirty="0">
+                <a:cs typeface="Times New Roman" panose="02020603050405020304" pitchFamily="18" charset="0"/>
+              </a:rPr>
+              <a:t>• </a:t>
+            </a:r>
             <a:r>
               <a:rPr lang="ru-RU" dirty="0" err="1">
                 <a:cs typeface="Times New Roman" panose="02020603050405020304" pitchFamily="18" charset="0"/>
@@ -11721,44 +12776,106 @@
               <a:rPr lang="ru-RU" dirty="0">
                 <a:cs typeface="Times New Roman" panose="02020603050405020304" pitchFamily="18" charset="0"/>
               </a:rPr>
-              <a:t>-совместимый процессор с частотой не менее  2х1,6 ГГц;</a:t>
-            </a:r>
-          </a:p>
-          <a:p>
+              <a:t>-совместимый процессор с частотой не менее  8х3,4 ГГц;</a:t>
+            </a:r>
+          </a:p>
+          <a:p>
+            <a:pPr marL="0" indent="0">
+              <a:buNone/>
+            </a:pPr>
             <a:r>
               <a:rPr lang="ru-RU" dirty="0">
                 <a:cs typeface="Times New Roman" panose="02020603050405020304" pitchFamily="18" charset="0"/>
               </a:rPr>
-              <a:t>не менее 1024 МБ ОЗУ;</a:t>
-            </a:r>
-          </a:p>
-          <a:p>
+              <a:t>• не менее 16 384 МБ ОЗУ;</a:t>
+            </a:r>
+          </a:p>
+          <a:p>
+            <a:pPr marL="0" indent="0">
+              <a:buNone/>
+            </a:pPr>
             <a:r>
               <a:rPr lang="ru-RU" dirty="0">
                 <a:cs typeface="Times New Roman" panose="02020603050405020304" pitchFamily="18" charset="0"/>
               </a:rPr>
-              <a:t>не менее 200 MБ свободного места на диске;</a:t>
-            </a:r>
-          </a:p>
-          <a:p>
+              <a:t>• не менее 100 ГБ свободного места на диске;</a:t>
+            </a:r>
+          </a:p>
+          <a:p>
+            <a:pPr marL="0" indent="0">
+              <a:buNone/>
+            </a:pPr>
             <a:r>
               <a:rPr lang="ru-RU" dirty="0">
                 <a:cs typeface="Times New Roman" panose="02020603050405020304" pitchFamily="18" charset="0"/>
               </a:rPr>
-              <a:t>операционная система: ОС с поддержкой </a:t>
-            </a:r>
-            <a:r>
-              <a:rPr lang="ru-RU" dirty="0" err="1">
-                <a:cs typeface="Times New Roman" panose="02020603050405020304" pitchFamily="18" charset="0"/>
-              </a:rPr>
-              <a:t>Chrome</a:t>
-            </a:r>
+              <a:t>• дисковод CD-ROM/DVD-ROM;</a:t>
+            </a:r>
+          </a:p>
+          <a:p>
+            <a:pPr marL="0" indent="0">
+              <a:buNone/>
+            </a:pPr>
             <a:r>
               <a:rPr lang="ru-RU" dirty="0">
                 <a:cs typeface="Times New Roman" panose="02020603050405020304" pitchFamily="18" charset="0"/>
               </a:rPr>
-              <a:t> v.63+.</a:t>
-            </a:r>
+              <a:t>• операционная система: </a:t>
+            </a:r>
+            <a:r>
+              <a:rPr lang="en-US" dirty="0">
+                <a:cs typeface="Times New Roman" panose="02020603050405020304" pitchFamily="18" charset="0"/>
+              </a:rPr>
+              <a:t>Windows Server 2008+</a:t>
+            </a:r>
+            <a:r>
+              <a:rPr lang="ru-RU" dirty="0">
+                <a:cs typeface="Times New Roman" panose="02020603050405020304" pitchFamily="18" charset="0"/>
+              </a:rPr>
+              <a:t> или</a:t>
+            </a:r>
+            <a:r>
+              <a:rPr lang="en-US" dirty="0">
+                <a:cs typeface="Times New Roman" panose="02020603050405020304" pitchFamily="18" charset="0"/>
+              </a:rPr>
+              <a:t> </a:t>
+            </a:r>
+            <a:r>
+              <a:rPr lang="ru-RU" dirty="0">
+                <a:cs typeface="Times New Roman" panose="02020603050405020304" pitchFamily="18" charset="0"/>
+              </a:rPr>
+              <a:t>схожая по функциональным возможностям </a:t>
+            </a:r>
+            <a:r>
+              <a:rPr lang="en-US" dirty="0">
+                <a:cs typeface="Times New Roman" panose="02020603050405020304" pitchFamily="18" charset="0"/>
+              </a:rPr>
+              <a:t>UNIX</a:t>
+            </a:r>
+            <a:r>
+              <a:rPr lang="ru-RU" dirty="0">
+                <a:cs typeface="Times New Roman" panose="02020603050405020304" pitchFamily="18" charset="0"/>
+              </a:rPr>
+              <a:t>-подобная ОС</a:t>
+            </a:r>
+            <a:r>
+              <a:rPr lang="en-US" dirty="0">
+                <a:cs typeface="Times New Roman" panose="02020603050405020304" pitchFamily="18" charset="0"/>
+              </a:rPr>
+              <a:t> </a:t>
+            </a:r>
+            <a:endParaRPr lang="ru-RU" dirty="0">
+              <a:cs typeface="Times New Roman" panose="02020603050405020304" pitchFamily="18" charset="0"/>
+            </a:endParaRPr>
+          </a:p>
+          <a:p>
+            <a:pPr marL="0" indent="0">
+              <a:buNone/>
+            </a:pPr>
+            <a:endParaRPr lang="ru-RU" dirty="0">
+              <a:latin typeface="Times New Roman" panose="02020603050405020304" pitchFamily="18" charset="0"/>
+              <a:cs typeface="Times New Roman" panose="02020603050405020304" pitchFamily="18" charset="0"/>
+            </a:endParaRPr>
           </a:p>
         </p:txBody>
       </p:sp>
@@ -11794,7 +12911,7 @@
     </p:spTree>
     <p:extLst>
       <p:ext uri="{BB962C8B-B14F-4D97-AF65-F5344CB8AC3E}">
-        <p14:creationId xmlns:p14="http://schemas.microsoft.com/office/powerpoint/2010/main" val="3544845931"/>
+        <p14:creationId xmlns:p14="http://schemas.microsoft.com/office/powerpoint/2010/main" val="2871776689"/>
       </p:ext>
     </p:extLst>
   </p:cSld>
@@ -11851,12 +12968,14 @@
         </p:nvSpPr>
         <p:spPr/>
         <p:txBody>
-          <a:bodyPr/>
+          <a:bodyPr>
+            <a:normAutofit fontScale="90000"/>
+          </a:bodyPr>
           <a:lstStyle/>
           <a:p>
             <a:r>
               <a:rPr lang="ru-RU" dirty="0"/>
-              <a:t>Системные требования сервера</a:t>
+              <a:t>Средства разработки</a:t>
             </a:r>
           </a:p>
         </p:txBody>
@@ -11879,133 +12998,196 @@
         </p:nvSpPr>
         <p:spPr>
           <a:xfrm>
-            <a:off x="1371600" y="2286000"/>
-            <a:ext cx="10149840" cy="3581400"/>
+            <a:off x="1390650" y="1538344"/>
+            <a:ext cx="9601200" cy="4916244"/>
           </a:xfrm>
         </p:spPr>
         <p:txBody>
-          <a:bodyPr/>
+          <a:bodyPr>
+            <a:normAutofit fontScale="92500" lnSpcReduction="10000"/>
+          </a:bodyPr>
           <a:lstStyle/>
           <a:p>
-            <a:pPr marL="0" indent="0">
-              <a:buNone/>
-            </a:pPr>
             <a:r>
               <a:rPr lang="ru-RU" dirty="0">
                 <a:cs typeface="Times New Roman" panose="02020603050405020304" pitchFamily="18" charset="0"/>
               </a:rPr>
-              <a:t>• </a:t>
-            </a:r>
-            <a:r>
-              <a:rPr lang="ru-RU" dirty="0" err="1">
+              <a:t>Язык</a:t>
+            </a:r>
+            <a:r>
+              <a:rPr lang="en-US" dirty="0">
                 <a:cs typeface="Times New Roman" panose="02020603050405020304" pitchFamily="18" charset="0"/>
               </a:rPr>
-              <a:t>Intel</a:t>
+              <a:t> Typescript v4.0.5</a:t>
             </a:r>
             <a:r>
               <a:rPr lang="ru-RU" dirty="0">
                 <a:cs typeface="Times New Roman" panose="02020603050405020304" pitchFamily="18" charset="0"/>
               </a:rPr>
-              <a:t>-совместимый процессор с частотой не менее  8х3,4 ГГц;</a:t>
-            </a:r>
-          </a:p>
-          <a:p>
-            <a:pPr marL="0" indent="0">
-              <a:buNone/>
-            </a:pPr>
+              <a:t> + </a:t>
+            </a:r>
+            <a:r>
+              <a:rPr lang="en-US" dirty="0" err="1">
+                <a:cs typeface="Times New Roman" panose="02020603050405020304" pitchFamily="18" charset="0"/>
+              </a:rPr>
+              <a:t>Javascript</a:t>
+            </a:r>
+            <a:r>
+              <a:rPr lang="en-US" dirty="0">
+                <a:cs typeface="Times New Roman" panose="02020603050405020304" pitchFamily="18" charset="0"/>
+              </a:rPr>
+              <a:t> ES6+</a:t>
+            </a:r>
+          </a:p>
+          <a:p>
+            <a:r>
+              <a:rPr lang="en-US" dirty="0" err="1">
+                <a:cs typeface="Times New Roman" panose="02020603050405020304" pitchFamily="18" charset="0"/>
+              </a:rPr>
+              <a:t>NestJS</a:t>
+            </a:r>
+            <a:r>
+              <a:rPr lang="en-US" dirty="0">
+                <a:cs typeface="Times New Roman" panose="02020603050405020304" pitchFamily="18" charset="0"/>
+              </a:rPr>
+              <a:t> v7.5.1.</a:t>
+            </a:r>
+          </a:p>
+          <a:p>
+            <a:r>
+              <a:rPr lang="en-US" dirty="0" err="1">
+                <a:cs typeface="Times New Roman" panose="02020603050405020304" pitchFamily="18" charset="0"/>
+              </a:rPr>
+              <a:t>TypeORM</a:t>
+            </a:r>
+            <a:r>
+              <a:rPr lang="en-US" dirty="0">
+                <a:cs typeface="Times New Roman" panose="02020603050405020304" pitchFamily="18" charset="0"/>
+              </a:rPr>
+              <a:t> v0.2.31</a:t>
+            </a:r>
+          </a:p>
+          <a:p>
+            <a:r>
+              <a:rPr lang="en-US" dirty="0">
+                <a:cs typeface="Times New Roman" panose="02020603050405020304" pitchFamily="18" charset="0"/>
+              </a:rPr>
+              <a:t>PostgreSQL v1</a:t>
+            </a:r>
             <a:r>
               <a:rPr lang="ru-RU" dirty="0">
                 <a:cs typeface="Times New Roman" panose="02020603050405020304" pitchFamily="18" charset="0"/>
               </a:rPr>
-              <a:t>• не менее 16 384 МБ ОЗУ;</a:t>
-            </a:r>
-          </a:p>
-          <a:p>
-            <a:pPr marL="0" indent="0">
-              <a:buNone/>
-            </a:pPr>
+              <a:t>3.2</a:t>
+            </a:r>
+            <a:endParaRPr lang="en-US" dirty="0">
+              <a:cs typeface="Times New Roman" panose="02020603050405020304" pitchFamily="18" charset="0"/>
+            </a:endParaRPr>
+          </a:p>
+          <a:p>
+            <a:r>
+              <a:rPr lang="en-US" dirty="0" err="1">
+                <a:cs typeface="Times New Roman" panose="02020603050405020304" pitchFamily="18" charset="0"/>
+              </a:rPr>
+              <a:t>Bcrypt</a:t>
+            </a:r>
+            <a:r>
+              <a:rPr lang="en-US" dirty="0">
+                <a:cs typeface="Times New Roman" panose="02020603050405020304" pitchFamily="18" charset="0"/>
+              </a:rPr>
+              <a:t> v5.0.1</a:t>
+            </a:r>
+          </a:p>
+          <a:p>
+            <a:r>
+              <a:rPr lang="en-US" dirty="0">
+                <a:cs typeface="Times New Roman" panose="02020603050405020304" pitchFamily="18" charset="0"/>
+              </a:rPr>
+              <a:t>React v17.0.0</a:t>
+            </a:r>
+            <a:endParaRPr lang="ru-RU" dirty="0">
+              <a:cs typeface="Times New Roman" panose="02020603050405020304" pitchFamily="18" charset="0"/>
+            </a:endParaRPr>
+          </a:p>
+          <a:p>
             <a:r>
               <a:rPr lang="ru-RU" dirty="0">
                 <a:cs typeface="Times New Roman" panose="02020603050405020304" pitchFamily="18" charset="0"/>
               </a:rPr>
-              <a:t>• не менее 100 ГБ свободного места на диске;</a:t>
-            </a:r>
-          </a:p>
-          <a:p>
-            <a:pPr marL="0" indent="0">
-              <a:buNone/>
-            </a:pPr>
+              <a:t>Среда разработки – </a:t>
+            </a:r>
+            <a:r>
+              <a:rPr lang="en-US" dirty="0">
+                <a:cs typeface="Times New Roman" panose="02020603050405020304" pitchFamily="18" charset="0"/>
+              </a:rPr>
+              <a:t>Visual Studio Code v1.57.0</a:t>
+            </a:r>
+          </a:p>
+          <a:p>
+            <a:pPr lvl="0"/>
             <a:r>
               <a:rPr lang="ru-RU" dirty="0">
                 <a:cs typeface="Times New Roman" panose="02020603050405020304" pitchFamily="18" charset="0"/>
               </a:rPr>
-              <a:t>• дисковод CD-ROM/DVD-ROM;</a:t>
-            </a:r>
-          </a:p>
-          <a:p>
-            <a:pPr marL="0" indent="0">
-              <a:buNone/>
-            </a:pPr>
+              <a:t>Среда проектирования БД– </a:t>
+            </a:r>
+            <a:r>
+              <a:rPr lang="en-US" dirty="0">
+                <a:cs typeface="Times New Roman" panose="02020603050405020304" pitchFamily="18" charset="0"/>
+              </a:rPr>
+              <a:t>JetBrains </a:t>
+            </a:r>
+            <a:r>
+              <a:rPr lang="en-US" dirty="0" err="1">
+                <a:cs typeface="Times New Roman" panose="02020603050405020304" pitchFamily="18" charset="0"/>
+              </a:rPr>
+              <a:t>DataGrip</a:t>
+            </a:r>
+            <a:r>
+              <a:rPr lang="en-US" dirty="0">
+                <a:cs typeface="Times New Roman" panose="02020603050405020304" pitchFamily="18" charset="0"/>
+              </a:rPr>
+              <a:t> 2020.3</a:t>
+            </a:r>
+          </a:p>
+          <a:p>
+            <a:pPr lvl="0"/>
             <a:r>
               <a:rPr lang="ru-RU" dirty="0">
                 <a:cs typeface="Times New Roman" panose="02020603050405020304" pitchFamily="18" charset="0"/>
               </a:rPr>
-              <a:t>• операционная система: </a:t>
+              <a:t>Контейнеризация – </a:t>
             </a:r>
             <a:r>
               <a:rPr lang="en-US" dirty="0">
                 <a:cs typeface="Times New Roman" panose="02020603050405020304" pitchFamily="18" charset="0"/>
               </a:rPr>
-              <a:t>Windows Server 2008+</a:t>
-            </a:r>
+              <a:t>Docker v19.03.12</a:t>
+            </a:r>
+            <a:endParaRPr lang="ru-RU" dirty="0">
+              <a:cs typeface="Times New Roman" panose="02020603050405020304" pitchFamily="18" charset="0"/>
+            </a:endParaRPr>
+          </a:p>
+          <a:p>
+            <a:pPr lvl="0"/>
             <a:r>
               <a:rPr lang="ru-RU" dirty="0">
                 <a:cs typeface="Times New Roman" panose="02020603050405020304" pitchFamily="18" charset="0"/>
               </a:rPr>
-              <a:t> или</a:t>
+              <a:t>Офисный пакет </a:t>
             </a:r>
             <a:r>
               <a:rPr lang="en-US" dirty="0">
                 <a:cs typeface="Times New Roman" panose="02020603050405020304" pitchFamily="18" charset="0"/>
               </a:rPr>
-              <a:t> </a:t>
+              <a:t>Microsoft Office 2019 (</a:t>
             </a:r>
             <a:r>
               <a:rPr lang="ru-RU" dirty="0">
                 <a:cs typeface="Times New Roman" panose="02020603050405020304" pitchFamily="18" charset="0"/>
               </a:rPr>
-              <a:t>схожая по функциональным возможностям </a:t>
-            </a:r>
-            <a:r>
-              <a:rPr lang="en-US" dirty="0">
-                <a:cs typeface="Times New Roman" panose="02020603050405020304" pitchFamily="18" charset="0"/>
-              </a:rPr>
-              <a:t>UNIX</a:t>
-            </a:r>
-            <a:r>
-              <a:rPr lang="ru-RU" dirty="0">
-                <a:cs typeface="Times New Roman" panose="02020603050405020304" pitchFamily="18" charset="0"/>
-              </a:rPr>
-              <a:t>-подобная ОС</a:t>
-            </a:r>
-            <a:r>
-              <a:rPr lang="en-US" dirty="0">
-                <a:cs typeface="Times New Roman" panose="02020603050405020304" pitchFamily="18" charset="0"/>
-              </a:rPr>
-              <a:t> </a:t>
-            </a:r>
-            <a:endParaRPr lang="ru-RU" dirty="0">
-              <a:cs typeface="Times New Roman" panose="02020603050405020304" pitchFamily="18" charset="0"/>
-            </a:endParaRPr>
-          </a:p>
-          <a:p>
-            <a:pPr marL="0" indent="0">
-              <a:buNone/>
-            </a:pPr>
-            <a:endParaRPr lang="ru-RU" dirty="0">
-              <a:latin typeface="Times New Roman" panose="02020603050405020304" pitchFamily="18" charset="0"/>
-              <a:cs typeface="Times New Roman" panose="02020603050405020304" pitchFamily="18" charset="0"/>
-            </a:endParaRPr>
+              <a:t>документация)</a:t>
+            </a:r>
           </a:p>
         </p:txBody>
       </p:sp>
@@ -12014,7 +13196,7 @@
           <p:cNvPr id="3" name="Номер слайда 2">
             <a:extLst>
               <a:ext uri="{FF2B5EF4-FFF2-40B4-BE49-F238E27FC236}">
-                <a16:creationId xmlns:a16="http://schemas.microsoft.com/office/drawing/2014/main" id="{1DEF7A9C-1988-4846-A61E-FED968937B53}"/>
+                <a16:creationId xmlns:a16="http://schemas.microsoft.com/office/drawing/2014/main" id="{A0FEA376-2E6D-5A4E-A3EA-5E5DB9ED64C0}"/>
               </a:ext>
             </a:extLst>
           </p:cNvPr>
@@ -12041,7 +13223,7 @@
     </p:spTree>
     <p:extLst>
       <p:ext uri="{BB962C8B-B14F-4D97-AF65-F5344CB8AC3E}">
-        <p14:creationId xmlns:p14="http://schemas.microsoft.com/office/powerpoint/2010/main" val="2871776689"/>
+        <p14:creationId xmlns:p14="http://schemas.microsoft.com/office/powerpoint/2010/main" val="412773038"/>
       </p:ext>
     </p:extLst>
   </p:cSld>
@@ -12098,12 +13280,14 @@
         </p:nvSpPr>
         <p:spPr/>
         <p:txBody>
-          <a:bodyPr/>
+          <a:bodyPr>
+            <a:normAutofit fontScale="90000"/>
+          </a:bodyPr>
           <a:lstStyle/>
           <a:p>
             <a:r>
               <a:rPr lang="ru-RU" dirty="0"/>
-              <a:t>Средства разработки</a:t>
+              <a:t>Сведения о проекте</a:t>
             </a:r>
           </a:p>
         </p:txBody>
@@ -12126,195 +13310,117 @@
         </p:nvSpPr>
         <p:spPr>
           <a:xfrm>
-            <a:off x="1390650" y="1538344"/>
-            <a:ext cx="9601200" cy="4916244"/>
+            <a:off x="1739687" y="2030542"/>
+            <a:ext cx="9613861" cy="4584031"/>
           </a:xfrm>
         </p:spPr>
         <p:txBody>
           <a:bodyPr>
-            <a:normAutofit fontScale="92500" lnSpcReduction="10000"/>
+            <a:normAutofit lnSpcReduction="10000"/>
           </a:bodyPr>
           <a:lstStyle/>
           <a:p>
             <a:r>
               <a:rPr lang="ru-RU" dirty="0">
-                <a:cs typeface="Times New Roman" panose="02020603050405020304" pitchFamily="18" charset="0"/>
+                <a:latin typeface="Calibri" panose="020F0502020204030204" pitchFamily="34" charset="0"/>
+                <a:cs typeface="Calibri" panose="020F0502020204030204" pitchFamily="34" charset="0"/>
               </a:rPr>
-              <a:t>Язык</a:t>
+              <a:t>Свыше 700 строк кода сервера</a:t>
+            </a:r>
+          </a:p>
+          <a:p>
+            <a:r>
+              <a:rPr lang="ru-RU" dirty="0">
+                <a:latin typeface="Calibri" panose="020F0502020204030204" pitchFamily="34" charset="0"/>
+                <a:cs typeface="Calibri" panose="020F0502020204030204" pitchFamily="34" charset="0"/>
+              </a:rPr>
+              <a:t>7</a:t>
             </a:r>
             <a:r>
               <a:rPr lang="en-US" dirty="0">
-                <a:cs typeface="Times New Roman" panose="02020603050405020304" pitchFamily="18" charset="0"/>
+                <a:latin typeface="Calibri" panose="020F0502020204030204" pitchFamily="34" charset="0"/>
+                <a:cs typeface="Calibri" panose="020F0502020204030204" pitchFamily="34" charset="0"/>
               </a:rPr>
-              <a:t> Typescript v4.0.5</a:t>
+              <a:t> </a:t>
             </a:r>
             <a:r>
               <a:rPr lang="ru-RU" dirty="0">
-                <a:cs typeface="Times New Roman" panose="02020603050405020304" pitchFamily="18" charset="0"/>
+                <a:latin typeface="Calibri" panose="020F0502020204030204" pitchFamily="34" charset="0"/>
+                <a:cs typeface="Calibri" panose="020F0502020204030204" pitchFamily="34" charset="0"/>
               </a:rPr>
-              <a:t> + </a:t>
+              <a:t>модулей сервисов </a:t>
             </a:r>
             <a:r>
               <a:rPr lang="en-US" dirty="0" err="1">
-                <a:cs typeface="Times New Roman" panose="02020603050405020304" pitchFamily="18" charset="0"/>
-              </a:rPr>
-              <a:t>Javascript</a:t>
-            </a:r>
-            <a:r>
-              <a:rPr lang="en-US" dirty="0">
-                <a:cs typeface="Times New Roman" panose="02020603050405020304" pitchFamily="18" charset="0"/>
-              </a:rPr>
-              <a:t> ES6+</a:t>
-            </a:r>
-          </a:p>
-          <a:p>
-            <a:r>
-              <a:rPr lang="en-US" dirty="0" err="1">
-                <a:cs typeface="Times New Roman" panose="02020603050405020304" pitchFamily="18" charset="0"/>
+                <a:latin typeface="Calibri" panose="020F0502020204030204" pitchFamily="34" charset="0"/>
+                <a:cs typeface="Calibri" panose="020F0502020204030204" pitchFamily="34" charset="0"/>
               </a:rPr>
               <a:t>NestJS</a:t>
             </a:r>
-            <a:r>
-              <a:rPr lang="en-US" dirty="0">
-                <a:cs typeface="Times New Roman" panose="02020603050405020304" pitchFamily="18" charset="0"/>
+            <a:endParaRPr lang="ru-RU" dirty="0">
+              <a:latin typeface="Calibri" panose="020F0502020204030204" pitchFamily="34" charset="0"/>
+              <a:cs typeface="Calibri" panose="020F0502020204030204" pitchFamily="34" charset="0"/>
+            </a:endParaRPr>
+          </a:p>
+          <a:p>
+            <a:r>
+              <a:rPr lang="ru-RU" dirty="0">
+                <a:latin typeface="Calibri" panose="020F0502020204030204" pitchFamily="34" charset="0"/>
+                <a:cs typeface="Calibri" panose="020F0502020204030204" pitchFamily="34" charset="0"/>
               </a:rPr>
-              <a:t> v7.5.1.</a:t>
-            </a:r>
-          </a:p>
-          <a:p>
-            <a:r>
-              <a:rPr lang="en-US" dirty="0" err="1">
-                <a:cs typeface="Times New Roman" panose="02020603050405020304" pitchFamily="18" charset="0"/>
+              <a:t>Свыше 200 строк кода развертывания БД</a:t>
+            </a:r>
+          </a:p>
+          <a:p>
+            <a:r>
+              <a:rPr lang="ru-RU" dirty="0">
+                <a:latin typeface="Calibri" panose="020F0502020204030204" pitchFamily="34" charset="0"/>
+                <a:cs typeface="Calibri" panose="020F0502020204030204" pitchFamily="34" charset="0"/>
               </a:rPr>
-              <a:t>TypeORM</a:t>
-            </a:r>
-            <a:r>
-              <a:rPr lang="en-US" dirty="0">
-                <a:cs typeface="Times New Roman" panose="02020603050405020304" pitchFamily="18" charset="0"/>
+              <a:t>3 справочника для базы данных</a:t>
+            </a:r>
+          </a:p>
+          <a:p>
+            <a:r>
+              <a:rPr lang="ru-RU" dirty="0">
+                <a:latin typeface="Calibri" panose="020F0502020204030204" pitchFamily="34" charset="0"/>
+                <a:cs typeface="Calibri" panose="020F0502020204030204" pitchFamily="34" charset="0"/>
               </a:rPr>
-              <a:t> v0.2.31</a:t>
-            </a:r>
-          </a:p>
-          <a:p>
-            <a:r>
-              <a:rPr lang="en-US" dirty="0">
-                <a:cs typeface="Times New Roman" panose="02020603050405020304" pitchFamily="18" charset="0"/>
+              <a:t>Свыше 2000 строк кода клиента</a:t>
+            </a:r>
+            <a:endParaRPr lang="en-US" dirty="0">
+              <a:latin typeface="Calibri" panose="020F0502020204030204" pitchFamily="34" charset="0"/>
+              <a:cs typeface="Calibri" panose="020F0502020204030204" pitchFamily="34" charset="0"/>
+            </a:endParaRPr>
+          </a:p>
+          <a:p>
+            <a:pPr lvl="0"/>
+            <a:r>
+              <a:rPr lang="ru-RU" dirty="0">
+                <a:latin typeface="Calibri" panose="020F0502020204030204" pitchFamily="34" charset="0"/>
+                <a:cs typeface="Calibri" panose="020F0502020204030204" pitchFamily="34" charset="0"/>
               </a:rPr>
-              <a:t>PostgreSQL v1</a:t>
-            </a:r>
+              <a:t>4 сервиса на стороне клиента для обслуживания запросов</a:t>
+            </a:r>
+          </a:p>
+          <a:p>
+            <a:pPr lvl="0"/>
             <a:r>
               <a:rPr lang="ru-RU" dirty="0">
-                <a:cs typeface="Times New Roman" panose="02020603050405020304" pitchFamily="18" charset="0"/>
+                <a:latin typeface="Calibri" panose="020F0502020204030204" pitchFamily="34" charset="0"/>
+                <a:cs typeface="Calibri" panose="020F0502020204030204" pitchFamily="34" charset="0"/>
               </a:rPr>
-              <a:t>3.2</a:t>
-            </a:r>
-            <a:endParaRPr lang="en-US" dirty="0">
-              <a:cs typeface="Times New Roman" panose="02020603050405020304" pitchFamily="18" charset="0"/>
-            </a:endParaRPr>
-          </a:p>
-          <a:p>
-            <a:r>
-              <a:rPr lang="en-US" dirty="0" err="1">
-                <a:cs typeface="Times New Roman" panose="02020603050405020304" pitchFamily="18" charset="0"/>
+              <a:t>13 классов, 38 методов и функций для представления ДРАКОН-схем</a:t>
+            </a:r>
+          </a:p>
+          <a:p>
+            <a:pPr lvl="0"/>
+            <a:r>
+              <a:rPr lang="ru-RU" dirty="0">
+                <a:latin typeface="Calibri" panose="020F0502020204030204" pitchFamily="34" charset="0"/>
+                <a:cs typeface="Calibri" panose="020F0502020204030204" pitchFamily="34" charset="0"/>
               </a:rPr>
-              <a:t>Bcrypt</a:t>
-            </a:r>
-            <a:r>
-              <a:rPr lang="en-US" dirty="0">
-                <a:cs typeface="Times New Roman" panose="02020603050405020304" pitchFamily="18" charset="0"/>
-              </a:rPr>
-              <a:t> v5.0.1</a:t>
-            </a:r>
-          </a:p>
-          <a:p>
-            <a:r>
-              <a:rPr lang="en-US" dirty="0">
-                <a:cs typeface="Times New Roman" panose="02020603050405020304" pitchFamily="18" charset="0"/>
-              </a:rPr>
-              <a:t>React v17.0.0</a:t>
-            </a:r>
-            <a:endParaRPr lang="ru-RU" dirty="0">
-              <a:cs typeface="Times New Roman" panose="02020603050405020304" pitchFamily="18" charset="0"/>
-            </a:endParaRPr>
-          </a:p>
-          <a:p>
-            <a:r>
-              <a:rPr lang="ru-RU" dirty="0">
-                <a:cs typeface="Times New Roman" panose="02020603050405020304" pitchFamily="18" charset="0"/>
-              </a:rPr>
-              <a:t>Среда разработки – </a:t>
-            </a:r>
-            <a:r>
-              <a:rPr lang="en-US" dirty="0">
-                <a:cs typeface="Times New Roman" panose="02020603050405020304" pitchFamily="18" charset="0"/>
-              </a:rPr>
-              <a:t>Visual Studio Code v1.57.0</a:t>
-            </a:r>
-          </a:p>
-          <a:p>
-            <a:pPr lvl="0"/>
-            <a:r>
-              <a:rPr lang="ru-RU" dirty="0">
-                <a:cs typeface="Times New Roman" panose="02020603050405020304" pitchFamily="18" charset="0"/>
-              </a:rPr>
-              <a:t>Среда проектирования БД– </a:t>
-            </a:r>
-            <a:r>
-              <a:rPr lang="en-US" dirty="0">
-                <a:cs typeface="Times New Roman" panose="02020603050405020304" pitchFamily="18" charset="0"/>
-              </a:rPr>
-              <a:t>JetBrains </a:t>
-            </a:r>
-            <a:r>
-              <a:rPr lang="en-US" dirty="0" err="1">
-                <a:cs typeface="Times New Roman" panose="02020603050405020304" pitchFamily="18" charset="0"/>
-              </a:rPr>
-              <a:t>DataGrip</a:t>
-            </a:r>
-            <a:r>
-              <a:rPr lang="en-US" dirty="0">
-                <a:cs typeface="Times New Roman" panose="02020603050405020304" pitchFamily="18" charset="0"/>
-              </a:rPr>
-              <a:t> 2020.3</a:t>
-            </a:r>
-          </a:p>
-          <a:p>
-            <a:pPr lvl="0"/>
-            <a:r>
-              <a:rPr lang="ru-RU" dirty="0">
-                <a:cs typeface="Times New Roman" panose="02020603050405020304" pitchFamily="18" charset="0"/>
-              </a:rPr>
-              <a:t>Контейнеризация – </a:t>
-            </a:r>
-            <a:r>
-              <a:rPr lang="en-US" dirty="0">
-                <a:cs typeface="Times New Roman" panose="02020603050405020304" pitchFamily="18" charset="0"/>
-              </a:rPr>
-              <a:t>Docker v19.03.12</a:t>
-            </a:r>
-            <a:endParaRPr lang="ru-RU" dirty="0">
-              <a:cs typeface="Times New Roman" panose="02020603050405020304" pitchFamily="18" charset="0"/>
-            </a:endParaRPr>
-          </a:p>
-          <a:p>
-            <a:pPr lvl="0"/>
-            <a:r>
-              <a:rPr lang="ru-RU" dirty="0">
-                <a:cs typeface="Times New Roman" panose="02020603050405020304" pitchFamily="18" charset="0"/>
-              </a:rPr>
-              <a:t>Офисный пакет </a:t>
-            </a:r>
-            <a:r>
-              <a:rPr lang="en-US" dirty="0">
-                <a:cs typeface="Times New Roman" panose="02020603050405020304" pitchFamily="18" charset="0"/>
-              </a:rPr>
-              <a:t>Microsoft Office 2019 (</a:t>
-            </a:r>
-            <a:r>
-              <a:rPr lang="ru-RU" dirty="0">
-                <a:cs typeface="Times New Roman" panose="02020603050405020304" pitchFamily="18" charset="0"/>
-              </a:rPr>
-              <a:t>документация)</a:t>
+              <a:t>6 страниц интерфейсов</a:t>
             </a:r>
           </a:p>
         </p:txBody>
@@ -12324,7 +13430,7 @@
           <p:cNvPr id="3" name="Номер слайда 2">
             <a:extLst>
               <a:ext uri="{FF2B5EF4-FFF2-40B4-BE49-F238E27FC236}">
-                <a16:creationId xmlns:a16="http://schemas.microsoft.com/office/drawing/2014/main" id="{A0FEA376-2E6D-5A4E-A3EA-5E5DB9ED64C0}"/>
+                <a16:creationId xmlns:a16="http://schemas.microsoft.com/office/drawing/2014/main" id="{A96EEFD9-9637-C445-9A72-12A9FE91D5BA}"/>
               </a:ext>
             </a:extLst>
           </p:cNvPr>
@@ -12351,7 +13457,7 @@
     </p:spTree>
     <p:extLst>
       <p:ext uri="{BB962C8B-B14F-4D97-AF65-F5344CB8AC3E}">
-        <p14:creationId xmlns:p14="http://schemas.microsoft.com/office/powerpoint/2010/main" val="412773038"/>
+        <p14:creationId xmlns:p14="http://schemas.microsoft.com/office/powerpoint/2010/main" val="187208088"/>
       </p:ext>
     </p:extLst>
   </p:cSld>
@@ -12408,12 +13514,14 @@
         </p:nvSpPr>
         <p:spPr/>
         <p:txBody>
-          <a:bodyPr/>
+          <a:bodyPr>
+            <a:normAutofit fontScale="90000"/>
+          </a:bodyPr>
           <a:lstStyle/>
           <a:p>
             <a:r>
               <a:rPr lang="ru-RU" dirty="0"/>
-              <a:t>Сведения о проекте</a:t>
+              <a:t>Заключение</a:t>
             </a:r>
           </a:p>
         </p:txBody>
@@ -12436,403 +13544,13 @@
         </p:nvSpPr>
         <p:spPr>
           <a:xfrm>
-            <a:off x="1739687" y="2030542"/>
-            <a:ext cx="9613861" cy="4584031"/>
+            <a:off x="1390650" y="1883043"/>
+            <a:ext cx="9601200" cy="4734317"/>
           </a:xfrm>
         </p:spPr>
         <p:txBody>
           <a:bodyPr>
-            <a:normAutofit lnSpcReduction="10000"/>
-          </a:bodyPr>
-          <a:lstStyle/>
-          <a:p>
-            <a:r>
-              <a:rPr lang="ru-RU" dirty="0">
-                <a:latin typeface="Calibri" panose="020F0502020204030204" pitchFamily="34" charset="0"/>
-                <a:cs typeface="Calibri" panose="020F0502020204030204" pitchFamily="34" charset="0"/>
-              </a:rPr>
-              <a:t>Свыше 700 строк кода сервера</a:t>
-            </a:r>
-          </a:p>
-          <a:p>
-            <a:r>
-              <a:rPr lang="ru-RU" dirty="0">
-                <a:latin typeface="Calibri" panose="020F0502020204030204" pitchFamily="34" charset="0"/>
-                <a:cs typeface="Calibri" panose="020F0502020204030204" pitchFamily="34" charset="0"/>
-              </a:rPr>
-              <a:t>7</a:t>
-            </a:r>
-            <a:r>
-              <a:rPr lang="en-US" dirty="0">
-                <a:latin typeface="Calibri" panose="020F0502020204030204" pitchFamily="34" charset="0"/>
-                <a:cs typeface="Calibri" panose="020F0502020204030204" pitchFamily="34" charset="0"/>
-              </a:rPr>
-              <a:t> </a:t>
-            </a:r>
-            <a:r>
-              <a:rPr lang="ru-RU" dirty="0">
-                <a:latin typeface="Calibri" panose="020F0502020204030204" pitchFamily="34" charset="0"/>
-                <a:cs typeface="Calibri" panose="020F0502020204030204" pitchFamily="34" charset="0"/>
-              </a:rPr>
-              <a:t>модулей сервисов </a:t>
-            </a:r>
-            <a:r>
-              <a:rPr lang="en-US" dirty="0" err="1">
-                <a:latin typeface="Calibri" panose="020F0502020204030204" pitchFamily="34" charset="0"/>
-                <a:cs typeface="Calibri" panose="020F0502020204030204" pitchFamily="34" charset="0"/>
-              </a:rPr>
-              <a:t>NestJS</a:t>
-            </a:r>
-            <a:endParaRPr lang="ru-RU" dirty="0">
-              <a:latin typeface="Calibri" panose="020F0502020204030204" pitchFamily="34" charset="0"/>
-              <a:cs typeface="Calibri" panose="020F0502020204030204" pitchFamily="34" charset="0"/>
-            </a:endParaRPr>
-          </a:p>
-          <a:p>
-            <a:r>
-              <a:rPr lang="ru-RU" dirty="0">
-                <a:latin typeface="Calibri" panose="020F0502020204030204" pitchFamily="34" charset="0"/>
-                <a:cs typeface="Calibri" panose="020F0502020204030204" pitchFamily="34" charset="0"/>
-              </a:rPr>
-              <a:t>Свыше 200 строк кода развертывания БД</a:t>
-            </a:r>
-          </a:p>
-          <a:p>
-            <a:r>
-              <a:rPr lang="ru-RU" dirty="0">
-                <a:latin typeface="Calibri" panose="020F0502020204030204" pitchFamily="34" charset="0"/>
-                <a:cs typeface="Calibri" panose="020F0502020204030204" pitchFamily="34" charset="0"/>
-              </a:rPr>
-              <a:t>3 справочника для базы данных</a:t>
-            </a:r>
-          </a:p>
-          <a:p>
-            <a:r>
-              <a:rPr lang="ru-RU" dirty="0">
-                <a:latin typeface="Calibri" panose="020F0502020204030204" pitchFamily="34" charset="0"/>
-                <a:cs typeface="Calibri" panose="020F0502020204030204" pitchFamily="34" charset="0"/>
-              </a:rPr>
-              <a:t>Свыше 2000 строк кода клиента</a:t>
-            </a:r>
-            <a:endParaRPr lang="en-US" dirty="0">
-              <a:latin typeface="Calibri" panose="020F0502020204030204" pitchFamily="34" charset="0"/>
-              <a:cs typeface="Calibri" panose="020F0502020204030204" pitchFamily="34" charset="0"/>
-            </a:endParaRPr>
-          </a:p>
-          <a:p>
-            <a:pPr lvl="0"/>
-            <a:r>
-              <a:rPr lang="ru-RU" dirty="0">
-                <a:latin typeface="Calibri" panose="020F0502020204030204" pitchFamily="34" charset="0"/>
-                <a:cs typeface="Calibri" panose="020F0502020204030204" pitchFamily="34" charset="0"/>
-              </a:rPr>
-              <a:t>4 сервиса на стороне клиента для обслуживания запросов</a:t>
-            </a:r>
-          </a:p>
-          <a:p>
-            <a:pPr lvl="0"/>
-            <a:r>
-              <a:rPr lang="ru-RU" dirty="0">
-                <a:latin typeface="Calibri" panose="020F0502020204030204" pitchFamily="34" charset="0"/>
-                <a:cs typeface="Calibri" panose="020F0502020204030204" pitchFamily="34" charset="0"/>
-              </a:rPr>
-              <a:t>13 классов, 38 методов и функций для представления ДРАКОН-схем</a:t>
-            </a:r>
-          </a:p>
-          <a:p>
-            <a:pPr lvl="0"/>
-            <a:r>
-              <a:rPr lang="ru-RU" dirty="0">
-                <a:latin typeface="Calibri" panose="020F0502020204030204" pitchFamily="34" charset="0"/>
-                <a:cs typeface="Calibri" panose="020F0502020204030204" pitchFamily="34" charset="0"/>
-              </a:rPr>
-              <a:t>6 страниц интерфейсов</a:t>
-            </a:r>
-          </a:p>
-        </p:txBody>
-      </p:sp>
-      <p:sp>
-        <p:nvSpPr>
-          <p:cNvPr id="3" name="Номер слайда 2">
-            <a:extLst>
-              <a:ext uri="{FF2B5EF4-FFF2-40B4-BE49-F238E27FC236}">
-                <a16:creationId xmlns:a16="http://schemas.microsoft.com/office/drawing/2014/main" id="{A96EEFD9-9637-C445-9A72-12A9FE91D5BA}"/>
-              </a:ext>
-            </a:extLst>
-          </p:cNvPr>
-          <p:cNvSpPr>
-            <a:spLocks noGrp="1"/>
-          </p:cNvSpPr>
-          <p:nvPr>
-            <p:ph type="sldNum" sz="quarter" idx="12"/>
-          </p:nvPr>
-        </p:nvSpPr>
-        <p:spPr/>
-        <p:txBody>
-          <a:bodyPr/>
-          <a:lstStyle/>
-          <a:p>
-            <a:fld id="{6D22F896-40B5-4ADD-8801-0D06FADFA095}" type="slidenum">
-              <a:rPr lang="en-US" smtClean="0"/>
-              <a:t>25</a:t>
-            </a:fld>
-            <a:endParaRPr lang="en-US" dirty="0"/>
-          </a:p>
-        </p:txBody>
-      </p:sp>
-    </p:spTree>
-    <p:extLst>
-      <p:ext uri="{BB962C8B-B14F-4D97-AF65-F5344CB8AC3E}">
-        <p14:creationId xmlns:p14="http://schemas.microsoft.com/office/powerpoint/2010/main" val="187208088"/>
-      </p:ext>
-    </p:extLst>
-  </p:cSld>
-  <p:clrMapOvr>
-    <a:masterClrMapping/>
-  </p:clrMapOvr>
-  <mc:AlternateContent xmlns:mc="http://schemas.openxmlformats.org/markup-compatibility/2006" xmlns:p14="http://schemas.microsoft.com/office/powerpoint/2010/main">
-    <mc:Choice Requires="p14">
-      <p:transition spd="med" p14:dur="700">
-        <p:fade/>
-      </p:transition>
-    </mc:Choice>
-    <mc:Fallback xmlns="">
-      <p:transition spd="med">
-        <p:fade/>
-      </p:transition>
-    </mc:Fallback>
-  </mc:AlternateContent>
-</p:sld>
-</file>
-
-<file path=ppt/slides/slide26.xml><?xml version="1.0" encoding="utf-8"?>
-<p:sld xmlns:a="http://schemas.openxmlformats.org/drawingml/2006/main" xmlns:r="http://schemas.openxmlformats.org/officeDocument/2006/relationships" xmlns:p="http://schemas.openxmlformats.org/presentationml/2006/main">
-  <p:cSld>
-    <p:spTree>
-      <p:nvGrpSpPr>
-        <p:cNvPr id="1" name=""/>
-        <p:cNvGrpSpPr/>
-        <p:nvPr/>
-      </p:nvGrpSpPr>
-      <p:grpSpPr>
-        <a:xfrm>
-          <a:off x="0" y="0"/>
-          <a:ext cx="0" cy="0"/>
-          <a:chOff x="0" y="0"/>
-          <a:chExt cx="0" cy="0"/>
-        </a:xfrm>
-      </p:grpSpPr>
-      <p:sp>
-        <p:nvSpPr>
-          <p:cNvPr id="2" name="Заголовок 1">
-            <a:extLst>
-              <a:ext uri="{FF2B5EF4-FFF2-40B4-BE49-F238E27FC236}">
-                <a16:creationId xmlns:a16="http://schemas.microsoft.com/office/drawing/2014/main" id="{805FACCA-3351-F94E-A74B-D61FA9483137}"/>
-              </a:ext>
-            </a:extLst>
-          </p:cNvPr>
-          <p:cNvSpPr>
-            <a:spLocks noGrp="1"/>
-          </p:cNvSpPr>
-          <p:nvPr>
-            <p:ph type="title"/>
-          </p:nvPr>
-        </p:nvSpPr>
-        <p:spPr/>
-        <p:txBody>
-          <a:bodyPr/>
-          <a:lstStyle/>
-          <a:p>
-            <a:r>
-              <a:rPr lang="ru-RU" dirty="0"/>
-              <a:t>Внедрение и перспективы</a:t>
-            </a:r>
-          </a:p>
-        </p:txBody>
-      </p:sp>
-      <p:sp>
-        <p:nvSpPr>
-          <p:cNvPr id="3" name="Объект 2">
-            <a:extLst>
-              <a:ext uri="{FF2B5EF4-FFF2-40B4-BE49-F238E27FC236}">
-                <a16:creationId xmlns:a16="http://schemas.microsoft.com/office/drawing/2014/main" id="{9CE4B110-E9DE-7D40-B0AC-0167CC958582}"/>
-              </a:ext>
-            </a:extLst>
-          </p:cNvPr>
-          <p:cNvSpPr>
-            <a:spLocks noGrp="1"/>
-          </p:cNvSpPr>
-          <p:nvPr>
-            <p:ph idx="1"/>
-          </p:nvPr>
-        </p:nvSpPr>
-        <p:spPr>
-          <a:xfrm>
-            <a:off x="1390650" y="2286000"/>
-            <a:ext cx="9601200" cy="3581400"/>
-          </a:xfrm>
-        </p:spPr>
-        <p:txBody>
-          <a:bodyPr/>
-          <a:lstStyle/>
-          <a:p>
-            <a:r>
-              <a:rPr lang="ru-RU" dirty="0"/>
-              <a:t>Реализация ДРАКОН-силуэтов</a:t>
-            </a:r>
-          </a:p>
-          <a:p>
-            <a:r>
-              <a:rPr lang="ru-RU" dirty="0"/>
-              <a:t>Реализация всех основных </a:t>
-            </a:r>
-            <a:r>
-              <a:rPr lang="ru-RU" dirty="0" err="1"/>
-              <a:t>макроикон</a:t>
-            </a:r>
-            <a:r>
-              <a:rPr lang="ru-RU" dirty="0"/>
-              <a:t> языка ДРАКОН</a:t>
-            </a:r>
-          </a:p>
-          <a:p>
-            <a:r>
-              <a:rPr lang="ru-RU" dirty="0"/>
-              <a:t>Создание обучающих тестовых заданий</a:t>
-            </a:r>
-          </a:p>
-          <a:p>
-            <a:r>
-              <a:rPr lang="ru-RU" dirty="0"/>
-              <a:t>К 1 </a:t>
-            </a:r>
-            <a:r>
-              <a:rPr lang="ru-RU" dirty="0" err="1"/>
-              <a:t>сентябра</a:t>
-            </a:r>
-            <a:r>
-              <a:rPr lang="ru-RU" dirty="0"/>
-              <a:t> 2021 года провести пробное тестирование системы на студентах 1 курса </a:t>
-            </a:r>
-            <a:r>
-              <a:rPr lang="ru-RU" dirty="0" err="1"/>
-              <a:t>ИИТиК</a:t>
-            </a:r>
-            <a:r>
-              <a:rPr lang="ru-RU" dirty="0"/>
-              <a:t> АГТУ.</a:t>
-            </a:r>
-          </a:p>
-        </p:txBody>
-      </p:sp>
-      <p:sp>
-        <p:nvSpPr>
-          <p:cNvPr id="4" name="Номер слайда 3">
-            <a:extLst>
-              <a:ext uri="{FF2B5EF4-FFF2-40B4-BE49-F238E27FC236}">
-                <a16:creationId xmlns:a16="http://schemas.microsoft.com/office/drawing/2014/main" id="{1ACA8747-C3B2-9345-BDF9-522921535DAF}"/>
-              </a:ext>
-            </a:extLst>
-          </p:cNvPr>
-          <p:cNvSpPr>
-            <a:spLocks noGrp="1"/>
-          </p:cNvSpPr>
-          <p:nvPr>
-            <p:ph type="sldNum" sz="quarter" idx="12"/>
-          </p:nvPr>
-        </p:nvSpPr>
-        <p:spPr/>
-        <p:txBody>
-          <a:bodyPr/>
-          <a:lstStyle/>
-          <a:p>
-            <a:fld id="{6D22F896-40B5-4ADD-8801-0D06FADFA095}" type="slidenum">
-              <a:rPr lang="en-US" smtClean="0"/>
-              <a:pPr/>
-              <a:t>26</a:t>
-            </a:fld>
-            <a:endParaRPr lang="en-US" dirty="0"/>
-          </a:p>
-        </p:txBody>
-      </p:sp>
-    </p:spTree>
-    <p:extLst>
-      <p:ext uri="{BB962C8B-B14F-4D97-AF65-F5344CB8AC3E}">
-        <p14:creationId xmlns:p14="http://schemas.microsoft.com/office/powerpoint/2010/main" val="1697252462"/>
-      </p:ext>
-    </p:extLst>
-  </p:cSld>
-  <p:clrMapOvr>
-    <a:masterClrMapping/>
-  </p:clrMapOvr>
-</p:sld>
-</file>
-
-<file path=ppt/slides/slide27.xml><?xml version="1.0" encoding="utf-8"?>
-<p:sld xmlns:a="http://schemas.openxmlformats.org/drawingml/2006/main" xmlns:r="http://schemas.openxmlformats.org/officeDocument/2006/relationships" xmlns:p="http://schemas.openxmlformats.org/presentationml/2006/main">
-  <p:cSld>
-    <p:spTree>
-      <p:nvGrpSpPr>
-        <p:cNvPr id="1" name=""/>
-        <p:cNvGrpSpPr/>
-        <p:nvPr/>
-      </p:nvGrpSpPr>
-      <p:grpSpPr>
-        <a:xfrm>
-          <a:off x="0" y="0"/>
-          <a:ext cx="0" cy="0"/>
-          <a:chOff x="0" y="0"/>
-          <a:chExt cx="0" cy="0"/>
-        </a:xfrm>
-      </p:grpSpPr>
-      <p:sp>
-        <p:nvSpPr>
-          <p:cNvPr id="2" name="Заголовок 1">
-            <a:extLst>
-              <a:ext uri="{FF2B5EF4-FFF2-40B4-BE49-F238E27FC236}">
-                <a16:creationId xmlns:a16="http://schemas.microsoft.com/office/drawing/2014/main" id="{9BFAA110-C35E-419E-94F5-DAEBD2170558}"/>
-              </a:ext>
-            </a:extLst>
-          </p:cNvPr>
-          <p:cNvSpPr>
-            <a:spLocks noGrp="1"/>
-          </p:cNvSpPr>
-          <p:nvPr>
-            <p:ph type="title"/>
-          </p:nvPr>
-        </p:nvSpPr>
-        <p:spPr/>
-        <p:txBody>
-          <a:bodyPr/>
-          <a:lstStyle/>
-          <a:p>
-            <a:r>
-              <a:rPr lang="ru-RU" dirty="0"/>
-              <a:t>Заключение</a:t>
-            </a:r>
-          </a:p>
-        </p:txBody>
-      </p:sp>
-      <p:sp>
-        <p:nvSpPr>
-          <p:cNvPr id="6" name="Объект 5">
-            <a:extLst>
-              <a:ext uri="{FF2B5EF4-FFF2-40B4-BE49-F238E27FC236}">
-                <a16:creationId xmlns:a16="http://schemas.microsoft.com/office/drawing/2014/main" id="{F3AF8238-DF16-4E55-B564-3C299D7AEF9E}"/>
-              </a:ext>
-            </a:extLst>
-          </p:cNvPr>
-          <p:cNvSpPr>
-            <a:spLocks noGrp="1"/>
-          </p:cNvSpPr>
-          <p:nvPr>
-            <p:ph idx="1"/>
-          </p:nvPr>
-        </p:nvSpPr>
-        <p:spPr/>
-        <p:txBody>
-          <a:bodyPr>
-            <a:normAutofit/>
+            <a:normAutofit fontScale="85000" lnSpcReduction="20000"/>
           </a:bodyPr>
           <a:lstStyle/>
           <a:p>
@@ -12841,7 +13559,59 @@
             </a:pPr>
             <a:r>
               <a:rPr lang="ru-RU" dirty="0"/>
-              <a:t>В результате выполнения выпускной квалификационной работы разработана единая среда обучения основам алгоритмизации с помощью языка ДРАКОН</a:t>
+              <a:t>В результате выполнения выпускной квалификационной работы была разработана многопользовательская единая веб-среда обучения основам алгоритмизации с помощью языка ДРАКОН.</a:t>
+            </a:r>
+          </a:p>
+          <a:p>
+            <a:pPr marL="0" indent="0" algn="just">
+              <a:buNone/>
+            </a:pPr>
+            <a:endParaRPr lang="ru-RU" dirty="0"/>
+          </a:p>
+          <a:p>
+            <a:pPr marL="0" indent="0" algn="just">
+              <a:buNone/>
+            </a:pPr>
+            <a:r>
+              <a:rPr lang="ru-RU" dirty="0"/>
+              <a:t>Текущая версия программного продукта может быть усовершенствована с помощью:</a:t>
+            </a:r>
+          </a:p>
+          <a:p>
+            <a:pPr algn="just"/>
+            <a:r>
+              <a:rPr lang="ru-RU" sz="2400" dirty="0"/>
+              <a:t>реализации всех основных макроикон языка ДРАКОН;</a:t>
+            </a:r>
+          </a:p>
+          <a:p>
+            <a:pPr algn="just"/>
+            <a:r>
+              <a:rPr lang="ru-RU" sz="2400" dirty="0"/>
+              <a:t>расширения стандарта языка ДРАКОН для сопоставления икон с конструкциями языка JavaScript;</a:t>
+            </a:r>
+          </a:p>
+          <a:p>
+            <a:pPr marL="0" indent="0" algn="just">
+              <a:buNone/>
+            </a:pPr>
+            <a:endParaRPr lang="ru-RU" dirty="0"/>
+          </a:p>
+          <a:p>
+            <a:pPr marL="0" indent="0" algn="just">
+              <a:buNone/>
+            </a:pPr>
+            <a:r>
+              <a:rPr lang="ru-RU" dirty="0"/>
+              <a:t>Система проходит внутренний этап тестирования. К 1 сентябрю 2021 года планируется начать этап закрытого тестирования на студентах 1 курса </a:t>
+            </a:r>
+            <a:r>
+              <a:rPr lang="ru-RU" dirty="0" err="1"/>
+              <a:t>ИиТИК</a:t>
+            </a:r>
+            <a:r>
+              <a:rPr lang="ru-RU" dirty="0"/>
+              <a:t> АГТУ</a:t>
             </a:r>
           </a:p>
         </p:txBody>
@@ -12869,7 +13639,7 @@
           <a:p>
             <a:fld id="{6D22F896-40B5-4ADD-8801-0D06FADFA095}" type="slidenum">
               <a:rPr lang="en-US" smtClean="0"/>
-              <a:t>27</a:t>
+              <a:t>25</a:t>
             </a:fld>
             <a:endParaRPr lang="en-US" dirty="0"/>
           </a:p>
@@ -13196,12 +13966,14 @@
         </p:nvSpPr>
         <p:spPr>
           <a:xfrm>
-            <a:off x="1220679" y="312938"/>
-            <a:ext cx="9601200" cy="1485900"/>
+            <a:off x="1455198" y="292567"/>
+            <a:ext cx="9281604" cy="705371"/>
           </a:xfrm>
         </p:spPr>
         <p:txBody>
-          <a:bodyPr/>
+          <a:bodyPr>
+            <a:normAutofit fontScale="90000"/>
+          </a:bodyPr>
           <a:lstStyle/>
           <a:p>
             <a:r>
@@ -13272,7 +14044,7 @@
         </p:blipFill>
         <p:spPr bwMode="auto">
           <a:xfrm>
-            <a:off x="1523770" y="1055888"/>
+            <a:off x="1689717" y="1329821"/>
             <a:ext cx="8812566" cy="5287540"/>
           </a:xfrm>
           <a:prstGeom prst="rect">
@@ -13350,7 +14122,9 @@
         </p:nvSpPr>
         <p:spPr/>
         <p:txBody>
-          <a:bodyPr/>
+          <a:bodyPr>
+            <a:normAutofit fontScale="90000"/>
+          </a:bodyPr>
           <a:lstStyle/>
           <a:p>
             <a:r>
@@ -13612,8 +14386,8 @@
         </p:nvSpPr>
         <p:spPr>
           <a:xfrm>
-            <a:off x="1295400" y="610282"/>
-            <a:ext cx="9601200" cy="1485900"/>
+            <a:off x="1575532" y="442946"/>
+            <a:ext cx="9040936" cy="771709"/>
           </a:xfrm>
         </p:spPr>
         <p:txBody>
@@ -13799,12 +14573,14 @@
         </p:nvSpPr>
         <p:spPr>
           <a:xfrm>
-            <a:off x="1295399" y="645253"/>
-            <a:ext cx="9601200" cy="1485900"/>
+            <a:off x="1204477" y="506308"/>
+            <a:ext cx="9783042" cy="851038"/>
           </a:xfrm>
         </p:spPr>
         <p:txBody>
-          <a:bodyPr/>
+          <a:bodyPr>
+            <a:normAutofit/>
+          </a:bodyPr>
           <a:lstStyle/>
           <a:p>
             <a:pPr algn="ctr"/>
@@ -13954,8 +14730,8 @@
         </p:nvSpPr>
         <p:spPr>
           <a:xfrm>
-            <a:off x="1390650" y="685800"/>
-            <a:ext cx="10150862" cy="1485900"/>
+            <a:off x="1160991" y="442946"/>
+            <a:ext cx="10361469" cy="1278082"/>
           </a:xfrm>
         </p:spPr>
         <p:txBody>
@@ -14012,7 +14788,7 @@
           <a:p>
             <a:r>
               <a:rPr lang="ru-RU" sz="3200" dirty="0"/>
-              <a:t>Обладает преимуществом в наглядности в сравнении с классическими блок-схемами</a:t>
+              <a:t>Обладает интуитивно понятным интерфейсом по взаимодействию со схемами</a:t>
             </a:r>
           </a:p>
           <a:p>
@@ -14126,9 +14902,16 @@
             <p:ph type="title"/>
           </p:nvPr>
         </p:nvSpPr>
-        <p:spPr/>
-        <p:txBody>
-          <a:bodyPr/>
+        <p:spPr>
+          <a:xfrm>
+            <a:off x="3630226" y="240639"/>
+            <a:ext cx="4931545" cy="1137651"/>
+          </a:xfrm>
+        </p:spPr>
+        <p:txBody>
+          <a:bodyPr>
+            <a:normAutofit fontScale="90000"/>
+          </a:bodyPr>
           <a:lstStyle/>
           <a:p>
             <a:r>
@@ -14181,7 +14964,7 @@
           <a:p>
             <a:r>
               <a:rPr lang="ru-RU" dirty="0"/>
-              <a:t>Сокращает время на проектирование, поиск и устранение ошибок</a:t>
+              <a:t>Сокращает время проектирования, поиска и устранения ошибок</a:t>
             </a:r>
           </a:p>
           <a:p>
@@ -14890,4 +15673,299 @@
     </a:ext>
   </a:extLst>
 </a:theme>
+</file>
+
+<file path=ppt/theme/theme3.xml><?xml version="1.0" encoding="utf-8"?>
+<a:theme xmlns:a="http://schemas.openxmlformats.org/drawingml/2006/main" name="Тема Office">
+  <a:themeElements>
+    <a:clrScheme name="Стандартная">
+      <a:dk1>
+        <a:sysClr val="windowText" lastClr="000000"/>
+      </a:dk1>
+      <a:lt1>
+        <a:sysClr val="window" lastClr="FFFFFF"/>
+      </a:lt1>
+      <a:dk2>
+        <a:srgbClr val="44546A"/>
+      </a:dk2>
+      <a:lt2>
+        <a:srgbClr val="E7E6E6"/>
+      </a:lt2>
+      <a:accent1>
+        <a:srgbClr val="4472C4"/>
+      </a:accent1>
+      <a:accent2>
+        <a:srgbClr val="ED7D31"/>
+      </a:accent2>
+      <a:accent3>
+        <a:srgbClr val="A5A5A5"/>
+      </a:accent3>
+      <a:accent4>
+        <a:srgbClr val="FFC000"/>
+      </a:accent4>
+      <a:accent5>
+        <a:srgbClr val="5B9BD5"/>
+      </a:accent5>
+      <a:accent6>
+        <a:srgbClr val="70AD47"/>
+      </a:accent6>
+      <a:hlink>
+        <a:srgbClr val="0563C1"/>
+      </a:hlink>
+      <a:folHlink>
+        <a:srgbClr val="954F72"/>
+      </a:folHlink>
+    </a:clrScheme>
+    <a:fontScheme name="Стандартная">
+      <a:majorFont>
+        <a:latin typeface="Calibri Light" panose="020F0302020204030204"/>
+        <a:ea typeface=""/>
+        <a:cs typeface=""/>
+        <a:font script="Jpan" typeface="游ゴシック Light"/>
+        <a:font script="Hang" typeface="맑은 고딕"/>
+        <a:font script="Hans" typeface="等线 Light"/>
+        <a:font script="Hant" typeface="新細明體"/>
+        <a:font script="Arab" typeface="Times New Roman"/>
+        <a:font script="Hebr" typeface="Times New Roman"/>
+        <a:font script="Thai" typeface="Angsana New"/>
+        <a:font script="Ethi" typeface="Nyala"/>
+        <a:font script="Beng" typeface="Vrinda"/>
+        <a:font script="Gujr" typeface="Shruti"/>
+        <a:font script="Khmr" typeface="MoolBoran"/>
+        <a:font script="Knda" typeface="Tunga"/>
+        <a:font script="Guru" typeface="Raavi"/>
+        <a:font script="Cans" typeface="Euphemia"/>
+        <a:font script="Cher" typeface="Plantagenet Cherokee"/>
+        <a:font script="Yiii" typeface="Microsoft Yi Baiti"/>
+        <a:font script="Tibt" typeface="Microsoft Himalaya"/>
+        <a:font script="Thaa" typeface="MV Boli"/>
+        <a:font script="Deva" typeface="Mangal"/>
+        <a:font script="Telu" typeface="Gautami"/>
+        <a:font script="Taml" typeface="Latha"/>
+        <a:font script="Syrc" typeface="Estrangelo Edessa"/>
+        <a:font script="Orya" typeface="Kalinga"/>
+        <a:font script="Mlym" typeface="Kartika"/>
+        <a:font script="Laoo" typeface="DokChampa"/>
+        <a:font script="Sinh" typeface="Iskoola Pota"/>
+        <a:font script="Mong" typeface="Mongolian Baiti"/>
+        <a:font script="Viet" typeface="Times New Roman"/>
+        <a:font script="Uigh" typeface="Microsoft Uighur"/>
+        <a:font script="Geor" typeface="Sylfaen"/>
+        <a:font script="Armn" typeface="Arial"/>
+        <a:font script="Bugi" typeface="Leelawadee UI"/>
+        <a:font script="Bopo" typeface="Microsoft JhengHei"/>
+        <a:font script="Java" typeface="Javanese Text"/>
+        <a:font script="Lisu" typeface="Segoe UI"/>
+        <a:font script="Mymr" typeface="Myanmar Text"/>
+        <a:font script="Nkoo" typeface="Ebrima"/>
+        <a:font script="Olck" typeface="Nirmala UI"/>
+        <a:font script="Osma" typeface="Ebrima"/>
+        <a:font script="Phag" typeface="Phagspa"/>
+        <a:font script="Syrn" typeface="Estrangelo Edessa"/>
+        <a:font script="Syrj" typeface="Estrangelo Edessa"/>
+        <a:font script="Syre" typeface="Estrangelo Edessa"/>
+        <a:font script="Sora" typeface="Nirmala UI"/>
+        <a:font script="Tale" typeface="Microsoft Tai Le"/>
+        <a:font script="Talu" typeface="Microsoft New Tai Lue"/>
+        <a:font script="Tfng" typeface="Ebrima"/>
+      </a:majorFont>
+      <a:minorFont>
+        <a:latin typeface="Calibri" panose="020F0502020204030204"/>
+        <a:ea typeface=""/>
+        <a:cs typeface=""/>
+        <a:font script="Jpan" typeface="游ゴシック"/>
+        <a:font script="Hang" typeface="맑은 고딕"/>
+        <a:font script="Hans" typeface="等线"/>
+        <a:font script="Hant" typeface="新細明體"/>
+        <a:font script="Arab" typeface="Arial"/>
+        <a:font script="Hebr" typeface="Arial"/>
+        <a:font script="Thai" typeface="Cordia New"/>
+        <a:font script="Ethi" typeface="Nyala"/>
+        <a:font script="Beng" typeface="Vrinda"/>
+        <a:font script="Gujr" typeface="Shruti"/>
+        <a:font script="Khmr" typeface="DaunPenh"/>
+        <a:font script="Knda" typeface="Tunga"/>
+        <a:font script="Guru" typeface="Raavi"/>
+        <a:font script="Cans" typeface="Euphemia"/>
+        <a:font script="Cher" typeface="Plantagenet Cherokee"/>
+        <a:font script="Yiii" typeface="Microsoft Yi Baiti"/>
+        <a:font script="Tibt" typeface="Microsoft Himalaya"/>
+        <a:font script="Thaa" typeface="MV Boli"/>
+        <a:font script="Deva" typeface="Mangal"/>
+        <a:font script="Telu" typeface="Gautami"/>
+        <a:font script="Taml" typeface="Latha"/>
+        <a:font script="Syrc" typeface="Estrangelo Edessa"/>
+        <a:font script="Orya" typeface="Kalinga"/>
+        <a:font script="Mlym" typeface="Kartika"/>
+        <a:font script="Laoo" typeface="DokChampa"/>
+        <a:font script="Sinh" typeface="Iskoola Pota"/>
+        <a:font script="Mong" typeface="Mongolian Baiti"/>
+        <a:font script="Viet" typeface="Arial"/>
+        <a:font script="Uigh" typeface="Microsoft Uighur"/>
+        <a:font script="Geor" typeface="Sylfaen"/>
+        <a:font script="Armn" typeface="Arial"/>
+        <a:font script="Bugi" typeface="Leelawadee UI"/>
+        <a:font script="Bopo" typeface="Microsoft JhengHei"/>
+        <a:font script="Java" typeface="Javanese Text"/>
+        <a:font script="Lisu" typeface="Segoe UI"/>
+        <a:font script="Mymr" typeface="Myanmar Text"/>
+        <a:font script="Nkoo" typeface="Ebrima"/>
+        <a:font script="Olck" typeface="Nirmala UI"/>
+        <a:font script="Osma" typeface="Ebrima"/>
+        <a:font script="Phag" typeface="Phagspa"/>
+        <a:font script="Syrn" typeface="Estrangelo Edessa"/>
+        <a:font script="Syrj" typeface="Estrangelo Edessa"/>
+        <a:font script="Syre" typeface="Estrangelo Edessa"/>
+        <a:font script="Sora" typeface="Nirmala UI"/>
+        <a:font script="Tale" typeface="Microsoft Tai Le"/>
+        <a:font script="Talu" typeface="Microsoft New Tai Lue"/>
+        <a:font script="Tfng" typeface="Ebrima"/>
+      </a:minorFont>
+    </a:fontScheme>
+    <a:fmtScheme name="Стандартная">
+      <a:fillStyleLst>
+        <a:solidFill>
+          <a:schemeClr val="phClr"/>
+        </a:solidFill>
+        <a:gradFill rotWithShape="1">
+          <a:gsLst>
+            <a:gs pos="0">
+              <a:schemeClr val="phClr">
+                <a:lumMod val="110000"/>
+                <a:satMod val="105000"/>
+                <a:tint val="67000"/>
+              </a:schemeClr>
+            </a:gs>
+            <a:gs pos="50000">
+              <a:schemeClr val="phClr">
+                <a:lumMod val="105000"/>
+                <a:satMod val="103000"/>
+                <a:tint val="73000"/>
+              </a:schemeClr>
+            </a:gs>
+            <a:gs pos="100000">
+              <a:schemeClr val="phClr">
+                <a:lumMod val="105000"/>
+                <a:satMod val="109000"/>
+                <a:tint val="81000"/>
+              </a:schemeClr>
+            </a:gs>
+          </a:gsLst>
+          <a:lin ang="5400000" scaled="0"/>
+        </a:gradFill>
+        <a:gradFill rotWithShape="1">
+          <a:gsLst>
+            <a:gs pos="0">
+              <a:schemeClr val="phClr">
+                <a:satMod val="103000"/>
+                <a:lumMod val="102000"/>
+                <a:tint val="94000"/>
+              </a:schemeClr>
+            </a:gs>
+            <a:gs pos="50000">
+              <a:schemeClr val="phClr">
+                <a:satMod val="110000"/>
+                <a:lumMod val="100000"/>
+                <a:shade val="100000"/>
+              </a:schemeClr>
+            </a:gs>
+            <a:gs pos="100000">
+              <a:schemeClr val="phClr">
+                <a:lumMod val="99000"/>
+                <a:satMod val="120000"/>
+                <a:shade val="78000"/>
+              </a:schemeClr>
+            </a:gs>
+          </a:gsLst>
+          <a:lin ang="5400000" scaled="0"/>
+        </a:gradFill>
+      </a:fillStyleLst>
+      <a:lnStyleLst>
+        <a:ln w="6350" cap="flat" cmpd="sng" algn="ctr">
+          <a:solidFill>
+            <a:schemeClr val="phClr"/>
+          </a:solidFill>
+          <a:prstDash val="solid"/>
+          <a:miter lim="800000"/>
+        </a:ln>
+        <a:ln w="12700" cap="flat" cmpd="sng" algn="ctr">
+          <a:solidFill>
+            <a:schemeClr val="phClr"/>
+          </a:solidFill>
+          <a:prstDash val="solid"/>
+          <a:miter lim="800000"/>
+        </a:ln>
+        <a:ln w="19050" cap="flat" cmpd="sng" algn="ctr">
+          <a:solidFill>
+            <a:schemeClr val="phClr"/>
+          </a:solidFill>
+          <a:prstDash val="solid"/>
+          <a:miter lim="800000"/>
+        </a:ln>
+      </a:lnStyleLst>
+      <a:effectStyleLst>
+        <a:effectStyle>
+          <a:effectLst/>
+        </a:effectStyle>
+        <a:effectStyle>
+          <a:effectLst/>
+        </a:effectStyle>
+        <a:effectStyle>
+          <a:effectLst>
+            <a:outerShdw blurRad="57150" dist="19050" dir="5400000" algn="ctr" rotWithShape="0">
+              <a:srgbClr val="000000">
+                <a:alpha val="63000"/>
+              </a:srgbClr>
+            </a:outerShdw>
+          </a:effectLst>
+        </a:effectStyle>
+      </a:effectStyleLst>
+      <a:bgFillStyleLst>
+        <a:solidFill>
+          <a:schemeClr val="phClr"/>
+        </a:solidFill>
+        <a:solidFill>
+          <a:schemeClr val="phClr">
+            <a:tint val="95000"/>
+            <a:satMod val="170000"/>
+          </a:schemeClr>
+        </a:solidFill>
+        <a:gradFill rotWithShape="1">
+          <a:gsLst>
+            <a:gs pos="0">
+              <a:schemeClr val="phClr">
+                <a:tint val="93000"/>
+                <a:satMod val="150000"/>
+                <a:shade val="98000"/>
+                <a:lumMod val="102000"/>
+              </a:schemeClr>
+            </a:gs>
+            <a:gs pos="50000">
+              <a:schemeClr val="phClr">
+                <a:tint val="98000"/>
+                <a:satMod val="130000"/>
+                <a:shade val="90000"/>
+                <a:lumMod val="103000"/>
+              </a:schemeClr>
+            </a:gs>
+            <a:gs pos="100000">
+              <a:schemeClr val="phClr">
+                <a:shade val="63000"/>
+                <a:satMod val="120000"/>
+              </a:schemeClr>
+            </a:gs>
+          </a:gsLst>
+          <a:lin ang="5400000" scaled="0"/>
+        </a:gradFill>
+      </a:bgFillStyleLst>
+    </a:fmtScheme>
+  </a:themeElements>
+  <a:objectDefaults/>
+  <a:extraClrSchemeLst/>
+  <a:extLst>
+    <a:ext uri="{05A4C25C-085E-4340-85A3-A5531E510DB2}">
+      <thm15:themeFamily xmlns:thm15="http://schemas.microsoft.com/office/thememl/2012/main" name="Office Theme" id="{62F939B6-93AF-4DB8-9C6B-D6C7DFDC589F}" vid="{4A3C46E8-61CC-4603-A589-7422A47A8E4A}"/>
+    </a:ext>
+  </a:extLst>
+</a:theme>
 </file>
--- a/dizdocs/bakalavr.pptx
+++ b/dizdocs/bakalavr.pptx
@@ -8233,7 +8233,7 @@
         <p:spPr>
           <a:xfrm>
             <a:off x="7248128" y="2109355"/>
-            <a:ext cx="4674423" cy="2543678"/>
+            <a:ext cx="4674423" cy="2387340"/>
           </a:xfrm>
           <a:prstGeom prst="rect">
             <a:avLst/>
